--- a/CORE.pptx
+++ b/CORE.pptx
@@ -275,7 +275,7 @@
             <a:fld id="{54AB02A5-4FE5-49D9-9E24-09F23B90C450}" type="datetimeFigureOut">
               <a:rPr lang="en-US" smtClean="0"/>
               <a:pPr/>
-              <a:t>10/30/2019</a:t>
+              <a:t>10/31/2019</a:t>
             </a:fld>
             <a:endParaRPr lang="en-US"/>
           </a:p>
@@ -576,7 +576,7 @@
             <a:fld id="{54AB02A5-4FE5-49D9-9E24-09F23B90C450}" type="datetimeFigureOut">
               <a:rPr lang="en-US" smtClean="0"/>
               <a:pPr/>
-              <a:t>10/30/2019</a:t>
+              <a:t>10/31/2019</a:t>
             </a:fld>
             <a:endParaRPr lang="en-US"/>
           </a:p>
@@ -753,7 +753,7 @@
             <a:fld id="{54AB02A5-4FE5-49D9-9E24-09F23B90C450}" type="datetimeFigureOut">
               <a:rPr lang="en-US" smtClean="0"/>
               <a:pPr/>
-              <a:t>10/30/2019</a:t>
+              <a:t>10/31/2019</a:t>
             </a:fld>
             <a:endParaRPr lang="en-US"/>
           </a:p>
@@ -920,7 +920,7 @@
             <a:fld id="{54AB02A5-4FE5-49D9-9E24-09F23B90C450}" type="datetimeFigureOut">
               <a:rPr lang="en-US" smtClean="0"/>
               <a:pPr/>
-              <a:t>10/30/2019</a:t>
+              <a:t>10/31/2019</a:t>
             </a:fld>
             <a:endParaRPr lang="en-US"/>
           </a:p>
@@ -1182,7 +1182,7 @@
             <a:fld id="{54AB02A5-4FE5-49D9-9E24-09F23B90C450}" type="datetimeFigureOut">
               <a:rPr lang="en-US" smtClean="0"/>
               <a:pPr/>
-              <a:t>10/30/2019</a:t>
+              <a:t>10/31/2019</a:t>
             </a:fld>
             <a:endParaRPr lang="en-US"/>
           </a:p>
@@ -1638,7 +1638,7 @@
             <a:fld id="{54AB02A5-4FE5-49D9-9E24-09F23B90C450}" type="datetimeFigureOut">
               <a:rPr lang="en-US" smtClean="0"/>
               <a:pPr/>
-              <a:t>10/30/2019</a:t>
+              <a:t>10/31/2019</a:t>
             </a:fld>
             <a:endParaRPr lang="en-US"/>
           </a:p>
@@ -2123,7 +2123,7 @@
             <a:fld id="{54AB02A5-4FE5-49D9-9E24-09F23B90C450}" type="datetimeFigureOut">
               <a:rPr lang="en-US" smtClean="0"/>
               <a:pPr/>
-              <a:t>10/30/2019</a:t>
+              <a:t>10/31/2019</a:t>
             </a:fld>
             <a:endParaRPr lang="en-US"/>
           </a:p>
@@ -2243,7 +2243,7 @@
             <a:fld id="{54AB02A5-4FE5-49D9-9E24-09F23B90C450}" type="datetimeFigureOut">
               <a:rPr lang="en-US" smtClean="0"/>
               <a:pPr/>
-              <a:t>10/30/2019</a:t>
+              <a:t>10/31/2019</a:t>
             </a:fld>
             <a:endParaRPr lang="en-US"/>
           </a:p>
@@ -2381,7 +2381,7 @@
             <a:fld id="{54AB02A5-4FE5-49D9-9E24-09F23B90C450}" type="datetimeFigureOut">
               <a:rPr lang="en-US" smtClean="0"/>
               <a:pPr/>
-              <a:t>10/30/2019</a:t>
+              <a:t>10/31/2019</a:t>
             </a:fld>
             <a:endParaRPr lang="en-US"/>
           </a:p>
@@ -2697,7 +2697,7 @@
             <a:fld id="{54AB02A5-4FE5-49D9-9E24-09F23B90C450}" type="datetimeFigureOut">
               <a:rPr lang="en-US" smtClean="0"/>
               <a:pPr/>
-              <a:t>10/30/2019</a:t>
+              <a:t>10/31/2019</a:t>
             </a:fld>
             <a:endParaRPr lang="en-US"/>
           </a:p>
@@ -2827,7 +2827,7 @@
             <a:fld id="{54AB02A5-4FE5-49D9-9E24-09F23B90C450}" type="datetimeFigureOut">
               <a:rPr lang="en-US" smtClean="0"/>
               <a:pPr/>
-              <a:t>10/30/2019</a:t>
+              <a:t>10/31/2019</a:t>
             </a:fld>
             <a:endParaRPr lang="en-US"/>
           </a:p>
@@ -3589,7 +3589,7 @@
             <a:fld id="{54AB02A5-4FE5-49D9-9E24-09F23B90C450}" type="datetimeFigureOut">
               <a:rPr lang="en-US" smtClean="0"/>
               <a:pPr algn="r" eaLnBrk="1" latinLnBrk="0" hangingPunct="1"/>
-              <a:t>10/30/2019</a:t>
+              <a:t>10/31/2019</a:t>
             </a:fld>
             <a:endParaRPr lang="en-US" sz="1200">
               <a:solidFill>
@@ -6649,20 +6649,20 @@
               <a:t>What is </a:t>
             </a:r>
             <a:r>
-              <a:rPr lang="en-US" sz="3600" dirty="0" err="1" smtClean="0">
-                <a:solidFill>
-                  <a:srgbClr val="0070C0"/>
-                </a:solidFill>
-              </a:rPr>
-              <a:t>.Net</a:t>
-            </a:r>
-            <a:r>
               <a:rPr lang="en-US" sz="3600" dirty="0" smtClean="0">
                 <a:solidFill>
                   <a:srgbClr val="0070C0"/>
                 </a:solidFill>
               </a:rPr>
-              <a:t> Core?</a:t>
+              <a:t>.NET </a:t>
+            </a:r>
+            <a:r>
+              <a:rPr lang="en-US" sz="3600" dirty="0" smtClean="0">
+                <a:solidFill>
+                  <a:srgbClr val="0070C0"/>
+                </a:solidFill>
+              </a:rPr>
+              <a:t>Core?</a:t>
             </a:r>
             <a:r>
               <a:rPr lang="en-US" sz="3600" dirty="0" smtClean="0"/>
@@ -6725,6 +6725,30 @@
           </a:p>
         </p:txBody>
       </p:sp>
+      <p:pic>
+        <p:nvPicPr>
+          <p:cNvPr id="4" name="Picture 3"/>
+          <p:cNvPicPr>
+            <a:picLocks noChangeAspect="1"/>
+          </p:cNvPicPr>
+          <p:nvPr/>
+        </p:nvPicPr>
+        <p:blipFill>
+          <a:blip r:embed="rId2"/>
+          <a:stretch>
+            <a:fillRect/>
+          </a:stretch>
+        </p:blipFill>
+        <p:spPr>
+          <a:xfrm>
+            <a:off x="1852612" y="3789218"/>
+            <a:ext cx="6505575" cy="2676525"/>
+          </a:xfrm>
+          <a:prstGeom prst="rect">
+            <a:avLst/>
+          </a:prstGeom>
+        </p:spPr>
+      </p:pic>
     </p:spTree>
   </p:cSld>
   <p:clrMapOvr>

--- a/CORE.pptx
+++ b/CORE.pptx
@@ -7,24 +7,49 @@
   <p:sldIdLst>
     <p:sldId id="256" r:id="rId2"/>
     <p:sldId id="257" r:id="rId3"/>
-    <p:sldId id="258" r:id="rId4"/>
-    <p:sldId id="259" r:id="rId5"/>
-    <p:sldId id="260" r:id="rId6"/>
-    <p:sldId id="261" r:id="rId7"/>
-    <p:sldId id="262" r:id="rId8"/>
-    <p:sldId id="263" r:id="rId9"/>
-    <p:sldId id="266" r:id="rId10"/>
-    <p:sldId id="264" r:id="rId11"/>
-    <p:sldId id="269" r:id="rId12"/>
-    <p:sldId id="265" r:id="rId13"/>
-    <p:sldId id="267" r:id="rId14"/>
-    <p:sldId id="268" r:id="rId15"/>
-    <p:sldId id="270" r:id="rId16"/>
-    <p:sldId id="271" r:id="rId17"/>
-    <p:sldId id="272" r:id="rId18"/>
-    <p:sldId id="273" r:id="rId19"/>
-    <p:sldId id="274" r:id="rId20"/>
-    <p:sldId id="275" r:id="rId21"/>
+    <p:sldId id="291" r:id="rId4"/>
+    <p:sldId id="258" r:id="rId5"/>
+    <p:sldId id="259" r:id="rId6"/>
+    <p:sldId id="260" r:id="rId7"/>
+    <p:sldId id="261" r:id="rId8"/>
+    <p:sldId id="262" r:id="rId9"/>
+    <p:sldId id="263" r:id="rId10"/>
+    <p:sldId id="266" r:id="rId11"/>
+    <p:sldId id="264" r:id="rId12"/>
+    <p:sldId id="293" r:id="rId13"/>
+    <p:sldId id="292" r:id="rId14"/>
+    <p:sldId id="294" r:id="rId15"/>
+    <p:sldId id="296" r:id="rId16"/>
+    <p:sldId id="299" r:id="rId17"/>
+    <p:sldId id="297" r:id="rId18"/>
+    <p:sldId id="298" r:id="rId19"/>
+    <p:sldId id="300" r:id="rId20"/>
+    <p:sldId id="295" r:id="rId21"/>
+    <p:sldId id="301" r:id="rId22"/>
+    <p:sldId id="302" r:id="rId23"/>
+    <p:sldId id="303" r:id="rId24"/>
+    <p:sldId id="269" r:id="rId25"/>
+    <p:sldId id="265" r:id="rId26"/>
+    <p:sldId id="268" r:id="rId27"/>
+    <p:sldId id="270" r:id="rId28"/>
+    <p:sldId id="271" r:id="rId29"/>
+    <p:sldId id="273" r:id="rId30"/>
+    <p:sldId id="274" r:id="rId31"/>
+    <p:sldId id="275" r:id="rId32"/>
+    <p:sldId id="276" r:id="rId33"/>
+    <p:sldId id="277" r:id="rId34"/>
+    <p:sldId id="278" r:id="rId35"/>
+    <p:sldId id="279" r:id="rId36"/>
+    <p:sldId id="280" r:id="rId37"/>
+    <p:sldId id="282" r:id="rId38"/>
+    <p:sldId id="283" r:id="rId39"/>
+    <p:sldId id="284" r:id="rId40"/>
+    <p:sldId id="285" r:id="rId41"/>
+    <p:sldId id="286" r:id="rId42"/>
+    <p:sldId id="287" r:id="rId43"/>
+    <p:sldId id="288" r:id="rId44"/>
+    <p:sldId id="289" r:id="rId45"/>
+    <p:sldId id="290" r:id="rId46"/>
   </p:sldIdLst>
   <p:sldSz cx="9144000" cy="6858000" type="screen4x3"/>
   <p:notesSz cx="6858000" cy="9144000"/>
@@ -123,22 +148,6 @@
       </a:defRPr>
     </a:lvl9pPr>
   </p:defaultTextStyle>
-  <p:extLst>
-    <p:ext uri="{EFAFB233-063F-42B5-8137-9DF3F51BA10A}">
-      <p15:sldGuideLst xmlns:p15="http://schemas.microsoft.com/office/powerpoint/2012/main">
-        <p15:guide id="1" orient="horz" pos="2160">
-          <p15:clr>
-            <a:srgbClr val="A4A3A4"/>
-          </p15:clr>
-        </p15:guide>
-        <p15:guide id="2" pos="2880">
-          <p15:clr>
-            <a:srgbClr val="A4A3A4"/>
-          </p15:clr>
-        </p15:guide>
-      </p15:sldGuideLst>
-    </p:ext>
-  </p:extLst>
 </p:presentation>
 </file>
 
@@ -270,12 +279,14 @@
         <p:spPr/>
         <p:txBody>
           <a:bodyPr/>
-          <a:lstStyle/>
+          <a:lstStyle>
+            <a:extLst/>
+          </a:lstStyle>
           <a:p>
             <a:fld id="{54AB02A5-4FE5-49D9-9E24-09F23B90C450}" type="datetimeFigureOut">
               <a:rPr lang="en-US" smtClean="0"/>
               <a:pPr/>
-              <a:t>10/31/2019</a:t>
+              <a:t>3/11/2019</a:t>
             </a:fld>
             <a:endParaRPr lang="en-US"/>
           </a:p>
@@ -294,7 +305,9 @@
         <p:spPr/>
         <p:txBody>
           <a:bodyPr/>
-          <a:lstStyle/>
+          <a:lstStyle>
+            <a:extLst/>
+          </a:lstStyle>
           <a:p>
             <a:endParaRPr kumimoji="0" lang="en-US"/>
           </a:p>
@@ -313,7 +326,9 @@
         <p:spPr/>
         <p:txBody>
           <a:bodyPr/>
-          <a:lstStyle/>
+          <a:lstStyle>
+            <a:extLst/>
+          </a:lstStyle>
           <a:p>
             <a:fld id="{6294C92D-0306-4E69-9CD3-20855E849650}" type="slidenum">
               <a:rPr kumimoji="0" lang="en-US" smtClean="0"/>
@@ -402,7 +417,9 @@
         </p:style>
         <p:txBody>
           <a:bodyPr anchor="ctr"/>
-          <a:lstStyle/>
+          <a:lstStyle>
+            <a:extLst/>
+          </a:lstStyle>
           <a:p>
             <a:pPr algn="ctr" eaLnBrk="1" latinLnBrk="0" hangingPunct="1"/>
             <a:endParaRPr kumimoji="0" lang="en-US"/>
@@ -451,7 +468,9 @@
         </p:style>
         <p:txBody>
           <a:bodyPr anchor="ctr"/>
-          <a:lstStyle/>
+          <a:lstStyle>
+            <a:extLst/>
+          </a:lstStyle>
           <a:p>
             <a:pPr algn="ctr" eaLnBrk="1" latinLnBrk="0" hangingPunct="1"/>
             <a:endParaRPr kumimoji="0" lang="en-US"/>
@@ -496,7 +515,9 @@
         <p:spPr/>
         <p:txBody>
           <a:bodyPr/>
-          <a:lstStyle/>
+          <a:lstStyle>
+            <a:extLst/>
+          </a:lstStyle>
           <a:p>
             <a:r>
               <a:rPr kumimoji="0" lang="en-US" smtClean="0"/>
@@ -519,7 +540,9 @@
         <p:spPr/>
         <p:txBody>
           <a:bodyPr vert="eaVert"/>
-          <a:lstStyle/>
+          <a:lstStyle>
+            <a:extLst/>
+          </a:lstStyle>
           <a:p>
             <a:pPr lvl="0" eaLnBrk="1" latinLnBrk="0" hangingPunct="1"/>
             <a:r>
@@ -571,12 +594,14 @@
         <p:spPr/>
         <p:txBody>
           <a:bodyPr/>
-          <a:lstStyle/>
+          <a:lstStyle>
+            <a:extLst/>
+          </a:lstStyle>
           <a:p>
             <a:fld id="{54AB02A5-4FE5-49D9-9E24-09F23B90C450}" type="datetimeFigureOut">
               <a:rPr lang="en-US" smtClean="0"/>
               <a:pPr/>
-              <a:t>10/31/2019</a:t>
+              <a:t>3/11/2019</a:t>
             </a:fld>
             <a:endParaRPr lang="en-US"/>
           </a:p>
@@ -595,7 +620,9 @@
         <p:spPr/>
         <p:txBody>
           <a:bodyPr/>
-          <a:lstStyle/>
+          <a:lstStyle>
+            <a:extLst/>
+          </a:lstStyle>
           <a:p>
             <a:endParaRPr kumimoji="0" lang="en-US"/>
           </a:p>
@@ -614,7 +641,9 @@
         <p:spPr/>
         <p:txBody>
           <a:bodyPr/>
-          <a:lstStyle/>
+          <a:lstStyle>
+            <a:extLst/>
+          </a:lstStyle>
           <a:p>
             <a:fld id="{6294C92D-0306-4E69-9CD3-20855E849650}" type="slidenum">
               <a:rPr kumimoji="0" lang="en-US" smtClean="0"/>
@@ -668,7 +697,9 @@
         </p:spPr>
         <p:txBody>
           <a:bodyPr vert="eaVert"/>
-          <a:lstStyle/>
+          <a:lstStyle>
+            <a:extLst/>
+          </a:lstStyle>
           <a:p>
             <a:r>
               <a:rPr kumimoji="0" lang="en-US" smtClean="0"/>
@@ -696,7 +727,9 @@
         </p:spPr>
         <p:txBody>
           <a:bodyPr vert="eaVert"/>
-          <a:lstStyle/>
+          <a:lstStyle>
+            <a:extLst/>
+          </a:lstStyle>
           <a:p>
             <a:pPr lvl="0" eaLnBrk="1" latinLnBrk="0" hangingPunct="1"/>
             <a:r>
@@ -748,12 +781,14 @@
         <p:spPr/>
         <p:txBody>
           <a:bodyPr/>
-          <a:lstStyle/>
+          <a:lstStyle>
+            <a:extLst/>
+          </a:lstStyle>
           <a:p>
             <a:fld id="{54AB02A5-4FE5-49D9-9E24-09F23B90C450}" type="datetimeFigureOut">
               <a:rPr lang="en-US" smtClean="0"/>
               <a:pPr/>
-              <a:t>10/31/2019</a:t>
+              <a:t>3/11/2019</a:t>
             </a:fld>
             <a:endParaRPr lang="en-US"/>
           </a:p>
@@ -772,7 +807,9 @@
         <p:spPr/>
         <p:txBody>
           <a:bodyPr/>
-          <a:lstStyle/>
+          <a:lstStyle>
+            <a:extLst/>
+          </a:lstStyle>
           <a:p>
             <a:endParaRPr kumimoji="0" lang="en-US"/>
           </a:p>
@@ -791,7 +828,9 @@
         <p:spPr/>
         <p:txBody>
           <a:bodyPr/>
-          <a:lstStyle/>
+          <a:lstStyle>
+            <a:extLst/>
+          </a:lstStyle>
           <a:p>
             <a:fld id="{6294C92D-0306-4E69-9CD3-20855E849650}" type="slidenum">
               <a:rPr kumimoji="0" lang="en-US" smtClean="0"/>
@@ -840,7 +879,9 @@
         <p:spPr/>
         <p:txBody>
           <a:bodyPr/>
-          <a:lstStyle/>
+          <a:lstStyle>
+            <a:extLst/>
+          </a:lstStyle>
           <a:p>
             <a:r>
               <a:rPr kumimoji="0" lang="en-US" smtClean="0"/>
@@ -863,7 +904,9 @@
         <p:spPr/>
         <p:txBody>
           <a:bodyPr/>
-          <a:lstStyle/>
+          <a:lstStyle>
+            <a:extLst/>
+          </a:lstStyle>
           <a:p>
             <a:pPr lvl="0" eaLnBrk="1" latinLnBrk="0" hangingPunct="1"/>
             <a:r>
@@ -915,12 +958,14 @@
         <p:spPr/>
         <p:txBody>
           <a:bodyPr/>
-          <a:lstStyle/>
+          <a:lstStyle>
+            <a:extLst/>
+          </a:lstStyle>
           <a:p>
             <a:fld id="{54AB02A5-4FE5-49D9-9E24-09F23B90C450}" type="datetimeFigureOut">
               <a:rPr lang="en-US" smtClean="0"/>
               <a:pPr/>
-              <a:t>10/31/2019</a:t>
+              <a:t>3/11/2019</a:t>
             </a:fld>
             <a:endParaRPr lang="en-US"/>
           </a:p>
@@ -939,7 +984,9 @@
         <p:spPr/>
         <p:txBody>
           <a:bodyPr/>
-          <a:lstStyle/>
+          <a:lstStyle>
+            <a:extLst/>
+          </a:lstStyle>
           <a:p>
             <a:endParaRPr kumimoji="0" lang="en-US"/>
           </a:p>
@@ -958,7 +1005,9 @@
         <p:spPr/>
         <p:txBody>
           <a:bodyPr/>
-          <a:lstStyle/>
+          <a:lstStyle>
+            <a:extLst/>
+          </a:lstStyle>
           <a:p>
             <a:fld id="{6294C92D-0306-4E69-9CD3-20855E849650}" type="slidenum">
               <a:rPr kumimoji="0" lang="en-US" smtClean="0"/>
@@ -1033,7 +1082,9 @@
         </p:style>
         <p:txBody>
           <a:bodyPr anchor="ctr"/>
-          <a:lstStyle/>
+          <a:lstStyle>
+            <a:extLst/>
+          </a:lstStyle>
           <a:p>
             <a:pPr algn="ctr" eaLnBrk="1" latinLnBrk="0" hangingPunct="1"/>
             <a:endParaRPr kumimoji="0" lang="en-US"/>
@@ -1177,12 +1228,14 @@
         <p:spPr/>
         <p:txBody>
           <a:bodyPr/>
-          <a:lstStyle/>
+          <a:lstStyle>
+            <a:extLst/>
+          </a:lstStyle>
           <a:p>
             <a:fld id="{54AB02A5-4FE5-49D9-9E24-09F23B90C450}" type="datetimeFigureOut">
               <a:rPr lang="en-US" smtClean="0"/>
               <a:pPr/>
-              <a:t>10/31/2019</a:t>
+              <a:t>3/11/2019</a:t>
             </a:fld>
             <a:endParaRPr lang="en-US"/>
           </a:p>
@@ -1201,7 +1254,9 @@
         <p:spPr/>
         <p:txBody>
           <a:bodyPr/>
-          <a:lstStyle/>
+          <a:lstStyle>
+            <a:extLst/>
+          </a:lstStyle>
           <a:p>
             <a:endParaRPr kumimoji="0" lang="en-US"/>
           </a:p>
@@ -1220,7 +1275,9 @@
         <p:spPr/>
         <p:txBody>
           <a:bodyPr/>
-          <a:lstStyle/>
+          <a:lstStyle>
+            <a:extLst/>
+          </a:lstStyle>
           <a:p>
             <a:fld id="{6294C92D-0306-4E69-9CD3-20855E849650}" type="slidenum">
               <a:rPr kumimoji="0" lang="en-US" smtClean="0"/>
@@ -1278,7 +1335,9 @@
         </p:style>
         <p:txBody>
           <a:bodyPr anchor="ctr"/>
-          <a:lstStyle/>
+          <a:lstStyle>
+            <a:extLst/>
+          </a:lstStyle>
           <a:p>
             <a:pPr algn="ctr" eaLnBrk="1" latinLnBrk="0" hangingPunct="1"/>
             <a:endParaRPr kumimoji="0" lang="en-US"/>
@@ -1363,7 +1422,9 @@
         </p:style>
         <p:txBody>
           <a:bodyPr anchor="ctr"/>
-          <a:lstStyle/>
+          <a:lstStyle>
+            <a:extLst/>
+          </a:lstStyle>
           <a:p>
             <a:pPr algn="ctr" eaLnBrk="1" latinLnBrk="0" hangingPunct="1"/>
             <a:endParaRPr kumimoji="0" lang="en-US"/>
@@ -1412,7 +1473,9 @@
         </p:style>
         <p:txBody>
           <a:bodyPr anchor="ctr"/>
-          <a:lstStyle/>
+          <a:lstStyle>
+            <a:extLst/>
+          </a:lstStyle>
           <a:p>
             <a:pPr algn="ctr" eaLnBrk="1" latinLnBrk="0" hangingPunct="1"/>
             <a:endParaRPr kumimoji="0" lang="en-US"/>
@@ -1462,7 +1525,9 @@
         </p:spPr>
         <p:txBody>
           <a:bodyPr/>
-          <a:lstStyle/>
+          <a:lstStyle>
+            <a:extLst/>
+          </a:lstStyle>
           <a:p>
             <a:r>
               <a:rPr kumimoji="0" lang="en-US" smtClean="0"/>
@@ -1633,12 +1698,14 @@
         <p:spPr/>
         <p:txBody>
           <a:bodyPr/>
-          <a:lstStyle/>
+          <a:lstStyle>
+            <a:extLst/>
+          </a:lstStyle>
           <a:p>
             <a:fld id="{54AB02A5-4FE5-49D9-9E24-09F23B90C450}" type="datetimeFigureOut">
               <a:rPr lang="en-US" smtClean="0"/>
               <a:pPr/>
-              <a:t>10/31/2019</a:t>
+              <a:t>3/11/2019</a:t>
             </a:fld>
             <a:endParaRPr lang="en-US"/>
           </a:p>
@@ -1657,7 +1724,9 @@
         <p:spPr/>
         <p:txBody>
           <a:bodyPr/>
-          <a:lstStyle/>
+          <a:lstStyle>
+            <a:extLst/>
+          </a:lstStyle>
           <a:p>
             <a:endParaRPr kumimoji="0" lang="en-US"/>
           </a:p>
@@ -1676,7 +1745,9 @@
         <p:spPr/>
         <p:txBody>
           <a:bodyPr/>
-          <a:lstStyle/>
+          <a:lstStyle>
+            <a:extLst/>
+          </a:lstStyle>
           <a:p>
             <a:fld id="{6294C92D-0306-4E69-9CD3-20855E849650}" type="slidenum">
               <a:rPr kumimoji="0" lang="en-US" smtClean="0"/>
@@ -2118,12 +2189,14 @@
         <p:spPr/>
         <p:txBody>
           <a:bodyPr/>
-          <a:lstStyle/>
+          <a:lstStyle>
+            <a:extLst/>
+          </a:lstStyle>
           <a:p>
             <a:fld id="{54AB02A5-4FE5-49D9-9E24-09F23B90C450}" type="datetimeFigureOut">
               <a:rPr lang="en-US" smtClean="0"/>
               <a:pPr/>
-              <a:t>10/31/2019</a:t>
+              <a:t>3/11/2019</a:t>
             </a:fld>
             <a:endParaRPr lang="en-US"/>
           </a:p>
@@ -2142,7 +2215,9 @@
         <p:spPr/>
         <p:txBody>
           <a:bodyPr/>
-          <a:lstStyle/>
+          <a:lstStyle>
+            <a:extLst/>
+          </a:lstStyle>
           <a:p>
             <a:endParaRPr kumimoji="0" lang="en-US"/>
           </a:p>
@@ -2161,7 +2236,9 @@
         <p:spPr/>
         <p:txBody>
           <a:bodyPr/>
-          <a:lstStyle/>
+          <a:lstStyle>
+            <a:extLst/>
+          </a:lstStyle>
           <a:p>
             <a:fld id="{6294C92D-0306-4E69-9CD3-20855E849650}" type="slidenum">
               <a:rPr kumimoji="0" lang="en-US" smtClean="0"/>
@@ -2215,7 +2292,9 @@
         </p:spPr>
         <p:txBody>
           <a:bodyPr anchor="ctr"/>
-          <a:lstStyle/>
+          <a:lstStyle>
+            <a:extLst/>
+          </a:lstStyle>
           <a:p>
             <a:r>
               <a:rPr kumimoji="0" lang="en-US" smtClean="0"/>
@@ -2238,12 +2317,14 @@
         <p:spPr/>
         <p:txBody>
           <a:bodyPr/>
-          <a:lstStyle/>
+          <a:lstStyle>
+            <a:extLst/>
+          </a:lstStyle>
           <a:p>
             <a:fld id="{54AB02A5-4FE5-49D9-9E24-09F23B90C450}" type="datetimeFigureOut">
               <a:rPr lang="en-US" smtClean="0"/>
               <a:pPr/>
-              <a:t>10/31/2019</a:t>
+              <a:t>3/11/2019</a:t>
             </a:fld>
             <a:endParaRPr lang="en-US"/>
           </a:p>
@@ -2262,7 +2343,9 @@
         <p:spPr/>
         <p:txBody>
           <a:bodyPr/>
-          <a:lstStyle/>
+          <a:lstStyle>
+            <a:extLst/>
+          </a:lstStyle>
           <a:p>
             <a:endParaRPr kumimoji="0" lang="en-US"/>
           </a:p>
@@ -2281,7 +2364,9 @@
         <p:spPr/>
         <p:txBody>
           <a:bodyPr/>
-          <a:lstStyle/>
+          <a:lstStyle>
+            <a:extLst/>
+          </a:lstStyle>
           <a:p>
             <a:fld id="{6294C92D-0306-4E69-9CD3-20855E849650}" type="slidenum">
               <a:rPr kumimoji="0" lang="en-US" smtClean="0"/>
@@ -2356,7 +2441,9 @@
         </p:style>
         <p:txBody>
           <a:bodyPr anchor="ctr"/>
-          <a:lstStyle/>
+          <a:lstStyle>
+            <a:extLst/>
+          </a:lstStyle>
           <a:p>
             <a:pPr algn="ctr" eaLnBrk="1" latinLnBrk="0" hangingPunct="1"/>
             <a:endParaRPr kumimoji="0" lang="en-US"/>
@@ -2376,12 +2463,14 @@
         <p:spPr/>
         <p:txBody>
           <a:bodyPr/>
-          <a:lstStyle/>
+          <a:lstStyle>
+            <a:extLst/>
+          </a:lstStyle>
           <a:p>
             <a:fld id="{54AB02A5-4FE5-49D9-9E24-09F23B90C450}" type="datetimeFigureOut">
               <a:rPr lang="en-US" smtClean="0"/>
               <a:pPr/>
-              <a:t>10/31/2019</a:t>
+              <a:t>3/11/2019</a:t>
             </a:fld>
             <a:endParaRPr lang="en-US"/>
           </a:p>
@@ -2400,7 +2489,9 @@
         <p:spPr/>
         <p:txBody>
           <a:bodyPr/>
-          <a:lstStyle/>
+          <a:lstStyle>
+            <a:extLst/>
+          </a:lstStyle>
           <a:p>
             <a:endParaRPr kumimoji="0" lang="en-US"/>
           </a:p>
@@ -2419,7 +2510,9 @@
         <p:spPr/>
         <p:txBody>
           <a:bodyPr/>
-          <a:lstStyle/>
+          <a:lstStyle>
+            <a:extLst/>
+          </a:lstStyle>
           <a:p>
             <a:fld id="{6294C92D-0306-4E69-9CD3-20855E849650}" type="slidenum">
               <a:rPr kumimoji="0" lang="en-US" smtClean="0"/>
@@ -2477,7 +2570,9 @@
         </p:style>
         <p:txBody>
           <a:bodyPr anchor="ctr"/>
-          <a:lstStyle/>
+          <a:lstStyle>
+            <a:extLst/>
+          </a:lstStyle>
           <a:p>
             <a:pPr algn="ctr" eaLnBrk="1" latinLnBrk="0" hangingPunct="1"/>
             <a:endParaRPr kumimoji="0" lang="en-US"/>
@@ -2692,12 +2787,14 @@
         <p:spPr/>
         <p:txBody>
           <a:bodyPr/>
-          <a:lstStyle/>
+          <a:lstStyle>
+            <a:extLst/>
+          </a:lstStyle>
           <a:p>
             <a:fld id="{54AB02A5-4FE5-49D9-9E24-09F23B90C450}" type="datetimeFigureOut">
               <a:rPr lang="en-US" smtClean="0"/>
               <a:pPr/>
-              <a:t>10/31/2019</a:t>
+              <a:t>3/11/2019</a:t>
             </a:fld>
             <a:endParaRPr lang="en-US"/>
           </a:p>
@@ -2716,7 +2813,9 @@
         <p:spPr/>
         <p:txBody>
           <a:bodyPr/>
-          <a:lstStyle/>
+          <a:lstStyle>
+            <a:extLst/>
+          </a:lstStyle>
           <a:p>
             <a:endParaRPr kumimoji="0" lang="en-US"/>
           </a:p>
@@ -2735,7 +2834,9 @@
         <p:spPr/>
         <p:txBody>
           <a:bodyPr/>
-          <a:lstStyle/>
+          <a:lstStyle>
+            <a:extLst/>
+          </a:lstStyle>
           <a:p>
             <a:fld id="{6294C92D-0306-4E69-9CD3-20855E849650}" type="slidenum">
               <a:rPr kumimoji="0" lang="en-US" smtClean="0"/>
@@ -2822,12 +2923,14 @@
         <p:spPr/>
         <p:txBody>
           <a:bodyPr/>
-          <a:lstStyle/>
+          <a:lstStyle>
+            <a:extLst/>
+          </a:lstStyle>
           <a:p>
             <a:fld id="{54AB02A5-4FE5-49D9-9E24-09F23B90C450}" type="datetimeFigureOut">
               <a:rPr lang="en-US" smtClean="0"/>
               <a:pPr/>
-              <a:t>10/31/2019</a:t>
+              <a:t>3/11/2019</a:t>
             </a:fld>
             <a:endParaRPr lang="en-US"/>
           </a:p>
@@ -2846,7 +2949,9 @@
         <p:spPr/>
         <p:txBody>
           <a:bodyPr/>
-          <a:lstStyle/>
+          <a:lstStyle>
+            <a:extLst/>
+          </a:lstStyle>
           <a:p>
             <a:endParaRPr kumimoji="0" lang="en-US"/>
           </a:p>
@@ -2865,7 +2970,9 @@
         <p:spPr/>
         <p:txBody>
           <a:bodyPr/>
-          <a:lstStyle/>
+          <a:lstStyle>
+            <a:extLst/>
+          </a:lstStyle>
           <a:p>
             <a:fld id="{6294C92D-0306-4E69-9CD3-20855E849650}" type="slidenum">
               <a:rPr kumimoji="0" lang="en-US" smtClean="0"/>
@@ -2923,7 +3030,9 @@
           <a:bodyPr lIns="91440" tIns="274320" rtlCol="0" anchor="t">
             <a:normAutofit/>
           </a:bodyPr>
-          <a:lstStyle/>
+          <a:lstStyle>
+            <a:extLst/>
+          </a:lstStyle>
           <a:p>
             <a:pPr marL="0" indent="-283464" algn="l" rtl="0" eaLnBrk="1" latinLnBrk="0" hangingPunct="1">
               <a:lnSpc>
@@ -3051,7 +3160,9 @@
         </p:style>
         <p:txBody>
           <a:bodyPr anchor="ctr"/>
-          <a:lstStyle/>
+          <a:lstStyle>
+            <a:extLst/>
+          </a:lstStyle>
           <a:p>
             <a:pPr algn="ctr" eaLnBrk="1" latinLnBrk="0" hangingPunct="1"/>
             <a:endParaRPr kumimoji="0" lang="en-US"/>
@@ -3109,7 +3220,9 @@
         </p:style>
         <p:txBody>
           <a:bodyPr anchor="ctr"/>
-          <a:lstStyle/>
+          <a:lstStyle>
+            <a:extLst/>
+          </a:lstStyle>
           <a:p>
             <a:pPr algn="ctr" eaLnBrk="1" latinLnBrk="0" hangingPunct="1"/>
             <a:endParaRPr kumimoji="0" lang="en-US" dirty="0"/>
@@ -3254,7 +3367,9 @@
         </p:style>
         <p:txBody>
           <a:bodyPr anchor="ctr"/>
-          <a:lstStyle/>
+          <a:lstStyle>
+            <a:extLst/>
+          </a:lstStyle>
           <a:p>
             <a:pPr algn="ctr" eaLnBrk="1" latinLnBrk="0" hangingPunct="1"/>
             <a:endParaRPr kumimoji="0" lang="en-US"/>
@@ -3312,7 +3427,9 @@
         </p:style>
         <p:txBody>
           <a:bodyPr anchor="ctr"/>
-          <a:lstStyle/>
+          <a:lstStyle>
+            <a:extLst/>
+          </a:lstStyle>
           <a:p>
             <a:pPr algn="ctr" eaLnBrk="1" latinLnBrk="0" hangingPunct="1"/>
             <a:endParaRPr kumimoji="0" lang="en-US"/>
@@ -3402,7 +3519,9 @@
         </p:style>
         <p:txBody>
           <a:bodyPr anchor="ctr"/>
-          <a:lstStyle/>
+          <a:lstStyle>
+            <a:extLst/>
+          </a:lstStyle>
           <a:p>
             <a:pPr algn="ctr" eaLnBrk="1" latinLnBrk="0" hangingPunct="1"/>
             <a:endParaRPr kumimoji="0" lang="en-US"/>
@@ -3448,7 +3567,9 @@
         </p:style>
         <p:txBody>
           <a:bodyPr anchor="ctr"/>
-          <a:lstStyle/>
+          <a:lstStyle>
+            <a:extLst/>
+          </a:lstStyle>
           <a:p>
             <a:pPr algn="ctr" eaLnBrk="1" latinLnBrk="0" hangingPunct="1"/>
             <a:endParaRPr kumimoji="0" lang="en-US"/>
@@ -3478,7 +3599,9 @@
           <a:bodyPr anchor="ctr">
             <a:normAutofit/>
           </a:bodyPr>
-          <a:lstStyle/>
+          <a:lstStyle>
+            <a:extLst/>
+          </a:lstStyle>
           <a:p>
             <a:r>
               <a:rPr kumimoji="0" lang="en-US" smtClean="0"/>
@@ -3511,7 +3634,9 @@
           <a:bodyPr>
             <a:normAutofit/>
           </a:bodyPr>
-          <a:lstStyle/>
+          <a:lstStyle>
+            <a:extLst/>
+          </a:lstStyle>
           <a:p>
             <a:pPr lvl="0" eaLnBrk="1" latinLnBrk="0" hangingPunct="1"/>
             <a:r>
@@ -3589,7 +3714,7 @@
             <a:fld id="{54AB02A5-4FE5-49D9-9E24-09F23B90C450}" type="datetimeFigureOut">
               <a:rPr lang="en-US" smtClean="0"/>
               <a:pPr algn="r" eaLnBrk="1" latinLnBrk="0" hangingPunct="1"/>
-              <a:t>10/31/2019</a:t>
+              <a:t>3/11/2019</a:t>
             </a:fld>
             <a:endParaRPr lang="en-US" sz="1200">
               <a:solidFill>
@@ -3748,7 +3873,9 @@
         </p:style>
         <p:txBody>
           <a:bodyPr anchor="ctr"/>
-          <a:lstStyle/>
+          <a:lstStyle>
+            <a:extLst/>
+          </a:lstStyle>
           <a:p>
             <a:pPr algn="ctr" eaLnBrk="1" latinLnBrk="0" hangingPunct="1"/>
             <a:endParaRPr kumimoji="0" lang="en-US"/>
@@ -4125,6 +4252,10 @@
           <a:bodyPr/>
           <a:lstStyle/>
           <a:p>
+            <a:r>
+              <a:rPr lang="en-US" dirty="0" err="1" smtClean="0"/>
+              <a:t>.net</a:t>
+            </a:r>
             <a:endParaRPr lang="en-US" dirty="0"/>
           </a:p>
         </p:txBody>
@@ -4315,11 +4446,13 @@
       </p:sp>
       <p:pic>
         <p:nvPicPr>
-          <p:cNvPr id="6149" name="Picture 5"/>
+          <p:cNvPr id="7170" name="Picture 2"/>
           <p:cNvPicPr>
-            <a:picLocks noChangeAspect="1" noChangeArrowheads="1"/>
+            <a:picLocks noGrp="1" noChangeAspect="1" noChangeArrowheads="1"/>
           </p:cNvPicPr>
-          <p:nvPr/>
+          <p:nvPr>
+            <p:ph idx="1"/>
+          </p:nvPr>
         </p:nvPicPr>
         <p:blipFill>
           <a:blip r:embed="rId2"/>
@@ -4330,8 +4463,8 @@
         </p:blipFill>
         <p:spPr bwMode="auto">
           <a:xfrm>
-            <a:off x="990600" y="457200"/>
-            <a:ext cx="6096000" cy="2209800"/>
+            <a:off x="1066800" y="762001"/>
+            <a:ext cx="5410200" cy="3200400"/>
           </a:xfrm>
           <a:prstGeom prst="rect">
             <a:avLst/>
@@ -4346,100 +4479,6 @@
           <a:effectLst/>
         </p:spPr>
       </p:pic>
-      <p:pic>
-        <p:nvPicPr>
-          <p:cNvPr id="6146" name="Picture 2"/>
-          <p:cNvPicPr>
-            <a:picLocks noGrp="1" noChangeAspect="1" noChangeArrowheads="1"/>
-          </p:cNvPicPr>
-          <p:nvPr>
-            <p:ph idx="1"/>
-          </p:nvPr>
-        </p:nvPicPr>
-        <p:blipFill>
-          <a:blip r:embed="rId3"/>
-          <a:srcRect/>
-          <a:stretch>
-            <a:fillRect/>
-          </a:stretch>
-        </p:blipFill>
-        <p:spPr bwMode="auto">
-          <a:xfrm>
-            <a:off x="5715000" y="2133600"/>
-            <a:ext cx="3124200" cy="4572000"/>
-          </a:xfrm>
-          <a:prstGeom prst="rect">
-            <a:avLst/>
-          </a:prstGeom>
-          <a:noFill/>
-          <a:ln w="9525">
-            <a:noFill/>
-            <a:miter lim="800000"/>
-            <a:headEnd/>
-            <a:tailEnd/>
-          </a:ln>
-          <a:effectLst/>
-        </p:spPr>
-      </p:pic>
-    </p:spTree>
-  </p:cSld>
-  <p:clrMapOvr>
-    <a:masterClrMapping/>
-  </p:clrMapOvr>
-</p:sld>
-</file>
-
-<file path=ppt/slides/slide11.xml><?xml version="1.0" encoding="utf-8"?>
-<p:sld xmlns:a="http://schemas.openxmlformats.org/drawingml/2006/main" xmlns:r="http://schemas.openxmlformats.org/officeDocument/2006/relationships" xmlns:p="http://schemas.openxmlformats.org/presentationml/2006/main">
-  <p:cSld>
-    <p:spTree>
-      <p:nvGrpSpPr>
-        <p:cNvPr id="1" name=""/>
-        <p:cNvGrpSpPr/>
-        <p:nvPr/>
-      </p:nvGrpSpPr>
-      <p:grpSpPr>
-        <a:xfrm>
-          <a:off x="0" y="0"/>
-          <a:ext cx="0" cy="0"/>
-          <a:chOff x="0" y="0"/>
-          <a:chExt cx="0" cy="0"/>
-        </a:xfrm>
-      </p:grpSpPr>
-      <p:sp>
-        <p:nvSpPr>
-          <p:cNvPr id="2" name="Title 1"/>
-          <p:cNvSpPr>
-            <a:spLocks noGrp="1"/>
-          </p:cNvSpPr>
-          <p:nvPr>
-            <p:ph type="title"/>
-          </p:nvPr>
-        </p:nvSpPr>
-        <p:spPr>
-          <a:xfrm>
-            <a:off x="1066800" y="0"/>
-            <a:ext cx="7498080" cy="457200"/>
-          </a:xfrm>
-        </p:spPr>
-        <p:txBody>
-          <a:bodyPr>
-            <a:normAutofit fontScale="90000"/>
-          </a:bodyPr>
-          <a:lstStyle/>
-          <a:p>
-            <a:r>
-              <a:rPr lang="en-US" sz="4400" dirty="0" smtClean="0">
-                <a:solidFill>
-                  <a:srgbClr val="0070C0"/>
-                </a:solidFill>
-              </a:rPr>
-              <a:t>Structure</a:t>
-            </a:r>
-            <a:endParaRPr lang="en-US" dirty="0"/>
-          </a:p>
-        </p:txBody>
-      </p:sp>
       <p:sp>
         <p:nvSpPr>
           <p:cNvPr id="7" name="Content Placeholder 2"/>
@@ -4462,6 +4501,131 @@
             <a:normAutofit/>
           </a:bodyPr>
           <a:lstStyle/>
+          <a:p>
+            <a:pPr marL="365760" marR="0" lvl="0" indent="-283464" algn="l" defTabSz="914400" rtl="0" eaLnBrk="1" fontAlgn="auto" latinLnBrk="0" hangingPunct="1">
+              <a:lnSpc>
+                <a:spcPct val="100000"/>
+              </a:lnSpc>
+              <a:spcBef>
+                <a:spcPts val="600"/>
+              </a:spcBef>
+              <a:spcAft>
+                <a:spcPts val="0"/>
+              </a:spcAft>
+              <a:buClr>
+                <a:schemeClr val="accent1"/>
+              </a:buClr>
+              <a:buSzPct val="80000"/>
+              <a:buFont typeface="Wingdings 2"/>
+              <a:buChar char=""/>
+              <a:tabLst/>
+              <a:defRPr/>
+            </a:pPr>
+            <a:r>
+              <a:rPr kumimoji="0" lang="en-US" sz="2400" b="0" i="0" u="none" strike="noStrike" kern="1200" cap="none" spc="0" normalizeH="0" baseline="0" noProof="0" dirty="0" smtClean="0">
+                <a:ln>
+                  <a:noFill/>
+                </a:ln>
+                <a:solidFill>
+                  <a:schemeClr val="tx1"/>
+                </a:solidFill>
+                <a:effectLst/>
+                <a:uLnTx/>
+                <a:uFillTx/>
+                <a:latin typeface="+mn-lt"/>
+                <a:ea typeface="+mn-ea"/>
+                <a:cs typeface="+mn-cs"/>
+              </a:rPr>
+              <a:t>Server starting :- Loads</a:t>
+            </a:r>
+            <a:r>
+              <a:rPr kumimoji="0" lang="en-US" sz="2400" b="0" i="0" u="none" strike="noStrike" kern="1200" cap="none" spc="0" normalizeH="0" noProof="0" dirty="0" smtClean="0">
+                <a:ln>
+                  <a:noFill/>
+                </a:ln>
+                <a:solidFill>
+                  <a:schemeClr val="tx1"/>
+                </a:solidFill>
+                <a:effectLst/>
+                <a:uLnTx/>
+                <a:uFillTx/>
+                <a:latin typeface="+mn-lt"/>
+                <a:ea typeface="+mn-ea"/>
+                <a:cs typeface="+mn-cs"/>
+              </a:rPr>
+              <a:t> </a:t>
+            </a:r>
+            <a:r>
+              <a:rPr kumimoji="0" lang="en-US" sz="2400" b="0" i="0" u="none" strike="noStrike" kern="1200" cap="none" spc="0" normalizeH="0" noProof="0" dirty="0" err="1" smtClean="0">
+                <a:ln>
+                  <a:noFill/>
+                </a:ln>
+                <a:solidFill>
+                  <a:schemeClr val="tx1"/>
+                </a:solidFill>
+                <a:effectLst/>
+                <a:uLnTx/>
+                <a:uFillTx/>
+                <a:latin typeface="+mn-lt"/>
+                <a:ea typeface="+mn-ea"/>
+                <a:cs typeface="+mn-cs"/>
+              </a:rPr>
+              <a:t>application,services,cache</a:t>
+            </a:r>
+            <a:endParaRPr kumimoji="0" lang="en-US" sz="2400" b="0" i="0" u="none" strike="noStrike" kern="1200" cap="none" spc="0" normalizeH="0" noProof="0" dirty="0" smtClean="0">
+              <a:ln>
+                <a:noFill/>
+              </a:ln>
+              <a:solidFill>
+                <a:schemeClr val="tx1"/>
+              </a:solidFill>
+              <a:effectLst/>
+              <a:uLnTx/>
+              <a:uFillTx/>
+              <a:latin typeface="+mn-lt"/>
+              <a:ea typeface="+mn-ea"/>
+              <a:cs typeface="+mn-cs"/>
+            </a:endParaRPr>
+          </a:p>
+          <a:p>
+            <a:pPr marL="365760" marR="0" lvl="0" indent="-283464" algn="l" defTabSz="914400" rtl="0" eaLnBrk="1" fontAlgn="auto" latinLnBrk="0" hangingPunct="1">
+              <a:lnSpc>
+                <a:spcPct val="100000"/>
+              </a:lnSpc>
+              <a:spcBef>
+                <a:spcPts val="600"/>
+              </a:spcBef>
+              <a:spcAft>
+                <a:spcPts val="0"/>
+              </a:spcAft>
+              <a:buClr>
+                <a:schemeClr val="accent1"/>
+              </a:buClr>
+              <a:buSzPct val="80000"/>
+              <a:buFont typeface="Wingdings 2"/>
+              <a:buChar char=""/>
+              <a:tabLst/>
+              <a:defRPr/>
+            </a:pPr>
+            <a:r>
+              <a:rPr lang="en-US" sz="2400" dirty="0" smtClean="0"/>
+              <a:t>Serving request :- starts serving the request</a:t>
+            </a:r>
+            <a:endParaRPr kumimoji="0" lang="en-US" sz="2400" b="0" i="0" u="none" strike="noStrike" kern="1200" cap="none" spc="0" normalizeH="0" noProof="0" dirty="0" smtClean="0">
+              <a:ln>
+                <a:noFill/>
+              </a:ln>
+              <a:solidFill>
+                <a:schemeClr val="tx1"/>
+              </a:solidFill>
+              <a:effectLst/>
+              <a:uLnTx/>
+              <a:uFillTx/>
+              <a:latin typeface="+mn-lt"/>
+              <a:ea typeface="+mn-ea"/>
+              <a:cs typeface="+mn-cs"/>
+            </a:endParaRPr>
+          </a:p>
           <a:p>
             <a:pPr marL="365760" marR="0" lvl="0" indent="-283464" algn="l" defTabSz="914400" rtl="0" eaLnBrk="1" fontAlgn="auto" latinLnBrk="0" hangingPunct="1">
               <a:lnSpc>
@@ -4534,15 +4698,72 @@
           </a:p>
         </p:txBody>
       </p:sp>
+    </p:spTree>
+  </p:cSld>
+  <p:clrMapOvr>
+    <a:masterClrMapping/>
+  </p:clrMapOvr>
+</p:sld>
+</file>
+
+<file path=ppt/slides/slide11.xml><?xml version="1.0" encoding="utf-8"?>
+<p:sld xmlns:a="http://schemas.openxmlformats.org/drawingml/2006/main" xmlns:r="http://schemas.openxmlformats.org/officeDocument/2006/relationships" xmlns:p="http://schemas.openxmlformats.org/presentationml/2006/main">
+  <p:cSld>
+    <p:spTree>
+      <p:nvGrpSpPr>
+        <p:cNvPr id="1" name=""/>
+        <p:cNvGrpSpPr/>
+        <p:nvPr/>
+      </p:nvGrpSpPr>
+      <p:grpSpPr>
+        <a:xfrm>
+          <a:off x="0" y="0"/>
+          <a:ext cx="0" cy="0"/>
+          <a:chOff x="0" y="0"/>
+          <a:chExt cx="0" cy="0"/>
+        </a:xfrm>
+      </p:grpSpPr>
+      <p:sp>
+        <p:nvSpPr>
+          <p:cNvPr id="2" name="Title 1"/>
+          <p:cNvSpPr>
+            <a:spLocks noGrp="1"/>
+          </p:cNvSpPr>
+          <p:nvPr>
+            <p:ph type="title"/>
+          </p:nvPr>
+        </p:nvSpPr>
+        <p:spPr>
+          <a:xfrm>
+            <a:off x="1066800" y="0"/>
+            <a:ext cx="7498080" cy="457200"/>
+          </a:xfrm>
+        </p:spPr>
+        <p:txBody>
+          <a:bodyPr>
+            <a:normAutofit fontScale="90000"/>
+          </a:bodyPr>
+          <a:lstStyle/>
+          <a:p>
+            <a:r>
+              <a:rPr lang="en-US" sz="4400" dirty="0" smtClean="0">
+                <a:solidFill>
+                  <a:srgbClr val="0070C0"/>
+                </a:solidFill>
+              </a:rPr>
+              <a:t>Structure</a:t>
+            </a:r>
+            <a:endParaRPr lang="en-US" dirty="0"/>
+          </a:p>
+        </p:txBody>
+      </p:sp>
       <p:pic>
         <p:nvPicPr>
-          <p:cNvPr id="11266" name="Picture 2"/>
+          <p:cNvPr id="6149" name="Picture 5"/>
           <p:cNvPicPr>
-            <a:picLocks noGrp="1" noChangeAspect="1" noChangeArrowheads="1"/>
+            <a:picLocks noChangeAspect="1" noChangeArrowheads="1"/>
           </p:cNvPicPr>
-          <p:nvPr>
-            <p:ph idx="1"/>
-          </p:nvPr>
+          <p:nvPr/>
         </p:nvPicPr>
         <p:blipFill>
           <a:blip r:embed="rId2"/>
@@ -4553,8 +4774,43 @@
         </p:blipFill>
         <p:spPr bwMode="auto">
           <a:xfrm>
-            <a:off x="1905000" y="838200"/>
-            <a:ext cx="5905500" cy="4267200"/>
+            <a:off x="990600" y="457200"/>
+            <a:ext cx="6096000" cy="2209800"/>
+          </a:xfrm>
+          <a:prstGeom prst="rect">
+            <a:avLst/>
+          </a:prstGeom>
+          <a:noFill/>
+          <a:ln w="9525">
+            <a:noFill/>
+            <a:miter lim="800000"/>
+            <a:headEnd/>
+            <a:tailEnd/>
+          </a:ln>
+          <a:effectLst/>
+        </p:spPr>
+      </p:pic>
+      <p:pic>
+        <p:nvPicPr>
+          <p:cNvPr id="6146" name="Picture 2"/>
+          <p:cNvPicPr>
+            <a:picLocks noGrp="1" noChangeAspect="1" noChangeArrowheads="1"/>
+          </p:cNvPicPr>
+          <p:nvPr>
+            <p:ph idx="1"/>
+          </p:nvPr>
+        </p:nvPicPr>
+        <p:blipFill>
+          <a:blip r:embed="rId3"/>
+          <a:srcRect/>
+          <a:stretch>
+            <a:fillRect/>
+          </a:stretch>
+        </p:blipFill>
+        <p:spPr bwMode="auto">
+          <a:xfrm>
+            <a:off x="5715000" y="2133600"/>
+            <a:ext cx="3124200" cy="4572000"/>
           </a:xfrm>
           <a:prstGeom prst="rect">
             <a:avLst/>
@@ -4607,20 +4863,22 @@
         <p:spPr>
           <a:xfrm>
             <a:off x="1066800" y="0"/>
-            <a:ext cx="7498080" cy="838200"/>
-          </a:xfrm>
-        </p:spPr>
-        <p:txBody>
-          <a:bodyPr/>
+            <a:ext cx="7498080" cy="457200"/>
+          </a:xfrm>
+        </p:spPr>
+        <p:txBody>
+          <a:bodyPr>
+            <a:normAutofit fontScale="90000"/>
+          </a:bodyPr>
           <a:lstStyle/>
           <a:p>
             <a:r>
-              <a:rPr lang="en-US" sz="4000" dirty="0" err="1" smtClean="0">
+              <a:rPr lang="en-US" sz="4400" dirty="0" smtClean="0">
                 <a:solidFill>
                   <a:srgbClr val="0070C0"/>
                 </a:solidFill>
               </a:rPr>
-              <a:t>Program.cs</a:t>
+              <a:t>Structure</a:t>
             </a:r>
             <a:endParaRPr lang="en-US" dirty="0"/>
           </a:p>
@@ -4628,7 +4886,7 @@
       </p:sp>
       <p:sp>
         <p:nvSpPr>
-          <p:cNvPr id="3" name="Content Placeholder 2"/>
+          <p:cNvPr id="5" name="Content Placeholder 4"/>
           <p:cNvSpPr>
             <a:spLocks noGrp="1"/>
           </p:cNvSpPr>
@@ -4638,71 +4896,35 @@
         </p:nvSpPr>
         <p:spPr>
           <a:xfrm>
-            <a:off x="1066800" y="762000"/>
-            <a:ext cx="8077200" cy="5562600"/>
-          </a:xfrm>
-        </p:spPr>
-        <p:txBody>
-          <a:bodyPr/>
+            <a:off x="1143000" y="381000"/>
+            <a:ext cx="7498080" cy="4800600"/>
+          </a:xfrm>
+        </p:spPr>
+        <p:txBody>
+          <a:bodyPr>
+            <a:normAutofit/>
+          </a:bodyPr>
           <a:lstStyle/>
           <a:p>
             <a:r>
+              <a:rPr lang="en-US" sz="2400" dirty="0" smtClean="0"/>
+              <a:t>.</a:t>
+            </a:r>
+            <a:r>
               <a:rPr lang="en-US" sz="2400" dirty="0" err="1" smtClean="0"/>
-              <a:t>Program.cs</a:t>
+              <a:t>csproj</a:t>
             </a:r>
             <a:r>
               <a:rPr lang="en-US" sz="2400" dirty="0" smtClean="0"/>
-              <a:t> is the first thing which runs in </a:t>
-            </a:r>
-            <a:r>
-              <a:rPr lang="en-US" sz="2400" dirty="0" err="1" smtClean="0"/>
-              <a:t>mvc</a:t>
-            </a:r>
-            <a:r>
-              <a:rPr lang="en-US" sz="2400" dirty="0" smtClean="0"/>
-              <a:t> core application</a:t>
-            </a:r>
-          </a:p>
-          <a:p>
-            <a:r>
-              <a:rPr lang="en-US" sz="2400" dirty="0" smtClean="0"/>
-              <a:t>It does 2 things :-</a:t>
-            </a:r>
-          </a:p>
-          <a:p>
-            <a:pPr>
-              <a:buNone/>
-            </a:pPr>
-            <a:r>
-              <a:rPr lang="en-US" sz="2400" dirty="0" smtClean="0"/>
-              <a:t>    1. It starts the web server (Kestrel server)</a:t>
-            </a:r>
-          </a:p>
-          <a:p>
-            <a:pPr>
-              <a:buNone/>
-            </a:pPr>
-            <a:r>
-              <a:rPr lang="en-US" sz="2400" dirty="0" smtClean="0"/>
-              <a:t>    2. It invokes </a:t>
-            </a:r>
-            <a:r>
-              <a:rPr lang="en-US" sz="2400" dirty="0" err="1" smtClean="0"/>
-              <a:t>startup.cs</a:t>
-            </a:r>
-            <a:r>
-              <a:rPr lang="en-US" sz="2400" dirty="0" smtClean="0"/>
-              <a:t> file.</a:t>
-            </a:r>
-          </a:p>
-          <a:p>
-            <a:endParaRPr lang="en-US" dirty="0" smtClean="0"/>
+              <a:t> file</a:t>
+            </a:r>
+            <a:endParaRPr lang="en-US" sz="2400" dirty="0"/>
           </a:p>
         </p:txBody>
       </p:sp>
       <p:pic>
         <p:nvPicPr>
-          <p:cNvPr id="8194" name="Picture 2"/>
+          <p:cNvPr id="2050" name="Picture 2"/>
           <p:cNvPicPr>
             <a:picLocks noChangeAspect="1" noChangeArrowheads="1"/>
           </p:cNvPicPr>
@@ -4717,8 +4939,8 @@
         </p:blipFill>
         <p:spPr bwMode="auto">
           <a:xfrm>
-            <a:off x="1066800" y="3276600"/>
-            <a:ext cx="7877175" cy="3076575"/>
+            <a:off x="1219200" y="1371600"/>
+            <a:ext cx="7924800" cy="3152775"/>
           </a:xfrm>
           <a:prstGeom prst="rect">
             <a:avLst/>
@@ -4733,90 +4955,6 @@
           <a:effectLst/>
         </p:spPr>
       </p:pic>
-      <p:sp>
-        <p:nvSpPr>
-          <p:cNvPr id="6" name="Right Arrow 5"/>
-          <p:cNvSpPr/>
-          <p:nvPr/>
-        </p:nvSpPr>
-        <p:spPr>
-          <a:xfrm>
-            <a:off x="1524000" y="5562600"/>
-            <a:ext cx="457200" cy="152400"/>
-          </a:xfrm>
-          <a:prstGeom prst="rightArrow">
-            <a:avLst/>
-          </a:prstGeom>
-        </p:spPr>
-        <p:style>
-          <a:lnRef idx="2">
-            <a:schemeClr val="accent1">
-              <a:shade val="50000"/>
-            </a:schemeClr>
-          </a:lnRef>
-          <a:fillRef idx="1">
-            <a:schemeClr val="accent1"/>
-          </a:fillRef>
-          <a:effectRef idx="0">
-            <a:schemeClr val="accent1"/>
-          </a:effectRef>
-          <a:fontRef idx="minor">
-            <a:schemeClr val="lt1"/>
-          </a:fontRef>
-        </p:style>
-        <p:txBody>
-          <a:bodyPr rtlCol="0" anchor="ctr"/>
-          <a:lstStyle/>
-          <a:p>
-            <a:pPr algn="ctr"/>
-            <a:endParaRPr lang="en-US" dirty="0">
-              <a:solidFill>
-                <a:srgbClr val="C00000"/>
-              </a:solidFill>
-            </a:endParaRPr>
-          </a:p>
-        </p:txBody>
-      </p:sp>
-      <p:sp>
-        <p:nvSpPr>
-          <p:cNvPr id="7" name="Right Arrow 6"/>
-          <p:cNvSpPr/>
-          <p:nvPr/>
-        </p:nvSpPr>
-        <p:spPr>
-          <a:xfrm>
-            <a:off x="1524000" y="5791200"/>
-            <a:ext cx="457200" cy="152400"/>
-          </a:xfrm>
-          <a:prstGeom prst="rightArrow">
-            <a:avLst/>
-          </a:prstGeom>
-        </p:spPr>
-        <p:style>
-          <a:lnRef idx="2">
-            <a:schemeClr val="accent1">
-              <a:shade val="50000"/>
-            </a:schemeClr>
-          </a:lnRef>
-          <a:fillRef idx="1">
-            <a:schemeClr val="accent1"/>
-          </a:fillRef>
-          <a:effectRef idx="0">
-            <a:schemeClr val="accent1"/>
-          </a:effectRef>
-          <a:fontRef idx="minor">
-            <a:schemeClr val="lt1"/>
-          </a:fontRef>
-        </p:style>
-        <p:txBody>
-          <a:bodyPr rtlCol="0" anchor="ctr"/>
-          <a:lstStyle/>
-          <a:p>
-            <a:pPr algn="ctr"/>
-            <a:endParaRPr lang="en-US"/>
-          </a:p>
-        </p:txBody>
-      </p:sp>
     </p:spTree>
   </p:cSld>
   <p:clrMapOvr>
@@ -4854,21 +4992,23 @@
         </p:nvSpPr>
         <p:spPr>
           <a:xfrm>
-            <a:off x="990600" y="0"/>
-            <a:ext cx="7498080" cy="762000"/>
-          </a:xfrm>
-        </p:spPr>
-        <p:txBody>
-          <a:bodyPr/>
+            <a:off x="1066800" y="0"/>
+            <a:ext cx="7498080" cy="457200"/>
+          </a:xfrm>
+        </p:spPr>
+        <p:txBody>
+          <a:bodyPr>
+            <a:normAutofit fontScale="90000"/>
+          </a:bodyPr>
           <a:lstStyle/>
           <a:p>
             <a:r>
-              <a:rPr lang="en-US" sz="4000" dirty="0" err="1" smtClean="0">
+              <a:rPr lang="en-US" sz="4400" dirty="0" smtClean="0">
                 <a:solidFill>
                   <a:srgbClr val="0070C0"/>
                 </a:solidFill>
               </a:rPr>
-              <a:t>Program.cs</a:t>
+              <a:t>Structure</a:t>
             </a:r>
             <a:endParaRPr lang="en-US" dirty="0"/>
           </a:p>
@@ -4876,7 +5016,7 @@
       </p:sp>
       <p:sp>
         <p:nvSpPr>
-          <p:cNvPr id="3" name="Content Placeholder 2"/>
+          <p:cNvPr id="5" name="Content Placeholder 4"/>
           <p:cNvSpPr>
             <a:spLocks noGrp="1"/>
           </p:cNvSpPr>
@@ -4884,32 +5024,18 @@
             <p:ph idx="1"/>
           </p:nvPr>
         </p:nvSpPr>
-        <p:spPr>
-          <a:xfrm>
-            <a:off x="1066800" y="609600"/>
-            <a:ext cx="8077200" cy="5562600"/>
-          </a:xfrm>
-        </p:spPr>
+        <p:spPr/>
         <p:txBody>
           <a:bodyPr/>
           <a:lstStyle/>
           <a:p>
-            <a:r>
-              <a:rPr lang="en-US" sz="2400" dirty="0" smtClean="0"/>
-              <a:t>Kestrel server is cross-platform server</a:t>
-            </a:r>
-          </a:p>
-          <a:p>
-            <a:r>
-              <a:rPr lang="en-US" sz="2400" dirty="0" smtClean="0"/>
-              <a:t>Reverse proxy</a:t>
-            </a:r>
+            <a:endParaRPr lang="en-US"/>
           </a:p>
         </p:txBody>
       </p:sp>
       <p:pic>
         <p:nvPicPr>
-          <p:cNvPr id="9218" name="Picture 2"/>
+          <p:cNvPr id="1026" name="Picture 2"/>
           <p:cNvPicPr>
             <a:picLocks noChangeAspect="1" noChangeArrowheads="1"/>
           </p:cNvPicPr>
@@ -4924,8 +5050,8 @@
         </p:blipFill>
         <p:spPr bwMode="auto">
           <a:xfrm>
-            <a:off x="1066800" y="2209800"/>
-            <a:ext cx="7467600" cy="1219200"/>
+            <a:off x="1066800" y="914400"/>
+            <a:ext cx="7905750" cy="5295900"/>
           </a:xfrm>
           <a:prstGeom prst="rect">
             <a:avLst/>
@@ -4977,35 +5103,84 @@
         </p:nvSpPr>
         <p:spPr>
           <a:xfrm>
-            <a:off x="990600" y="0"/>
-            <a:ext cx="7498080" cy="762000"/>
-          </a:xfrm>
-        </p:spPr>
-        <p:txBody>
-          <a:bodyPr/>
+            <a:off x="1066800" y="0"/>
+            <a:ext cx="7498080" cy="457200"/>
+          </a:xfrm>
+        </p:spPr>
+        <p:txBody>
+          <a:bodyPr>
+            <a:normAutofit fontScale="90000"/>
+          </a:bodyPr>
           <a:lstStyle/>
           <a:p>
             <a:r>
-              <a:rPr lang="en-US" sz="4000" dirty="0" err="1" smtClean="0">
+              <a:rPr lang="en-US" sz="4400" dirty="0" smtClean="0">
                 <a:solidFill>
                   <a:srgbClr val="0070C0"/>
                 </a:solidFill>
               </a:rPr>
-              <a:t>startup.cs</a:t>
+              <a:t>Structure</a:t>
             </a:r>
             <a:endParaRPr lang="en-US" dirty="0"/>
+          </a:p>
+        </p:txBody>
+      </p:sp>
+      <p:sp>
+        <p:nvSpPr>
+          <p:cNvPr id="5" name="Content Placeholder 4"/>
+          <p:cNvSpPr>
+            <a:spLocks noGrp="1"/>
+          </p:cNvSpPr>
+          <p:nvPr>
+            <p:ph idx="1"/>
+          </p:nvPr>
+        </p:nvSpPr>
+        <p:spPr>
+          <a:xfrm>
+            <a:off x="1143000" y="4267200"/>
+            <a:ext cx="7498080" cy="2286000"/>
+          </a:xfrm>
+        </p:spPr>
+        <p:txBody>
+          <a:bodyPr>
+            <a:normAutofit/>
+          </a:bodyPr>
+          <a:lstStyle/>
+          <a:p>
+            <a:pPr>
+              <a:buNone/>
+            </a:pPr>
+            <a:r>
+              <a:rPr lang="en-US" sz="2400" b="1" dirty="0" smtClean="0"/>
+              <a:t>Core application can be hosted: -</a:t>
+            </a:r>
+          </a:p>
+          <a:p>
+            <a:r>
+              <a:rPr lang="en-US" sz="2400" dirty="0" err="1" smtClean="0"/>
+              <a:t>InProcess</a:t>
+            </a:r>
+            <a:r>
+              <a:rPr lang="en-US" sz="2400" dirty="0" smtClean="0"/>
+              <a:t> or</a:t>
+            </a:r>
+          </a:p>
+          <a:p>
+            <a:r>
+              <a:rPr lang="en-US" sz="2400" dirty="0" err="1" smtClean="0"/>
+              <a:t>OutOfProcess</a:t>
+            </a:r>
+            <a:endParaRPr lang="en-US" sz="2400" dirty="0"/>
           </a:p>
         </p:txBody>
       </p:sp>
       <p:pic>
         <p:nvPicPr>
-          <p:cNvPr id="10242" name="Picture 2"/>
+          <p:cNvPr id="3074" name="Picture 2"/>
           <p:cNvPicPr>
-            <a:picLocks noGrp="1" noChangeAspect="1" noChangeArrowheads="1"/>
+            <a:picLocks noChangeAspect="1" noChangeArrowheads="1"/>
           </p:cNvPicPr>
-          <p:nvPr>
-            <p:ph idx="1"/>
-          </p:nvPr>
+          <p:nvPr/>
         </p:nvPicPr>
         <p:blipFill>
           <a:blip r:embed="rId2"/>
@@ -5016,8 +5191,8 @@
         </p:blipFill>
         <p:spPr bwMode="auto">
           <a:xfrm>
-            <a:off x="990600" y="838200"/>
-            <a:ext cx="6153150" cy="819150"/>
+            <a:off x="990600" y="457200"/>
+            <a:ext cx="7848600" cy="3905250"/>
           </a:xfrm>
           <a:prstGeom prst="rect">
             <a:avLst/>
@@ -5032,9 +5207,1892 @@
           <a:effectLst/>
         </p:spPr>
       </p:pic>
-      <p:sp>
-        <p:nvSpPr>
-          <p:cNvPr id="6" name="Content Placeholder 2"/>
+    </p:spTree>
+  </p:cSld>
+  <p:clrMapOvr>
+    <a:masterClrMapping/>
+  </p:clrMapOvr>
+</p:sld>
+</file>
+
+<file path=ppt/slides/slide15.xml><?xml version="1.0" encoding="utf-8"?>
+<p:sld xmlns:a="http://schemas.openxmlformats.org/drawingml/2006/main" xmlns:r="http://schemas.openxmlformats.org/officeDocument/2006/relationships" xmlns:p="http://schemas.openxmlformats.org/presentationml/2006/main">
+  <p:cSld>
+    <p:spTree>
+      <p:nvGrpSpPr>
+        <p:cNvPr id="1" name=""/>
+        <p:cNvGrpSpPr/>
+        <p:nvPr/>
+      </p:nvGrpSpPr>
+      <p:grpSpPr>
+        <a:xfrm>
+          <a:off x="0" y="0"/>
+          <a:ext cx="0" cy="0"/>
+          <a:chOff x="0" y="0"/>
+          <a:chExt cx="0" cy="0"/>
+        </a:xfrm>
+      </p:grpSpPr>
+      <p:sp>
+        <p:nvSpPr>
+          <p:cNvPr id="2" name="Title 1"/>
+          <p:cNvSpPr>
+            <a:spLocks noGrp="1"/>
+          </p:cNvSpPr>
+          <p:nvPr>
+            <p:ph type="title"/>
+          </p:nvPr>
+        </p:nvSpPr>
+        <p:spPr>
+          <a:xfrm>
+            <a:off x="1066800" y="0"/>
+            <a:ext cx="7498080" cy="457200"/>
+          </a:xfrm>
+        </p:spPr>
+        <p:txBody>
+          <a:bodyPr>
+            <a:normAutofit fontScale="90000"/>
+          </a:bodyPr>
+          <a:lstStyle/>
+          <a:p>
+            <a:r>
+              <a:rPr lang="en-US" sz="4400" dirty="0" err="1" smtClean="0">
+                <a:solidFill>
+                  <a:srgbClr val="0070C0"/>
+                </a:solidFill>
+              </a:rPr>
+              <a:t>InProcess</a:t>
+            </a:r>
+            <a:r>
+              <a:rPr lang="en-US" sz="4400" dirty="0" smtClean="0">
+                <a:solidFill>
+                  <a:srgbClr val="0070C0"/>
+                </a:solidFill>
+              </a:rPr>
+              <a:t> Hosting</a:t>
+            </a:r>
+            <a:endParaRPr lang="en-US" dirty="0"/>
+          </a:p>
+        </p:txBody>
+      </p:sp>
+      <p:sp>
+        <p:nvSpPr>
+          <p:cNvPr id="5" name="Content Placeholder 4"/>
+          <p:cNvSpPr>
+            <a:spLocks noGrp="1"/>
+          </p:cNvSpPr>
+          <p:nvPr>
+            <p:ph idx="1"/>
+          </p:nvPr>
+        </p:nvSpPr>
+        <p:spPr>
+          <a:xfrm>
+            <a:off x="1143000" y="6019800"/>
+            <a:ext cx="7498080" cy="533400"/>
+          </a:xfrm>
+        </p:spPr>
+        <p:txBody>
+          <a:bodyPr>
+            <a:normAutofit/>
+          </a:bodyPr>
+          <a:lstStyle/>
+          <a:p>
+            <a:pPr>
+              <a:buNone/>
+            </a:pPr>
+            <a:r>
+              <a:rPr lang="en-US" sz="2400" dirty="0" smtClean="0"/>
+              <a:t>Demo:- </a:t>
+            </a:r>
+            <a:r>
+              <a:rPr lang="en-US" sz="2400" dirty="0" err="1" smtClean="0"/>
+              <a:t>Core_HostProcess</a:t>
+            </a:r>
+            <a:endParaRPr lang="en-US" sz="2400" dirty="0"/>
+          </a:p>
+        </p:txBody>
+      </p:sp>
+      <p:pic>
+        <p:nvPicPr>
+          <p:cNvPr id="5126" name="Picture 6"/>
+          <p:cNvPicPr>
+            <a:picLocks noChangeAspect="1" noChangeArrowheads="1"/>
+          </p:cNvPicPr>
+          <p:nvPr/>
+        </p:nvPicPr>
+        <p:blipFill>
+          <a:blip r:embed="rId2"/>
+          <a:srcRect/>
+          <a:stretch>
+            <a:fillRect/>
+          </a:stretch>
+        </p:blipFill>
+        <p:spPr bwMode="auto">
+          <a:xfrm>
+            <a:off x="1066800" y="914400"/>
+            <a:ext cx="8077200" cy="4114800"/>
+          </a:xfrm>
+          <a:prstGeom prst="rect">
+            <a:avLst/>
+          </a:prstGeom>
+          <a:noFill/>
+          <a:ln w="9525">
+            <a:noFill/>
+            <a:miter lim="800000"/>
+            <a:headEnd/>
+            <a:tailEnd/>
+          </a:ln>
+          <a:effectLst/>
+        </p:spPr>
+      </p:pic>
+    </p:spTree>
+  </p:cSld>
+  <p:clrMapOvr>
+    <a:masterClrMapping/>
+  </p:clrMapOvr>
+</p:sld>
+</file>
+
+<file path=ppt/slides/slide16.xml><?xml version="1.0" encoding="utf-8"?>
+<p:sld xmlns:a="http://schemas.openxmlformats.org/drawingml/2006/main" xmlns:r="http://schemas.openxmlformats.org/officeDocument/2006/relationships" xmlns:p="http://schemas.openxmlformats.org/presentationml/2006/main">
+  <p:cSld>
+    <p:spTree>
+      <p:nvGrpSpPr>
+        <p:cNvPr id="1" name=""/>
+        <p:cNvGrpSpPr/>
+        <p:nvPr/>
+      </p:nvGrpSpPr>
+      <p:grpSpPr>
+        <a:xfrm>
+          <a:off x="0" y="0"/>
+          <a:ext cx="0" cy="0"/>
+          <a:chOff x="0" y="0"/>
+          <a:chExt cx="0" cy="0"/>
+        </a:xfrm>
+      </p:grpSpPr>
+      <p:sp>
+        <p:nvSpPr>
+          <p:cNvPr id="2" name="Title 1"/>
+          <p:cNvSpPr>
+            <a:spLocks noGrp="1"/>
+          </p:cNvSpPr>
+          <p:nvPr>
+            <p:ph type="title"/>
+          </p:nvPr>
+        </p:nvSpPr>
+        <p:spPr>
+          <a:xfrm>
+            <a:off x="1066800" y="0"/>
+            <a:ext cx="7498080" cy="457200"/>
+          </a:xfrm>
+        </p:spPr>
+        <p:txBody>
+          <a:bodyPr>
+            <a:normAutofit fontScale="90000"/>
+          </a:bodyPr>
+          <a:lstStyle/>
+          <a:p>
+            <a:r>
+              <a:rPr lang="en-US" sz="4400" dirty="0" err="1" smtClean="0">
+                <a:solidFill>
+                  <a:srgbClr val="0070C0"/>
+                </a:solidFill>
+              </a:rPr>
+              <a:t>InProcess</a:t>
+            </a:r>
+            <a:r>
+              <a:rPr lang="en-US" sz="4400" dirty="0" smtClean="0">
+                <a:solidFill>
+                  <a:srgbClr val="0070C0"/>
+                </a:solidFill>
+              </a:rPr>
+              <a:t> Hosting</a:t>
+            </a:r>
+            <a:endParaRPr lang="en-US" dirty="0"/>
+          </a:p>
+        </p:txBody>
+      </p:sp>
+      <p:sp>
+        <p:nvSpPr>
+          <p:cNvPr id="5" name="Content Placeholder 4"/>
+          <p:cNvSpPr>
+            <a:spLocks noGrp="1"/>
+          </p:cNvSpPr>
+          <p:nvPr>
+            <p:ph idx="1"/>
+          </p:nvPr>
+        </p:nvSpPr>
+        <p:spPr>
+          <a:xfrm>
+            <a:off x="1143000" y="6019800"/>
+            <a:ext cx="7498080" cy="533400"/>
+          </a:xfrm>
+        </p:spPr>
+        <p:txBody>
+          <a:bodyPr>
+            <a:normAutofit/>
+          </a:bodyPr>
+          <a:lstStyle/>
+          <a:p>
+            <a:pPr>
+              <a:buNone/>
+            </a:pPr>
+            <a:r>
+              <a:rPr lang="en-US" sz="2400" dirty="0" smtClean="0"/>
+              <a:t>Demo:- </a:t>
+            </a:r>
+            <a:r>
+              <a:rPr lang="en-US" sz="2400" dirty="0" err="1" smtClean="0"/>
+              <a:t>Core_HostProcess</a:t>
+            </a:r>
+            <a:endParaRPr lang="en-US" sz="2400" dirty="0"/>
+          </a:p>
+        </p:txBody>
+      </p:sp>
+      <p:pic>
+        <p:nvPicPr>
+          <p:cNvPr id="5122" name="Picture 2"/>
+          <p:cNvPicPr>
+            <a:picLocks noChangeAspect="1" noChangeArrowheads="1"/>
+          </p:cNvPicPr>
+          <p:nvPr/>
+        </p:nvPicPr>
+        <p:blipFill>
+          <a:blip r:embed="rId2"/>
+          <a:srcRect/>
+          <a:stretch>
+            <a:fillRect/>
+          </a:stretch>
+        </p:blipFill>
+        <p:spPr bwMode="auto">
+          <a:xfrm>
+            <a:off x="1066800" y="609600"/>
+            <a:ext cx="6943725" cy="914400"/>
+          </a:xfrm>
+          <a:prstGeom prst="rect">
+            <a:avLst/>
+          </a:prstGeom>
+          <a:noFill/>
+          <a:ln w="9525">
+            <a:noFill/>
+            <a:miter lim="800000"/>
+            <a:headEnd/>
+            <a:tailEnd/>
+          </a:ln>
+          <a:effectLst/>
+        </p:spPr>
+      </p:pic>
+      <p:pic>
+        <p:nvPicPr>
+          <p:cNvPr id="5124" name="Picture 4"/>
+          <p:cNvPicPr>
+            <a:picLocks noChangeAspect="1" noChangeArrowheads="1"/>
+          </p:cNvPicPr>
+          <p:nvPr/>
+        </p:nvPicPr>
+        <p:blipFill>
+          <a:blip r:embed="rId3"/>
+          <a:srcRect/>
+          <a:stretch>
+            <a:fillRect/>
+          </a:stretch>
+        </p:blipFill>
+        <p:spPr bwMode="auto">
+          <a:xfrm>
+            <a:off x="1066800" y="4648200"/>
+            <a:ext cx="6991350" cy="866775"/>
+          </a:xfrm>
+          <a:prstGeom prst="rect">
+            <a:avLst/>
+          </a:prstGeom>
+          <a:noFill/>
+          <a:ln w="9525">
+            <a:noFill/>
+            <a:miter lim="800000"/>
+            <a:headEnd/>
+            <a:tailEnd/>
+          </a:ln>
+          <a:effectLst/>
+        </p:spPr>
+      </p:pic>
+      <p:pic>
+        <p:nvPicPr>
+          <p:cNvPr id="5125" name="Picture 5"/>
+          <p:cNvPicPr>
+            <a:picLocks noChangeAspect="1" noChangeArrowheads="1"/>
+          </p:cNvPicPr>
+          <p:nvPr/>
+        </p:nvPicPr>
+        <p:blipFill>
+          <a:blip r:embed="rId4"/>
+          <a:srcRect/>
+          <a:stretch>
+            <a:fillRect/>
+          </a:stretch>
+        </p:blipFill>
+        <p:spPr bwMode="auto">
+          <a:xfrm>
+            <a:off x="1143000" y="1600200"/>
+            <a:ext cx="7267575" cy="2486025"/>
+          </a:xfrm>
+          <a:prstGeom prst="rect">
+            <a:avLst/>
+          </a:prstGeom>
+          <a:noFill/>
+          <a:ln w="9525">
+            <a:noFill/>
+            <a:miter lim="800000"/>
+            <a:headEnd/>
+            <a:tailEnd/>
+          </a:ln>
+          <a:effectLst/>
+        </p:spPr>
+      </p:pic>
+    </p:spTree>
+  </p:cSld>
+  <p:clrMapOvr>
+    <a:masterClrMapping/>
+  </p:clrMapOvr>
+</p:sld>
+</file>
+
+<file path=ppt/slides/slide17.xml><?xml version="1.0" encoding="utf-8"?>
+<p:sld xmlns:a="http://schemas.openxmlformats.org/drawingml/2006/main" xmlns:r="http://schemas.openxmlformats.org/officeDocument/2006/relationships" xmlns:p="http://schemas.openxmlformats.org/presentationml/2006/main">
+  <p:cSld>
+    <p:spTree>
+      <p:nvGrpSpPr>
+        <p:cNvPr id="1" name=""/>
+        <p:cNvGrpSpPr/>
+        <p:nvPr/>
+      </p:nvGrpSpPr>
+      <p:grpSpPr>
+        <a:xfrm>
+          <a:off x="0" y="0"/>
+          <a:ext cx="0" cy="0"/>
+          <a:chOff x="0" y="0"/>
+          <a:chExt cx="0" cy="0"/>
+        </a:xfrm>
+      </p:grpSpPr>
+      <p:sp>
+        <p:nvSpPr>
+          <p:cNvPr id="2" name="Title 1"/>
+          <p:cNvSpPr>
+            <a:spLocks noGrp="1"/>
+          </p:cNvSpPr>
+          <p:nvPr>
+            <p:ph type="title"/>
+          </p:nvPr>
+        </p:nvSpPr>
+        <p:spPr>
+          <a:xfrm>
+            <a:off x="1066800" y="0"/>
+            <a:ext cx="7498080" cy="457200"/>
+          </a:xfrm>
+        </p:spPr>
+        <p:txBody>
+          <a:bodyPr>
+            <a:normAutofit fontScale="90000"/>
+          </a:bodyPr>
+          <a:lstStyle/>
+          <a:p>
+            <a:r>
+              <a:rPr lang="en-US" sz="4400" dirty="0" err="1" smtClean="0">
+                <a:solidFill>
+                  <a:srgbClr val="0070C0"/>
+                </a:solidFill>
+              </a:rPr>
+              <a:t>OutOfProcess</a:t>
+            </a:r>
+            <a:r>
+              <a:rPr lang="en-US" sz="4400" dirty="0" smtClean="0">
+                <a:solidFill>
+                  <a:srgbClr val="0070C0"/>
+                </a:solidFill>
+              </a:rPr>
+              <a:t> Hosting</a:t>
+            </a:r>
+            <a:endParaRPr lang="en-US" dirty="0"/>
+          </a:p>
+        </p:txBody>
+      </p:sp>
+      <p:sp>
+        <p:nvSpPr>
+          <p:cNvPr id="5" name="Content Placeholder 4"/>
+          <p:cNvSpPr>
+            <a:spLocks noGrp="1"/>
+          </p:cNvSpPr>
+          <p:nvPr>
+            <p:ph idx="1"/>
+          </p:nvPr>
+        </p:nvSpPr>
+        <p:spPr>
+          <a:xfrm>
+            <a:off x="990600" y="2362200"/>
+            <a:ext cx="7498080" cy="4495800"/>
+          </a:xfrm>
+        </p:spPr>
+        <p:txBody>
+          <a:bodyPr>
+            <a:normAutofit fontScale="92500" lnSpcReduction="10000"/>
+          </a:bodyPr>
+          <a:lstStyle/>
+          <a:p>
+            <a:pPr>
+              <a:buNone/>
+            </a:pPr>
+            <a:endParaRPr lang="en-US" sz="2400" dirty="0" smtClean="0"/>
+          </a:p>
+          <a:p>
+            <a:pPr>
+              <a:buNone/>
+            </a:pPr>
+            <a:r>
+              <a:rPr lang="en-US" sz="2600" dirty="0" smtClean="0"/>
+              <a:t>CLI :- Kestrel server is used</a:t>
+            </a:r>
+          </a:p>
+          <a:p>
+            <a:pPr>
+              <a:buNone/>
+            </a:pPr>
+            <a:endParaRPr lang="en-US" sz="2400" dirty="0" smtClean="0"/>
+          </a:p>
+          <a:p>
+            <a:pPr>
+              <a:buNone/>
+            </a:pPr>
+            <a:endParaRPr lang="en-US" sz="2400" dirty="0" smtClean="0"/>
+          </a:p>
+          <a:p>
+            <a:pPr>
+              <a:buNone/>
+            </a:pPr>
+            <a:endParaRPr lang="en-US" sz="2400" dirty="0" smtClean="0"/>
+          </a:p>
+          <a:p>
+            <a:pPr>
+              <a:buNone/>
+            </a:pPr>
+            <a:endParaRPr lang="en-US" sz="2400" dirty="0" smtClean="0"/>
+          </a:p>
+          <a:p>
+            <a:pPr>
+              <a:buNone/>
+            </a:pPr>
+            <a:endParaRPr lang="en-US" sz="2400" dirty="0" smtClean="0"/>
+          </a:p>
+          <a:p>
+            <a:pPr>
+              <a:buNone/>
+            </a:pPr>
+            <a:endParaRPr lang="en-US" sz="2400" dirty="0" smtClean="0"/>
+          </a:p>
+          <a:p>
+            <a:pPr>
+              <a:buNone/>
+            </a:pPr>
+            <a:endParaRPr lang="en-US" sz="2400" dirty="0" smtClean="0"/>
+          </a:p>
+          <a:p>
+            <a:pPr>
+              <a:buNone/>
+            </a:pPr>
+            <a:endParaRPr lang="en-US" sz="2400" dirty="0" smtClean="0"/>
+          </a:p>
+          <a:p>
+            <a:pPr>
+              <a:buNone/>
+            </a:pPr>
+            <a:r>
+              <a:rPr lang="en-US" sz="2400" dirty="0" smtClean="0"/>
+              <a:t>Demo:- </a:t>
+            </a:r>
+            <a:r>
+              <a:rPr lang="en-US" sz="2400" dirty="0" err="1" smtClean="0"/>
+              <a:t>Core_HostProcess</a:t>
+            </a:r>
+            <a:endParaRPr lang="en-US" sz="2400" dirty="0"/>
+          </a:p>
+        </p:txBody>
+      </p:sp>
+      <p:pic>
+        <p:nvPicPr>
+          <p:cNvPr id="6146" name="Picture 2"/>
+          <p:cNvPicPr>
+            <a:picLocks noChangeAspect="1" noChangeArrowheads="1"/>
+          </p:cNvPicPr>
+          <p:nvPr/>
+        </p:nvPicPr>
+        <p:blipFill>
+          <a:blip r:embed="rId2"/>
+          <a:srcRect/>
+          <a:stretch>
+            <a:fillRect/>
+          </a:stretch>
+        </p:blipFill>
+        <p:spPr bwMode="auto">
+          <a:xfrm>
+            <a:off x="1066800" y="609600"/>
+            <a:ext cx="7572375" cy="1752600"/>
+          </a:xfrm>
+          <a:prstGeom prst="rect">
+            <a:avLst/>
+          </a:prstGeom>
+          <a:noFill/>
+          <a:ln w="9525">
+            <a:noFill/>
+            <a:miter lim="800000"/>
+            <a:headEnd/>
+            <a:tailEnd/>
+          </a:ln>
+          <a:effectLst/>
+        </p:spPr>
+      </p:pic>
+      <p:pic>
+        <p:nvPicPr>
+          <p:cNvPr id="6148" name="Picture 4"/>
+          <p:cNvPicPr>
+            <a:picLocks noChangeAspect="1" noChangeArrowheads="1"/>
+          </p:cNvPicPr>
+          <p:nvPr/>
+        </p:nvPicPr>
+        <p:blipFill>
+          <a:blip r:embed="rId3"/>
+          <a:srcRect/>
+          <a:stretch>
+            <a:fillRect/>
+          </a:stretch>
+        </p:blipFill>
+        <p:spPr bwMode="auto">
+          <a:xfrm>
+            <a:off x="1143000" y="3581400"/>
+            <a:ext cx="5429250" cy="1666875"/>
+          </a:xfrm>
+          <a:prstGeom prst="rect">
+            <a:avLst/>
+          </a:prstGeom>
+          <a:noFill/>
+          <a:ln w="9525">
+            <a:noFill/>
+            <a:miter lim="800000"/>
+            <a:headEnd/>
+            <a:tailEnd/>
+          </a:ln>
+          <a:effectLst/>
+        </p:spPr>
+      </p:pic>
+    </p:spTree>
+  </p:cSld>
+  <p:clrMapOvr>
+    <a:masterClrMapping/>
+  </p:clrMapOvr>
+</p:sld>
+</file>
+
+<file path=ppt/slides/slide18.xml><?xml version="1.0" encoding="utf-8"?>
+<p:sld xmlns:a="http://schemas.openxmlformats.org/drawingml/2006/main" xmlns:r="http://schemas.openxmlformats.org/officeDocument/2006/relationships" xmlns:p="http://schemas.openxmlformats.org/presentationml/2006/main">
+  <p:cSld>
+    <p:spTree>
+      <p:nvGrpSpPr>
+        <p:cNvPr id="1" name=""/>
+        <p:cNvGrpSpPr/>
+        <p:nvPr/>
+      </p:nvGrpSpPr>
+      <p:grpSpPr>
+        <a:xfrm>
+          <a:off x="0" y="0"/>
+          <a:ext cx="0" cy="0"/>
+          <a:chOff x="0" y="0"/>
+          <a:chExt cx="0" cy="0"/>
+        </a:xfrm>
+      </p:grpSpPr>
+      <p:sp>
+        <p:nvSpPr>
+          <p:cNvPr id="2" name="Title 1"/>
+          <p:cNvSpPr>
+            <a:spLocks noGrp="1"/>
+          </p:cNvSpPr>
+          <p:nvPr>
+            <p:ph type="title"/>
+          </p:nvPr>
+        </p:nvSpPr>
+        <p:spPr>
+          <a:xfrm>
+            <a:off x="1066800" y="0"/>
+            <a:ext cx="7498080" cy="457200"/>
+          </a:xfrm>
+        </p:spPr>
+        <p:txBody>
+          <a:bodyPr>
+            <a:normAutofit fontScale="90000"/>
+          </a:bodyPr>
+          <a:lstStyle/>
+          <a:p>
+            <a:r>
+              <a:rPr lang="en-US" sz="4400" dirty="0" smtClean="0">
+                <a:solidFill>
+                  <a:srgbClr val="0070C0"/>
+                </a:solidFill>
+              </a:rPr>
+              <a:t>Kestrel Server</a:t>
+            </a:r>
+            <a:endParaRPr lang="en-US" dirty="0"/>
+          </a:p>
+        </p:txBody>
+      </p:sp>
+      <p:sp>
+        <p:nvSpPr>
+          <p:cNvPr id="5" name="Content Placeholder 4"/>
+          <p:cNvSpPr>
+            <a:spLocks noGrp="1"/>
+          </p:cNvSpPr>
+          <p:nvPr>
+            <p:ph idx="1"/>
+          </p:nvPr>
+        </p:nvSpPr>
+        <p:spPr>
+          <a:xfrm>
+            <a:off x="990600" y="6324600"/>
+            <a:ext cx="7498080" cy="533400"/>
+          </a:xfrm>
+        </p:spPr>
+        <p:txBody>
+          <a:bodyPr>
+            <a:normAutofit/>
+          </a:bodyPr>
+          <a:lstStyle/>
+          <a:p>
+            <a:pPr>
+              <a:buNone/>
+            </a:pPr>
+            <a:r>
+              <a:rPr lang="en-US" sz="2400" dirty="0" smtClean="0"/>
+              <a:t>Demo:- </a:t>
+            </a:r>
+            <a:r>
+              <a:rPr lang="en-US" sz="2400" dirty="0" err="1" smtClean="0"/>
+              <a:t>Core_HostProcess</a:t>
+            </a:r>
+            <a:endParaRPr lang="en-US" sz="2400" dirty="0"/>
+          </a:p>
+        </p:txBody>
+      </p:sp>
+      <p:pic>
+        <p:nvPicPr>
+          <p:cNvPr id="7170" name="Picture 2"/>
+          <p:cNvPicPr>
+            <a:picLocks noChangeAspect="1" noChangeArrowheads="1"/>
+          </p:cNvPicPr>
+          <p:nvPr/>
+        </p:nvPicPr>
+        <p:blipFill>
+          <a:blip r:embed="rId2"/>
+          <a:srcRect/>
+          <a:stretch>
+            <a:fillRect/>
+          </a:stretch>
+        </p:blipFill>
+        <p:spPr bwMode="auto">
+          <a:xfrm>
+            <a:off x="990600" y="609600"/>
+            <a:ext cx="6677025" cy="809625"/>
+          </a:xfrm>
+          <a:prstGeom prst="rect">
+            <a:avLst/>
+          </a:prstGeom>
+          <a:noFill/>
+          <a:ln w="9525">
+            <a:noFill/>
+            <a:miter lim="800000"/>
+            <a:headEnd/>
+            <a:tailEnd/>
+          </a:ln>
+          <a:effectLst/>
+        </p:spPr>
+      </p:pic>
+      <p:pic>
+        <p:nvPicPr>
+          <p:cNvPr id="7171" name="Picture 3"/>
+          <p:cNvPicPr>
+            <a:picLocks noChangeAspect="1" noChangeArrowheads="1"/>
+          </p:cNvPicPr>
+          <p:nvPr/>
+        </p:nvPicPr>
+        <p:blipFill>
+          <a:blip r:embed="rId3"/>
+          <a:srcRect/>
+          <a:stretch>
+            <a:fillRect/>
+          </a:stretch>
+        </p:blipFill>
+        <p:spPr bwMode="auto">
+          <a:xfrm>
+            <a:off x="990600" y="1371600"/>
+            <a:ext cx="6762750" cy="485775"/>
+          </a:xfrm>
+          <a:prstGeom prst="rect">
+            <a:avLst/>
+          </a:prstGeom>
+          <a:noFill/>
+          <a:ln w="9525">
+            <a:noFill/>
+            <a:miter lim="800000"/>
+            <a:headEnd/>
+            <a:tailEnd/>
+          </a:ln>
+          <a:effectLst/>
+        </p:spPr>
+      </p:pic>
+      <p:pic>
+        <p:nvPicPr>
+          <p:cNvPr id="7172" name="Picture 4"/>
+          <p:cNvPicPr>
+            <a:picLocks noChangeAspect="1" noChangeArrowheads="1"/>
+          </p:cNvPicPr>
+          <p:nvPr/>
+        </p:nvPicPr>
+        <p:blipFill>
+          <a:blip r:embed="rId4"/>
+          <a:srcRect/>
+          <a:stretch>
+            <a:fillRect/>
+          </a:stretch>
+        </p:blipFill>
+        <p:spPr bwMode="auto">
+          <a:xfrm>
+            <a:off x="1143000" y="1828800"/>
+            <a:ext cx="7343775" cy="2543175"/>
+          </a:xfrm>
+          <a:prstGeom prst="rect">
+            <a:avLst/>
+          </a:prstGeom>
+          <a:noFill/>
+          <a:ln w="9525">
+            <a:noFill/>
+            <a:miter lim="800000"/>
+            <a:headEnd/>
+            <a:tailEnd/>
+          </a:ln>
+          <a:effectLst/>
+        </p:spPr>
+      </p:pic>
+    </p:spTree>
+  </p:cSld>
+  <p:clrMapOvr>
+    <a:masterClrMapping/>
+  </p:clrMapOvr>
+</p:sld>
+</file>
+
+<file path=ppt/slides/slide19.xml><?xml version="1.0" encoding="utf-8"?>
+<p:sld xmlns:a="http://schemas.openxmlformats.org/drawingml/2006/main" xmlns:r="http://schemas.openxmlformats.org/officeDocument/2006/relationships" xmlns:p="http://schemas.openxmlformats.org/presentationml/2006/main">
+  <p:cSld>
+    <p:spTree>
+      <p:nvGrpSpPr>
+        <p:cNvPr id="1" name=""/>
+        <p:cNvGrpSpPr/>
+        <p:nvPr/>
+      </p:nvGrpSpPr>
+      <p:grpSpPr>
+        <a:xfrm>
+          <a:off x="0" y="0"/>
+          <a:ext cx="0" cy="0"/>
+          <a:chOff x="0" y="0"/>
+          <a:chExt cx="0" cy="0"/>
+        </a:xfrm>
+      </p:grpSpPr>
+      <p:sp>
+        <p:nvSpPr>
+          <p:cNvPr id="2" name="Title 1"/>
+          <p:cNvSpPr>
+            <a:spLocks noGrp="1"/>
+          </p:cNvSpPr>
+          <p:nvPr>
+            <p:ph type="title"/>
+          </p:nvPr>
+        </p:nvSpPr>
+        <p:spPr>
+          <a:xfrm>
+            <a:off x="1066800" y="0"/>
+            <a:ext cx="7498080" cy="457200"/>
+          </a:xfrm>
+        </p:spPr>
+        <p:txBody>
+          <a:bodyPr>
+            <a:normAutofit fontScale="90000"/>
+          </a:bodyPr>
+          <a:lstStyle/>
+          <a:p>
+            <a:r>
+              <a:rPr lang="en-US" sz="4400" dirty="0" err="1" smtClean="0">
+                <a:solidFill>
+                  <a:srgbClr val="0070C0"/>
+                </a:solidFill>
+              </a:rPr>
+              <a:t>InProcess</a:t>
+            </a:r>
+            <a:r>
+              <a:rPr lang="en-US" sz="4400" dirty="0" smtClean="0">
+                <a:solidFill>
+                  <a:srgbClr val="0070C0"/>
+                </a:solidFill>
+              </a:rPr>
+              <a:t> VS </a:t>
+            </a:r>
+            <a:r>
+              <a:rPr lang="en-US" sz="4400" dirty="0" err="1" smtClean="0">
+                <a:solidFill>
+                  <a:srgbClr val="0070C0"/>
+                </a:solidFill>
+              </a:rPr>
+              <a:t>OutOfProcess</a:t>
+            </a:r>
+            <a:endParaRPr lang="en-US" dirty="0"/>
+          </a:p>
+        </p:txBody>
+      </p:sp>
+      <p:sp>
+        <p:nvSpPr>
+          <p:cNvPr id="5" name="Content Placeholder 4"/>
+          <p:cNvSpPr>
+            <a:spLocks noGrp="1"/>
+          </p:cNvSpPr>
+          <p:nvPr>
+            <p:ph idx="1"/>
+          </p:nvPr>
+        </p:nvSpPr>
+        <p:spPr>
+          <a:xfrm>
+            <a:off x="990600" y="6324600"/>
+            <a:ext cx="7498080" cy="533400"/>
+          </a:xfrm>
+        </p:spPr>
+        <p:txBody>
+          <a:bodyPr>
+            <a:normAutofit/>
+          </a:bodyPr>
+          <a:lstStyle/>
+          <a:p>
+            <a:pPr>
+              <a:buNone/>
+            </a:pPr>
+            <a:r>
+              <a:rPr lang="en-US" sz="2400" dirty="0" smtClean="0"/>
+              <a:t>Demo:- </a:t>
+            </a:r>
+            <a:r>
+              <a:rPr lang="en-US" sz="2400" dirty="0" err="1" smtClean="0"/>
+              <a:t>Core_HostProcess</a:t>
+            </a:r>
+            <a:endParaRPr lang="en-US" sz="2400" dirty="0"/>
+          </a:p>
+        </p:txBody>
+      </p:sp>
+      <p:pic>
+        <p:nvPicPr>
+          <p:cNvPr id="8194" name="Picture 2"/>
+          <p:cNvPicPr>
+            <a:picLocks noChangeAspect="1" noChangeArrowheads="1"/>
+          </p:cNvPicPr>
+          <p:nvPr/>
+        </p:nvPicPr>
+        <p:blipFill>
+          <a:blip r:embed="rId2"/>
+          <a:srcRect/>
+          <a:stretch>
+            <a:fillRect/>
+          </a:stretch>
+        </p:blipFill>
+        <p:spPr bwMode="auto">
+          <a:xfrm>
+            <a:off x="1066800" y="1066800"/>
+            <a:ext cx="8077200" cy="4505325"/>
+          </a:xfrm>
+          <a:prstGeom prst="rect">
+            <a:avLst/>
+          </a:prstGeom>
+          <a:noFill/>
+          <a:ln w="9525">
+            <a:noFill/>
+            <a:miter lim="800000"/>
+            <a:headEnd/>
+            <a:tailEnd/>
+          </a:ln>
+          <a:effectLst/>
+        </p:spPr>
+      </p:pic>
+    </p:spTree>
+  </p:cSld>
+  <p:clrMapOvr>
+    <a:masterClrMapping/>
+  </p:clrMapOvr>
+</p:sld>
+</file>
+
+<file path=ppt/slides/slide2.xml><?xml version="1.0" encoding="utf-8"?>
+<p:sld xmlns:a="http://schemas.openxmlformats.org/drawingml/2006/main" xmlns:r="http://schemas.openxmlformats.org/officeDocument/2006/relationships" xmlns:p="http://schemas.openxmlformats.org/presentationml/2006/main">
+  <p:cSld>
+    <p:spTree>
+      <p:nvGrpSpPr>
+        <p:cNvPr id="1" name=""/>
+        <p:cNvGrpSpPr/>
+        <p:nvPr/>
+      </p:nvGrpSpPr>
+      <p:grpSpPr>
+        <a:xfrm>
+          <a:off x="0" y="0"/>
+          <a:ext cx="0" cy="0"/>
+          <a:chOff x="0" y="0"/>
+          <a:chExt cx="0" cy="0"/>
+        </a:xfrm>
+      </p:grpSpPr>
+      <p:sp>
+        <p:nvSpPr>
+          <p:cNvPr id="2" name="Title 1"/>
+          <p:cNvSpPr>
+            <a:spLocks noGrp="1"/>
+          </p:cNvSpPr>
+          <p:nvPr>
+            <p:ph type="title"/>
+          </p:nvPr>
+        </p:nvSpPr>
+        <p:spPr/>
+        <p:txBody>
+          <a:bodyPr/>
+          <a:lstStyle/>
+          <a:p>
+            <a:endParaRPr lang="en-US" dirty="0"/>
+          </a:p>
+        </p:txBody>
+      </p:sp>
+      <p:sp>
+        <p:nvSpPr>
+          <p:cNvPr id="3" name="Content Placeholder 2"/>
+          <p:cNvSpPr>
+            <a:spLocks noGrp="1"/>
+          </p:cNvSpPr>
+          <p:nvPr>
+            <p:ph idx="1"/>
+          </p:nvPr>
+        </p:nvSpPr>
+        <p:spPr>
+          <a:xfrm>
+            <a:off x="1435608" y="1447800"/>
+            <a:ext cx="7498080" cy="5257800"/>
+          </a:xfrm>
+        </p:spPr>
+        <p:txBody>
+          <a:bodyPr>
+            <a:normAutofit/>
+          </a:bodyPr>
+          <a:lstStyle/>
+          <a:p>
+            <a:r>
+              <a:rPr lang="en-US" sz="2400" dirty="0" smtClean="0"/>
+              <a:t>What is .NET Core?</a:t>
+            </a:r>
+          </a:p>
+          <a:p>
+            <a:r>
+              <a:rPr lang="en-US" sz="2400" dirty="0" smtClean="0"/>
+              <a:t>Characteristics of  .NET Core?</a:t>
+            </a:r>
+          </a:p>
+          <a:p>
+            <a:r>
+              <a:rPr lang="en-US" sz="2400" dirty="0" smtClean="0"/>
+              <a:t>Installation</a:t>
+            </a:r>
+          </a:p>
+          <a:p>
+            <a:r>
+              <a:rPr lang="en-US" sz="2400" dirty="0" smtClean="0"/>
+              <a:t>Using CLI</a:t>
+            </a:r>
+          </a:p>
+          <a:p>
+            <a:r>
+              <a:rPr lang="en-US" sz="2400" dirty="0" smtClean="0"/>
+              <a:t>Startup and Configuration</a:t>
+            </a:r>
+          </a:p>
+          <a:p>
+            <a:r>
+              <a:rPr lang="en-US" sz="2400" dirty="0" smtClean="0"/>
+              <a:t>Managing Middleware</a:t>
+            </a:r>
+          </a:p>
+          <a:p>
+            <a:r>
+              <a:rPr lang="en-US" sz="2400" dirty="0" smtClean="0"/>
+              <a:t>ASP.NET Core MVC and Web APIs</a:t>
+            </a:r>
+          </a:p>
+          <a:p>
+            <a:r>
+              <a:rPr lang="en-US" sz="2400" dirty="0" smtClean="0"/>
+              <a:t>Tag Helpers and Razor Pages</a:t>
+            </a:r>
+          </a:p>
+          <a:p>
+            <a:r>
+              <a:rPr lang="en-US" sz="2400" dirty="0" smtClean="0"/>
+              <a:t>Testing ASP.NET Core</a:t>
+            </a:r>
+          </a:p>
+          <a:p>
+            <a:r>
+              <a:rPr lang="en-US" sz="2400" dirty="0" smtClean="0"/>
+              <a:t>Demo</a:t>
+            </a:r>
+            <a:endParaRPr lang="en-US" sz="2400" dirty="0"/>
+          </a:p>
+        </p:txBody>
+      </p:sp>
+      <p:pic>
+        <p:nvPicPr>
+          <p:cNvPr id="2050" name="Picture 2"/>
+          <p:cNvPicPr>
+            <a:picLocks noChangeAspect="1" noChangeArrowheads="1"/>
+          </p:cNvPicPr>
+          <p:nvPr/>
+        </p:nvPicPr>
+        <p:blipFill>
+          <a:blip r:embed="rId2"/>
+          <a:srcRect/>
+          <a:stretch>
+            <a:fillRect/>
+          </a:stretch>
+        </p:blipFill>
+        <p:spPr bwMode="auto">
+          <a:xfrm>
+            <a:off x="1524000" y="533400"/>
+            <a:ext cx="2162175" cy="676275"/>
+          </a:xfrm>
+          <a:prstGeom prst="rect">
+            <a:avLst/>
+          </a:prstGeom>
+          <a:noFill/>
+          <a:ln w="9525">
+            <a:noFill/>
+            <a:miter lim="800000"/>
+            <a:headEnd/>
+            <a:tailEnd/>
+          </a:ln>
+          <a:effectLst/>
+        </p:spPr>
+      </p:pic>
+    </p:spTree>
+  </p:cSld>
+  <p:clrMapOvr>
+    <a:masterClrMapping/>
+  </p:clrMapOvr>
+  <p:timing>
+    <p:tnLst>
+      <p:par>
+        <p:cTn id="1" dur="indefinite" restart="never" nodeType="tmRoot"/>
+      </p:par>
+    </p:tnLst>
+  </p:timing>
+</p:sld>
+</file>
+
+<file path=ppt/slides/slide20.xml><?xml version="1.0" encoding="utf-8"?>
+<p:sld xmlns:a="http://schemas.openxmlformats.org/drawingml/2006/main" xmlns:r="http://schemas.openxmlformats.org/officeDocument/2006/relationships" xmlns:p="http://schemas.openxmlformats.org/presentationml/2006/main">
+  <p:cSld>
+    <p:spTree>
+      <p:nvGrpSpPr>
+        <p:cNvPr id="1" name=""/>
+        <p:cNvGrpSpPr/>
+        <p:nvPr/>
+      </p:nvGrpSpPr>
+      <p:grpSpPr>
+        <a:xfrm>
+          <a:off x="0" y="0"/>
+          <a:ext cx="0" cy="0"/>
+          <a:chOff x="0" y="0"/>
+          <a:chExt cx="0" cy="0"/>
+        </a:xfrm>
+      </p:grpSpPr>
+      <p:sp>
+        <p:nvSpPr>
+          <p:cNvPr id="2" name="Title 1"/>
+          <p:cNvSpPr>
+            <a:spLocks noGrp="1"/>
+          </p:cNvSpPr>
+          <p:nvPr>
+            <p:ph type="title"/>
+          </p:nvPr>
+        </p:nvSpPr>
+        <p:spPr>
+          <a:xfrm>
+            <a:off x="1066800" y="0"/>
+            <a:ext cx="7498080" cy="457200"/>
+          </a:xfrm>
+        </p:spPr>
+        <p:txBody>
+          <a:bodyPr>
+            <a:normAutofit fontScale="90000"/>
+          </a:bodyPr>
+          <a:lstStyle/>
+          <a:p>
+            <a:r>
+              <a:rPr lang="en-US" sz="4400" dirty="0" smtClean="0">
+                <a:solidFill>
+                  <a:srgbClr val="0070C0"/>
+                </a:solidFill>
+              </a:rPr>
+              <a:t>Structure</a:t>
+            </a:r>
+            <a:endParaRPr lang="en-US" dirty="0"/>
+          </a:p>
+        </p:txBody>
+      </p:sp>
+      <p:pic>
+        <p:nvPicPr>
+          <p:cNvPr id="4098" name="Picture 2"/>
+          <p:cNvPicPr>
+            <a:picLocks noChangeAspect="1" noChangeArrowheads="1"/>
+          </p:cNvPicPr>
+          <p:nvPr/>
+        </p:nvPicPr>
+        <p:blipFill>
+          <a:blip r:embed="rId2"/>
+          <a:srcRect/>
+          <a:stretch>
+            <a:fillRect/>
+          </a:stretch>
+        </p:blipFill>
+        <p:spPr bwMode="auto">
+          <a:xfrm>
+            <a:off x="990600" y="457200"/>
+            <a:ext cx="8153400" cy="2895600"/>
+          </a:xfrm>
+          <a:prstGeom prst="rect">
+            <a:avLst/>
+          </a:prstGeom>
+          <a:noFill/>
+          <a:ln w="9525">
+            <a:noFill/>
+            <a:miter lim="800000"/>
+            <a:headEnd/>
+            <a:tailEnd/>
+          </a:ln>
+          <a:effectLst/>
+        </p:spPr>
+      </p:pic>
+      <p:pic>
+        <p:nvPicPr>
+          <p:cNvPr id="4099" name="Picture 3"/>
+          <p:cNvPicPr>
+            <a:picLocks noGrp="1" noChangeAspect="1" noChangeArrowheads="1"/>
+          </p:cNvPicPr>
+          <p:nvPr>
+            <p:ph idx="1"/>
+          </p:nvPr>
+        </p:nvPicPr>
+        <p:blipFill>
+          <a:blip r:embed="rId3"/>
+          <a:srcRect/>
+          <a:stretch>
+            <a:fillRect/>
+          </a:stretch>
+        </p:blipFill>
+        <p:spPr bwMode="auto">
+          <a:xfrm>
+            <a:off x="5867400" y="3276600"/>
+            <a:ext cx="2971800" cy="3581400"/>
+          </a:xfrm>
+          <a:prstGeom prst="rect">
+            <a:avLst/>
+          </a:prstGeom>
+          <a:noFill/>
+          <a:ln w="9525">
+            <a:noFill/>
+            <a:miter lim="800000"/>
+            <a:headEnd/>
+            <a:tailEnd/>
+          </a:ln>
+          <a:effectLst/>
+        </p:spPr>
+      </p:pic>
+    </p:spTree>
+  </p:cSld>
+  <p:clrMapOvr>
+    <a:masterClrMapping/>
+  </p:clrMapOvr>
+</p:sld>
+</file>
+
+<file path=ppt/slides/slide21.xml><?xml version="1.0" encoding="utf-8"?>
+<p:sld xmlns:a="http://schemas.openxmlformats.org/drawingml/2006/main" xmlns:r="http://schemas.openxmlformats.org/officeDocument/2006/relationships" xmlns:p="http://schemas.openxmlformats.org/presentationml/2006/main">
+  <p:cSld>
+    <p:spTree>
+      <p:nvGrpSpPr>
+        <p:cNvPr id="1" name=""/>
+        <p:cNvGrpSpPr/>
+        <p:nvPr/>
+      </p:nvGrpSpPr>
+      <p:grpSpPr>
+        <a:xfrm>
+          <a:off x="0" y="0"/>
+          <a:ext cx="0" cy="0"/>
+          <a:chOff x="0" y="0"/>
+          <a:chExt cx="0" cy="0"/>
+        </a:xfrm>
+      </p:grpSpPr>
+      <p:sp>
+        <p:nvSpPr>
+          <p:cNvPr id="2" name="Title 1"/>
+          <p:cNvSpPr>
+            <a:spLocks noGrp="1"/>
+          </p:cNvSpPr>
+          <p:nvPr>
+            <p:ph type="title"/>
+          </p:nvPr>
+        </p:nvSpPr>
+        <p:spPr>
+          <a:xfrm>
+            <a:off x="1066800" y="0"/>
+            <a:ext cx="7498080" cy="457200"/>
+          </a:xfrm>
+        </p:spPr>
+        <p:txBody>
+          <a:bodyPr>
+            <a:normAutofit fontScale="90000"/>
+          </a:bodyPr>
+          <a:lstStyle/>
+          <a:p>
+            <a:r>
+              <a:rPr lang="en-US" sz="4400" dirty="0" err="1" smtClean="0">
+                <a:solidFill>
+                  <a:srgbClr val="0070C0"/>
+                </a:solidFill>
+              </a:rPr>
+              <a:t>LaunchSettings.json</a:t>
+            </a:r>
+            <a:endParaRPr lang="en-US" dirty="0"/>
+          </a:p>
+        </p:txBody>
+      </p:sp>
+      <p:pic>
+        <p:nvPicPr>
+          <p:cNvPr id="9218" name="Picture 2"/>
+          <p:cNvPicPr>
+            <a:picLocks noGrp="1" noChangeAspect="1" noChangeArrowheads="1"/>
+          </p:cNvPicPr>
+          <p:nvPr>
+            <p:ph idx="1"/>
+          </p:nvPr>
+        </p:nvPicPr>
+        <p:blipFill>
+          <a:blip r:embed="rId2"/>
+          <a:srcRect/>
+          <a:stretch>
+            <a:fillRect/>
+          </a:stretch>
+        </p:blipFill>
+        <p:spPr bwMode="auto">
+          <a:xfrm>
+            <a:off x="1143000" y="533400"/>
+            <a:ext cx="3991897" cy="4800600"/>
+          </a:xfrm>
+          <a:prstGeom prst="rect">
+            <a:avLst/>
+          </a:prstGeom>
+          <a:noFill/>
+          <a:ln w="9525">
+            <a:noFill/>
+            <a:miter lim="800000"/>
+            <a:headEnd/>
+            <a:tailEnd/>
+          </a:ln>
+          <a:effectLst/>
+        </p:spPr>
+      </p:pic>
+      <p:sp>
+        <p:nvSpPr>
+          <p:cNvPr id="7" name="Rectangle 6"/>
+          <p:cNvSpPr/>
+          <p:nvPr/>
+        </p:nvSpPr>
+        <p:spPr>
+          <a:xfrm>
+            <a:off x="990600" y="6488668"/>
+            <a:ext cx="2755113" cy="369332"/>
+          </a:xfrm>
+          <a:prstGeom prst="rect">
+            <a:avLst/>
+          </a:prstGeom>
+        </p:spPr>
+        <p:txBody>
+          <a:bodyPr wrap="none">
+            <a:spAutoFit/>
+          </a:bodyPr>
+          <a:lstStyle/>
+          <a:p>
+            <a:pPr>
+              <a:buNone/>
+            </a:pPr>
+            <a:r>
+              <a:rPr lang="en-US" dirty="0" smtClean="0"/>
+              <a:t>Demo:- </a:t>
+            </a:r>
+            <a:r>
+              <a:rPr lang="en-US" dirty="0" err="1" smtClean="0"/>
+              <a:t>Core_HostProcess</a:t>
+            </a:r>
+            <a:endParaRPr lang="en-US" dirty="0"/>
+          </a:p>
+        </p:txBody>
+      </p:sp>
+    </p:spTree>
+  </p:cSld>
+  <p:clrMapOvr>
+    <a:masterClrMapping/>
+  </p:clrMapOvr>
+</p:sld>
+</file>
+
+<file path=ppt/slides/slide22.xml><?xml version="1.0" encoding="utf-8"?>
+<p:sld xmlns:a="http://schemas.openxmlformats.org/drawingml/2006/main" xmlns:r="http://schemas.openxmlformats.org/officeDocument/2006/relationships" xmlns:p="http://schemas.openxmlformats.org/presentationml/2006/main">
+  <p:cSld>
+    <p:spTree>
+      <p:nvGrpSpPr>
+        <p:cNvPr id="1" name=""/>
+        <p:cNvGrpSpPr/>
+        <p:nvPr/>
+      </p:nvGrpSpPr>
+      <p:grpSpPr>
+        <a:xfrm>
+          <a:off x="0" y="0"/>
+          <a:ext cx="0" cy="0"/>
+          <a:chOff x="0" y="0"/>
+          <a:chExt cx="0" cy="0"/>
+        </a:xfrm>
+      </p:grpSpPr>
+      <p:sp>
+        <p:nvSpPr>
+          <p:cNvPr id="2" name="Title 1"/>
+          <p:cNvSpPr>
+            <a:spLocks noGrp="1"/>
+          </p:cNvSpPr>
+          <p:nvPr>
+            <p:ph type="title"/>
+          </p:nvPr>
+        </p:nvSpPr>
+        <p:spPr>
+          <a:xfrm>
+            <a:off x="1066800" y="0"/>
+            <a:ext cx="7498080" cy="457200"/>
+          </a:xfrm>
+        </p:spPr>
+        <p:txBody>
+          <a:bodyPr>
+            <a:normAutofit fontScale="90000"/>
+          </a:bodyPr>
+          <a:lstStyle/>
+          <a:p>
+            <a:r>
+              <a:rPr lang="en-US" sz="4400" dirty="0" smtClean="0">
+                <a:solidFill>
+                  <a:srgbClr val="0070C0"/>
+                </a:solidFill>
+              </a:rPr>
+              <a:t>Development Environments</a:t>
+            </a:r>
+            <a:endParaRPr lang="en-US" dirty="0"/>
+          </a:p>
+        </p:txBody>
+      </p:sp>
+      <p:sp>
+        <p:nvSpPr>
+          <p:cNvPr id="4" name="Content Placeholder 3"/>
+          <p:cNvSpPr>
+            <a:spLocks noGrp="1"/>
+          </p:cNvSpPr>
+          <p:nvPr>
+            <p:ph idx="1"/>
+          </p:nvPr>
+        </p:nvSpPr>
+        <p:spPr>
+          <a:xfrm>
+            <a:off x="1066800" y="4953000"/>
+            <a:ext cx="7498080" cy="1066800"/>
+          </a:xfrm>
+        </p:spPr>
+        <p:txBody>
+          <a:bodyPr/>
+          <a:lstStyle/>
+          <a:p>
+            <a:endParaRPr lang="en-US" dirty="0"/>
+          </a:p>
+        </p:txBody>
+      </p:sp>
+      <p:pic>
+        <p:nvPicPr>
+          <p:cNvPr id="10242" name="Picture 2"/>
+          <p:cNvPicPr>
+            <a:picLocks noChangeAspect="1" noChangeArrowheads="1"/>
+          </p:cNvPicPr>
+          <p:nvPr/>
+        </p:nvPicPr>
+        <p:blipFill>
+          <a:blip r:embed="rId2"/>
+          <a:srcRect/>
+          <a:stretch>
+            <a:fillRect/>
+          </a:stretch>
+        </p:blipFill>
+        <p:spPr bwMode="auto">
+          <a:xfrm>
+            <a:off x="990600" y="609600"/>
+            <a:ext cx="8153400" cy="4343400"/>
+          </a:xfrm>
+          <a:prstGeom prst="rect">
+            <a:avLst/>
+          </a:prstGeom>
+          <a:noFill/>
+          <a:ln w="9525">
+            <a:noFill/>
+            <a:miter lim="800000"/>
+            <a:headEnd/>
+            <a:tailEnd/>
+          </a:ln>
+          <a:effectLst/>
+        </p:spPr>
+      </p:pic>
+      <p:sp>
+        <p:nvSpPr>
+          <p:cNvPr id="6" name="Rectangle 5"/>
+          <p:cNvSpPr/>
+          <p:nvPr/>
+        </p:nvSpPr>
+        <p:spPr>
+          <a:xfrm>
+            <a:off x="990600" y="6324600"/>
+            <a:ext cx="2755113" cy="369332"/>
+          </a:xfrm>
+          <a:prstGeom prst="rect">
+            <a:avLst/>
+          </a:prstGeom>
+        </p:spPr>
+        <p:txBody>
+          <a:bodyPr wrap="none">
+            <a:spAutoFit/>
+          </a:bodyPr>
+          <a:lstStyle/>
+          <a:p>
+            <a:pPr>
+              <a:buNone/>
+            </a:pPr>
+            <a:r>
+              <a:rPr lang="en-US" dirty="0" smtClean="0"/>
+              <a:t>Demo:- </a:t>
+            </a:r>
+            <a:r>
+              <a:rPr lang="en-US" dirty="0" err="1" smtClean="0"/>
+              <a:t>Core_HostProcess</a:t>
+            </a:r>
+            <a:endParaRPr lang="en-US" dirty="0"/>
+          </a:p>
+        </p:txBody>
+      </p:sp>
+    </p:spTree>
+  </p:cSld>
+  <p:clrMapOvr>
+    <a:masterClrMapping/>
+  </p:clrMapOvr>
+</p:sld>
+</file>
+
+<file path=ppt/slides/slide23.xml><?xml version="1.0" encoding="utf-8"?>
+<p:sld xmlns:a="http://schemas.openxmlformats.org/drawingml/2006/main" xmlns:r="http://schemas.openxmlformats.org/officeDocument/2006/relationships" xmlns:p="http://schemas.openxmlformats.org/presentationml/2006/main">
+  <p:cSld>
+    <p:spTree>
+      <p:nvGrpSpPr>
+        <p:cNvPr id="1" name=""/>
+        <p:cNvGrpSpPr/>
+        <p:nvPr/>
+      </p:nvGrpSpPr>
+      <p:grpSpPr>
+        <a:xfrm>
+          <a:off x="0" y="0"/>
+          <a:ext cx="0" cy="0"/>
+          <a:chOff x="0" y="0"/>
+          <a:chExt cx="0" cy="0"/>
+        </a:xfrm>
+      </p:grpSpPr>
+      <p:sp>
+        <p:nvSpPr>
+          <p:cNvPr id="2" name="Title 1"/>
+          <p:cNvSpPr>
+            <a:spLocks noGrp="1"/>
+          </p:cNvSpPr>
+          <p:nvPr>
+            <p:ph type="title"/>
+          </p:nvPr>
+        </p:nvSpPr>
+        <p:spPr>
+          <a:xfrm>
+            <a:off x="1066800" y="0"/>
+            <a:ext cx="7498080" cy="457200"/>
+          </a:xfrm>
+        </p:spPr>
+        <p:txBody>
+          <a:bodyPr>
+            <a:normAutofit fontScale="90000"/>
+          </a:bodyPr>
+          <a:lstStyle/>
+          <a:p>
+            <a:r>
+              <a:rPr lang="en-US" sz="4400" dirty="0" err="1" smtClean="0">
+                <a:solidFill>
+                  <a:srgbClr val="0070C0"/>
+                </a:solidFill>
+              </a:rPr>
+              <a:t>AppSettings.json</a:t>
+            </a:r>
+            <a:endParaRPr lang="en-US" dirty="0"/>
+          </a:p>
+        </p:txBody>
+      </p:sp>
+      <p:sp>
+        <p:nvSpPr>
+          <p:cNvPr id="4" name="Content Placeholder 3"/>
+          <p:cNvSpPr>
+            <a:spLocks noGrp="1"/>
+          </p:cNvSpPr>
+          <p:nvPr>
+            <p:ph idx="1"/>
+          </p:nvPr>
+        </p:nvSpPr>
+        <p:spPr>
+          <a:xfrm>
+            <a:off x="1143000" y="838200"/>
+            <a:ext cx="7239000" cy="2286000"/>
+          </a:xfrm>
+        </p:spPr>
+        <p:txBody>
+          <a:bodyPr>
+            <a:normAutofit fontScale="92500" lnSpcReduction="20000"/>
+          </a:bodyPr>
+          <a:lstStyle/>
+          <a:p>
+            <a:pPr>
+              <a:buNone/>
+            </a:pPr>
+            <a:r>
+              <a:rPr lang="en-US" dirty="0" smtClean="0"/>
+              <a:t>Configuration Order :-</a:t>
+            </a:r>
+          </a:p>
+          <a:p>
+            <a:r>
+              <a:rPr lang="en-US" dirty="0" err="1" smtClean="0"/>
+              <a:t>appSettings.json</a:t>
+            </a:r>
+            <a:endParaRPr lang="en-US" dirty="0" smtClean="0"/>
+          </a:p>
+          <a:p>
+            <a:r>
+              <a:rPr lang="en-US" dirty="0" err="1" smtClean="0"/>
+              <a:t>appSettings</a:t>
+            </a:r>
+            <a:r>
+              <a:rPr lang="en-US" dirty="0" smtClean="0"/>
+              <a:t>.{Environment}.</a:t>
+            </a:r>
+            <a:r>
+              <a:rPr lang="en-US" dirty="0" err="1" smtClean="0"/>
+              <a:t>json</a:t>
+            </a:r>
+            <a:endParaRPr lang="en-US" dirty="0" smtClean="0"/>
+          </a:p>
+          <a:p>
+            <a:r>
+              <a:rPr lang="en-US" dirty="0" smtClean="0"/>
+              <a:t>Environment variables</a:t>
+            </a:r>
+          </a:p>
+          <a:p>
+            <a:r>
+              <a:rPr lang="en-US" dirty="0" smtClean="0"/>
+              <a:t>Command – Line</a:t>
+            </a:r>
+          </a:p>
+          <a:p>
+            <a:pPr>
+              <a:buNone/>
+            </a:pPr>
+            <a:endParaRPr lang="en-US" dirty="0" smtClean="0"/>
+          </a:p>
+          <a:p>
+            <a:endParaRPr lang="en-US" dirty="0"/>
+          </a:p>
+        </p:txBody>
+      </p:sp>
+      <p:sp>
+        <p:nvSpPr>
+          <p:cNvPr id="6" name="Rectangle 5"/>
+          <p:cNvSpPr/>
+          <p:nvPr/>
+        </p:nvSpPr>
+        <p:spPr>
+          <a:xfrm>
+            <a:off x="1143000" y="6488668"/>
+            <a:ext cx="2755113" cy="369332"/>
+          </a:xfrm>
+          <a:prstGeom prst="rect">
+            <a:avLst/>
+          </a:prstGeom>
+        </p:spPr>
+        <p:txBody>
+          <a:bodyPr wrap="none">
+            <a:spAutoFit/>
+          </a:bodyPr>
+          <a:lstStyle/>
+          <a:p>
+            <a:pPr>
+              <a:buNone/>
+            </a:pPr>
+            <a:r>
+              <a:rPr lang="en-US" dirty="0" smtClean="0"/>
+              <a:t>Demo:- </a:t>
+            </a:r>
+            <a:r>
+              <a:rPr lang="en-US" dirty="0" err="1" smtClean="0"/>
+              <a:t>Core_HostProcess</a:t>
+            </a:r>
+            <a:endParaRPr lang="en-US" dirty="0"/>
+          </a:p>
+        </p:txBody>
+      </p:sp>
+      <p:pic>
+        <p:nvPicPr>
+          <p:cNvPr id="11267" name="Picture 3"/>
+          <p:cNvPicPr>
+            <a:picLocks noChangeAspect="1" noChangeArrowheads="1"/>
+          </p:cNvPicPr>
+          <p:nvPr/>
+        </p:nvPicPr>
+        <p:blipFill>
+          <a:blip r:embed="rId2"/>
+          <a:srcRect/>
+          <a:stretch>
+            <a:fillRect/>
+          </a:stretch>
+        </p:blipFill>
+        <p:spPr bwMode="auto">
+          <a:xfrm>
+            <a:off x="1143000" y="3048000"/>
+            <a:ext cx="5000625" cy="847725"/>
+          </a:xfrm>
+          <a:prstGeom prst="rect">
+            <a:avLst/>
+          </a:prstGeom>
+          <a:noFill/>
+          <a:ln w="9525">
+            <a:noFill/>
+            <a:miter lim="800000"/>
+            <a:headEnd/>
+            <a:tailEnd/>
+          </a:ln>
+          <a:effectLst/>
+        </p:spPr>
+      </p:pic>
+      <p:cxnSp>
+        <p:nvCxnSpPr>
+          <p:cNvPr id="13" name="Straight Arrow Connector 12"/>
+          <p:cNvCxnSpPr/>
+          <p:nvPr/>
+        </p:nvCxnSpPr>
+        <p:spPr>
+          <a:xfrm rot="5400000" flipH="1" flipV="1">
+            <a:off x="5943600" y="2057400"/>
+            <a:ext cx="2286000" cy="1588"/>
+          </a:xfrm>
+          <a:prstGeom prst="straightConnector1">
+            <a:avLst/>
+          </a:prstGeom>
+          <a:ln>
+            <a:tailEnd type="arrow"/>
+          </a:ln>
+        </p:spPr>
+        <p:style>
+          <a:lnRef idx="2">
+            <a:schemeClr val="accent3"/>
+          </a:lnRef>
+          <a:fillRef idx="0">
+            <a:schemeClr val="accent3"/>
+          </a:fillRef>
+          <a:effectRef idx="1">
+            <a:schemeClr val="accent3"/>
+          </a:effectRef>
+          <a:fontRef idx="minor">
+            <a:schemeClr val="tx1"/>
+          </a:fontRef>
+        </p:style>
+      </p:cxnSp>
+      <p:sp>
+        <p:nvSpPr>
+          <p:cNvPr id="14" name="Rectangle 13"/>
+          <p:cNvSpPr/>
+          <p:nvPr/>
+        </p:nvSpPr>
+        <p:spPr>
+          <a:xfrm>
+            <a:off x="7162800" y="1752600"/>
+            <a:ext cx="1041824" cy="369332"/>
+          </a:xfrm>
+          <a:prstGeom prst="rect">
+            <a:avLst/>
+          </a:prstGeom>
+        </p:spPr>
+        <p:txBody>
+          <a:bodyPr wrap="none">
+            <a:spAutoFit/>
+          </a:bodyPr>
+          <a:lstStyle/>
+          <a:p>
+            <a:pPr>
+              <a:buNone/>
+            </a:pPr>
+            <a:r>
+              <a:rPr lang="en-US" dirty="0" smtClean="0"/>
+              <a:t>Override</a:t>
+            </a:r>
+            <a:endParaRPr lang="en-US" dirty="0"/>
+          </a:p>
+        </p:txBody>
+      </p:sp>
+      <p:pic>
+        <p:nvPicPr>
+          <p:cNvPr id="11269" name="Picture 5"/>
+          <p:cNvPicPr>
+            <a:picLocks noChangeAspect="1" noChangeArrowheads="1"/>
+          </p:cNvPicPr>
+          <p:nvPr/>
+        </p:nvPicPr>
+        <p:blipFill>
+          <a:blip r:embed="rId3"/>
+          <a:srcRect/>
+          <a:stretch>
+            <a:fillRect/>
+          </a:stretch>
+        </p:blipFill>
+        <p:spPr bwMode="auto">
+          <a:xfrm>
+            <a:off x="2286000" y="3810000"/>
+            <a:ext cx="2743200" cy="2581275"/>
+          </a:xfrm>
+          <a:prstGeom prst="rect">
+            <a:avLst/>
+          </a:prstGeom>
+          <a:noFill/>
+          <a:ln w="9525">
+            <a:noFill/>
+            <a:miter lim="800000"/>
+            <a:headEnd/>
+            <a:tailEnd/>
+          </a:ln>
+          <a:effectLst/>
+        </p:spPr>
+      </p:pic>
+      <p:pic>
+        <p:nvPicPr>
+          <p:cNvPr id="11270" name="Picture 6"/>
+          <p:cNvPicPr>
+            <a:picLocks noChangeAspect="1" noChangeArrowheads="1"/>
+          </p:cNvPicPr>
+          <p:nvPr/>
+        </p:nvPicPr>
+        <p:blipFill>
+          <a:blip r:embed="rId4"/>
+          <a:srcRect/>
+          <a:stretch>
+            <a:fillRect/>
+          </a:stretch>
+        </p:blipFill>
+        <p:spPr bwMode="auto">
+          <a:xfrm>
+            <a:off x="5334000" y="3581400"/>
+            <a:ext cx="3238500" cy="3124200"/>
+          </a:xfrm>
+          <a:prstGeom prst="rect">
+            <a:avLst/>
+          </a:prstGeom>
+          <a:noFill/>
+          <a:ln w="9525">
+            <a:noFill/>
+            <a:miter lim="800000"/>
+            <a:headEnd/>
+            <a:tailEnd/>
+          </a:ln>
+          <a:effectLst/>
+        </p:spPr>
+      </p:pic>
+    </p:spTree>
+  </p:cSld>
+  <p:clrMapOvr>
+    <a:masterClrMapping/>
+  </p:clrMapOvr>
+</p:sld>
+</file>
+
+<file path=ppt/slides/slide24.xml><?xml version="1.0" encoding="utf-8"?>
+<p:sld xmlns:a="http://schemas.openxmlformats.org/drawingml/2006/main" xmlns:r="http://schemas.openxmlformats.org/officeDocument/2006/relationships" xmlns:p="http://schemas.openxmlformats.org/presentationml/2006/main">
+  <p:cSld>
+    <p:spTree>
+      <p:nvGrpSpPr>
+        <p:cNvPr id="1" name=""/>
+        <p:cNvGrpSpPr/>
+        <p:nvPr/>
+      </p:nvGrpSpPr>
+      <p:grpSpPr>
+        <a:xfrm>
+          <a:off x="0" y="0"/>
+          <a:ext cx="0" cy="0"/>
+          <a:chOff x="0" y="0"/>
+          <a:chExt cx="0" cy="0"/>
+        </a:xfrm>
+      </p:grpSpPr>
+      <p:sp>
+        <p:nvSpPr>
+          <p:cNvPr id="2" name="Title 1"/>
+          <p:cNvSpPr>
+            <a:spLocks noGrp="1"/>
+          </p:cNvSpPr>
+          <p:nvPr>
+            <p:ph type="title"/>
+          </p:nvPr>
+        </p:nvSpPr>
+        <p:spPr>
+          <a:xfrm>
+            <a:off x="1066800" y="0"/>
+            <a:ext cx="7498080" cy="457200"/>
+          </a:xfrm>
+        </p:spPr>
+        <p:txBody>
+          <a:bodyPr>
+            <a:normAutofit fontScale="90000"/>
+          </a:bodyPr>
+          <a:lstStyle/>
+          <a:p>
+            <a:r>
+              <a:rPr lang="en-US" sz="4400" dirty="0" smtClean="0">
+                <a:solidFill>
+                  <a:srgbClr val="0070C0"/>
+                </a:solidFill>
+              </a:rPr>
+              <a:t>Structure</a:t>
+            </a:r>
+            <a:endParaRPr lang="en-US" dirty="0"/>
+          </a:p>
+        </p:txBody>
+      </p:sp>
+      <p:sp>
+        <p:nvSpPr>
+          <p:cNvPr id="7" name="Content Placeholder 2"/>
           <p:cNvSpPr txBox="1">
             <a:spLocks/>
           </p:cNvSpPr>
@@ -5042,8 +7100,8 @@
         </p:nvSpPr>
         <p:spPr>
           <a:xfrm>
-            <a:off x="1066800" y="1676400"/>
-            <a:ext cx="8077200" cy="4648200"/>
+            <a:off x="1143000" y="4038600"/>
+            <a:ext cx="7498080" cy="2209800"/>
           </a:xfrm>
           <a:prstGeom prst="rect">
             <a:avLst/>
@@ -5074,142 +7132,6 @@
               <a:tabLst/>
               <a:defRPr/>
             </a:pPr>
-            <a:r>
-              <a:rPr kumimoji="0" lang="en-US" sz="2400" b="0" i="0" u="none" strike="noStrike" kern="1200" cap="none" spc="0" normalizeH="0" baseline="0" noProof="0" dirty="0" smtClean="0">
-                <a:ln>
-                  <a:noFill/>
-                </a:ln>
-                <a:solidFill>
-                  <a:schemeClr val="tx1"/>
-                </a:solidFill>
-                <a:effectLst/>
-                <a:uLnTx/>
-                <a:uFillTx/>
-                <a:latin typeface="+mn-lt"/>
-                <a:ea typeface="+mn-ea"/>
-                <a:cs typeface="+mn-cs"/>
-              </a:rPr>
-              <a:t>It does 3 things :-</a:t>
-            </a:r>
-          </a:p>
-          <a:p>
-            <a:pPr marL="365760" marR="0" lvl="0" indent="-283464" algn="l" defTabSz="914400" rtl="0" eaLnBrk="1" fontAlgn="auto" latinLnBrk="0" hangingPunct="1">
-              <a:lnSpc>
-                <a:spcPct val="100000"/>
-              </a:lnSpc>
-              <a:spcBef>
-                <a:spcPts val="600"/>
-              </a:spcBef>
-              <a:spcAft>
-                <a:spcPts val="0"/>
-              </a:spcAft>
-              <a:buClr>
-                <a:schemeClr val="accent1"/>
-              </a:buClr>
-              <a:buSzPct val="80000"/>
-              <a:buFont typeface="Wingdings 2"/>
-              <a:buNone/>
-              <a:tabLst/>
-              <a:defRPr/>
-            </a:pPr>
-            <a:r>
-              <a:rPr kumimoji="0" lang="en-US" sz="2400" b="0" i="0" u="none" strike="noStrike" kern="1200" cap="none" spc="0" normalizeH="0" baseline="0" noProof="0" dirty="0" smtClean="0">
-                <a:ln>
-                  <a:noFill/>
-                </a:ln>
-                <a:solidFill>
-                  <a:schemeClr val="tx1"/>
-                </a:solidFill>
-                <a:effectLst/>
-                <a:uLnTx/>
-                <a:uFillTx/>
-                <a:latin typeface="+mn-lt"/>
-                <a:ea typeface="+mn-ea"/>
-                <a:cs typeface="+mn-cs"/>
-              </a:rPr>
-              <a:t>1.</a:t>
-            </a:r>
-            <a:r>
-              <a:rPr kumimoji="0" lang="en-US" sz="2400" b="0" i="0" u="none" strike="noStrike" kern="1200" cap="none" spc="0" normalizeH="0" noProof="0" dirty="0" smtClean="0">
-                <a:ln>
-                  <a:noFill/>
-                </a:ln>
-                <a:solidFill>
-                  <a:schemeClr val="tx1"/>
-                </a:solidFill>
-                <a:effectLst/>
-                <a:uLnTx/>
-                <a:uFillTx/>
-                <a:latin typeface="+mn-lt"/>
-                <a:ea typeface="+mn-ea"/>
-                <a:cs typeface="+mn-cs"/>
-              </a:rPr>
-              <a:t> Loads a configuration</a:t>
-            </a:r>
-            <a:endParaRPr lang="en-US" sz="2400" dirty="0" smtClean="0"/>
-          </a:p>
-          <a:p>
-            <a:pPr marL="365760" marR="0" lvl="0" indent="-283464" algn="l" defTabSz="914400" rtl="0" eaLnBrk="1" fontAlgn="auto" latinLnBrk="0" hangingPunct="1">
-              <a:lnSpc>
-                <a:spcPct val="100000"/>
-              </a:lnSpc>
-              <a:spcBef>
-                <a:spcPts val="600"/>
-              </a:spcBef>
-              <a:spcAft>
-                <a:spcPts val="0"/>
-              </a:spcAft>
-              <a:buClr>
-                <a:schemeClr val="accent1"/>
-              </a:buClr>
-              <a:buSzPct val="80000"/>
-              <a:buFont typeface="Wingdings 2"/>
-              <a:buNone/>
-              <a:tabLst/>
-              <a:defRPr/>
-            </a:pPr>
-            <a:r>
-              <a:rPr kumimoji="0" lang="en-US" sz="2400" b="0" i="0" u="none" strike="noStrike" kern="1200" cap="none" spc="0" normalizeH="0" baseline="0" noProof="0" dirty="0" smtClean="0">
-                <a:ln>
-                  <a:noFill/>
-                </a:ln>
-                <a:solidFill>
-                  <a:schemeClr val="tx1"/>
-                </a:solidFill>
-                <a:effectLst/>
-                <a:uLnTx/>
-                <a:uFillTx/>
-                <a:latin typeface="+mn-lt"/>
-                <a:ea typeface="+mn-ea"/>
-                <a:cs typeface="+mn-cs"/>
-              </a:rPr>
-              <a:t>2. Add services</a:t>
-            </a:r>
-          </a:p>
-          <a:p>
-            <a:pPr marL="365760" marR="0" lvl="0" indent="-283464" algn="l" defTabSz="914400" rtl="0" eaLnBrk="1" fontAlgn="auto" latinLnBrk="0" hangingPunct="1">
-              <a:lnSpc>
-                <a:spcPct val="100000"/>
-              </a:lnSpc>
-              <a:spcBef>
-                <a:spcPts val="600"/>
-              </a:spcBef>
-              <a:spcAft>
-                <a:spcPts val="0"/>
-              </a:spcAft>
-              <a:buClr>
-                <a:schemeClr val="accent1"/>
-              </a:buClr>
-              <a:buSzPct val="80000"/>
-              <a:buFont typeface="Wingdings 2"/>
-              <a:buNone/>
-              <a:tabLst/>
-              <a:defRPr/>
-            </a:pPr>
-            <a:r>
-              <a:rPr lang="en-US" sz="2400" dirty="0" smtClean="0"/>
-              <a:t>3.Configure services</a:t>
-            </a:r>
             <a:endParaRPr kumimoji="0" lang="en-US" sz="2400" b="0" i="0" u="none" strike="noStrike" kern="1200" cap="none" spc="0" normalizeH="0" baseline="0" noProof="0" dirty="0" smtClean="0">
               <a:ln>
                 <a:noFill/>
@@ -5260,6 +7182,405 @@
               <a:cs typeface="+mn-cs"/>
             </a:endParaRPr>
           </a:p>
+        </p:txBody>
+      </p:sp>
+      <p:pic>
+        <p:nvPicPr>
+          <p:cNvPr id="11266" name="Picture 2"/>
+          <p:cNvPicPr>
+            <a:picLocks noGrp="1" noChangeAspect="1" noChangeArrowheads="1"/>
+          </p:cNvPicPr>
+          <p:nvPr>
+            <p:ph idx="1"/>
+          </p:nvPr>
+        </p:nvPicPr>
+        <p:blipFill>
+          <a:blip r:embed="rId2"/>
+          <a:srcRect/>
+          <a:stretch>
+            <a:fillRect/>
+          </a:stretch>
+        </p:blipFill>
+        <p:spPr bwMode="auto">
+          <a:xfrm>
+            <a:off x="1905000" y="838200"/>
+            <a:ext cx="5905500" cy="4267200"/>
+          </a:xfrm>
+          <a:prstGeom prst="rect">
+            <a:avLst/>
+          </a:prstGeom>
+          <a:noFill/>
+          <a:ln w="9525">
+            <a:noFill/>
+            <a:miter lim="800000"/>
+            <a:headEnd/>
+            <a:tailEnd/>
+          </a:ln>
+          <a:effectLst/>
+        </p:spPr>
+      </p:pic>
+    </p:spTree>
+  </p:cSld>
+  <p:clrMapOvr>
+    <a:masterClrMapping/>
+  </p:clrMapOvr>
+</p:sld>
+</file>
+
+<file path=ppt/slides/slide25.xml><?xml version="1.0" encoding="utf-8"?>
+<p:sld xmlns:a="http://schemas.openxmlformats.org/drawingml/2006/main" xmlns:r="http://schemas.openxmlformats.org/officeDocument/2006/relationships" xmlns:p="http://schemas.openxmlformats.org/presentationml/2006/main">
+  <p:cSld>
+    <p:spTree>
+      <p:nvGrpSpPr>
+        <p:cNvPr id="1" name=""/>
+        <p:cNvGrpSpPr/>
+        <p:nvPr/>
+      </p:nvGrpSpPr>
+      <p:grpSpPr>
+        <a:xfrm>
+          <a:off x="0" y="0"/>
+          <a:ext cx="0" cy="0"/>
+          <a:chOff x="0" y="0"/>
+          <a:chExt cx="0" cy="0"/>
+        </a:xfrm>
+      </p:grpSpPr>
+      <p:sp>
+        <p:nvSpPr>
+          <p:cNvPr id="2" name="Title 1"/>
+          <p:cNvSpPr>
+            <a:spLocks noGrp="1"/>
+          </p:cNvSpPr>
+          <p:nvPr>
+            <p:ph type="title"/>
+          </p:nvPr>
+        </p:nvSpPr>
+        <p:spPr>
+          <a:xfrm>
+            <a:off x="1066800" y="0"/>
+            <a:ext cx="7498080" cy="838200"/>
+          </a:xfrm>
+        </p:spPr>
+        <p:txBody>
+          <a:bodyPr/>
+          <a:lstStyle/>
+          <a:p>
+            <a:r>
+              <a:rPr lang="en-US" sz="4000" dirty="0" err="1" smtClean="0">
+                <a:solidFill>
+                  <a:srgbClr val="0070C0"/>
+                </a:solidFill>
+              </a:rPr>
+              <a:t>Program.cs</a:t>
+            </a:r>
+            <a:endParaRPr lang="en-US" dirty="0"/>
+          </a:p>
+        </p:txBody>
+      </p:sp>
+      <p:sp>
+        <p:nvSpPr>
+          <p:cNvPr id="3" name="Content Placeholder 2"/>
+          <p:cNvSpPr>
+            <a:spLocks noGrp="1"/>
+          </p:cNvSpPr>
+          <p:nvPr>
+            <p:ph idx="1"/>
+          </p:nvPr>
+        </p:nvSpPr>
+        <p:spPr>
+          <a:xfrm>
+            <a:off x="1066800" y="762000"/>
+            <a:ext cx="8077200" cy="5562600"/>
+          </a:xfrm>
+        </p:spPr>
+        <p:txBody>
+          <a:bodyPr/>
+          <a:lstStyle/>
+          <a:p>
+            <a:r>
+              <a:rPr lang="en-US" sz="2400" dirty="0" err="1" smtClean="0"/>
+              <a:t>Program.cs</a:t>
+            </a:r>
+            <a:r>
+              <a:rPr lang="en-US" sz="2400" dirty="0" smtClean="0"/>
+              <a:t> is the first thing which runs in </a:t>
+            </a:r>
+            <a:r>
+              <a:rPr lang="en-US" sz="2400" dirty="0" err="1" smtClean="0"/>
+              <a:t>mvc</a:t>
+            </a:r>
+            <a:r>
+              <a:rPr lang="en-US" sz="2400" dirty="0" smtClean="0"/>
+              <a:t> core application</a:t>
+            </a:r>
+          </a:p>
+          <a:p>
+            <a:r>
+              <a:rPr lang="en-US" sz="2400" dirty="0" smtClean="0"/>
+              <a:t>It does 2 things :-</a:t>
+            </a:r>
+          </a:p>
+          <a:p>
+            <a:pPr>
+              <a:buNone/>
+            </a:pPr>
+            <a:r>
+              <a:rPr lang="en-US" sz="2400" dirty="0" smtClean="0"/>
+              <a:t>    1. It starts the web server (Kestrel server)</a:t>
+            </a:r>
+          </a:p>
+          <a:p>
+            <a:pPr>
+              <a:buNone/>
+            </a:pPr>
+            <a:r>
+              <a:rPr lang="en-US" sz="2400" dirty="0" smtClean="0"/>
+              <a:t>    2. It invokes </a:t>
+            </a:r>
+            <a:r>
+              <a:rPr lang="en-US" sz="2400" dirty="0" err="1" smtClean="0"/>
+              <a:t>startup.cs</a:t>
+            </a:r>
+            <a:r>
+              <a:rPr lang="en-US" sz="2400" dirty="0" smtClean="0"/>
+              <a:t> file.</a:t>
+            </a:r>
+          </a:p>
+          <a:p>
+            <a:endParaRPr lang="en-US" dirty="0" smtClean="0"/>
+          </a:p>
+        </p:txBody>
+      </p:sp>
+      <p:pic>
+        <p:nvPicPr>
+          <p:cNvPr id="8194" name="Picture 2"/>
+          <p:cNvPicPr>
+            <a:picLocks noChangeAspect="1" noChangeArrowheads="1"/>
+          </p:cNvPicPr>
+          <p:nvPr/>
+        </p:nvPicPr>
+        <p:blipFill>
+          <a:blip r:embed="rId2"/>
+          <a:srcRect/>
+          <a:stretch>
+            <a:fillRect/>
+          </a:stretch>
+        </p:blipFill>
+        <p:spPr bwMode="auto">
+          <a:xfrm>
+            <a:off x="1066800" y="3276600"/>
+            <a:ext cx="7877175" cy="3076575"/>
+          </a:xfrm>
+          <a:prstGeom prst="rect">
+            <a:avLst/>
+          </a:prstGeom>
+          <a:noFill/>
+          <a:ln w="9525">
+            <a:noFill/>
+            <a:miter lim="800000"/>
+            <a:headEnd/>
+            <a:tailEnd/>
+          </a:ln>
+          <a:effectLst/>
+        </p:spPr>
+      </p:pic>
+      <p:sp>
+        <p:nvSpPr>
+          <p:cNvPr id="6" name="Right Arrow 5"/>
+          <p:cNvSpPr/>
+          <p:nvPr/>
+        </p:nvSpPr>
+        <p:spPr>
+          <a:xfrm>
+            <a:off x="1524000" y="5562600"/>
+            <a:ext cx="457200" cy="152400"/>
+          </a:xfrm>
+          <a:prstGeom prst="rightArrow">
+            <a:avLst/>
+          </a:prstGeom>
+        </p:spPr>
+        <p:style>
+          <a:lnRef idx="2">
+            <a:schemeClr val="accent1">
+              <a:shade val="50000"/>
+            </a:schemeClr>
+          </a:lnRef>
+          <a:fillRef idx="1">
+            <a:schemeClr val="accent1"/>
+          </a:fillRef>
+          <a:effectRef idx="0">
+            <a:schemeClr val="accent1"/>
+          </a:effectRef>
+          <a:fontRef idx="minor">
+            <a:schemeClr val="lt1"/>
+          </a:fontRef>
+        </p:style>
+        <p:txBody>
+          <a:bodyPr rtlCol="0" anchor="ctr"/>
+          <a:lstStyle/>
+          <a:p>
+            <a:pPr algn="ctr"/>
+            <a:endParaRPr lang="en-US" dirty="0">
+              <a:solidFill>
+                <a:srgbClr val="C00000"/>
+              </a:solidFill>
+            </a:endParaRPr>
+          </a:p>
+        </p:txBody>
+      </p:sp>
+      <p:sp>
+        <p:nvSpPr>
+          <p:cNvPr id="7" name="Right Arrow 6"/>
+          <p:cNvSpPr/>
+          <p:nvPr/>
+        </p:nvSpPr>
+        <p:spPr>
+          <a:xfrm>
+            <a:off x="1524000" y="5791200"/>
+            <a:ext cx="457200" cy="152400"/>
+          </a:xfrm>
+          <a:prstGeom prst="rightArrow">
+            <a:avLst/>
+          </a:prstGeom>
+        </p:spPr>
+        <p:style>
+          <a:lnRef idx="2">
+            <a:schemeClr val="accent1">
+              <a:shade val="50000"/>
+            </a:schemeClr>
+          </a:lnRef>
+          <a:fillRef idx="1">
+            <a:schemeClr val="accent1"/>
+          </a:fillRef>
+          <a:effectRef idx="0">
+            <a:schemeClr val="accent1"/>
+          </a:effectRef>
+          <a:fontRef idx="minor">
+            <a:schemeClr val="lt1"/>
+          </a:fontRef>
+        </p:style>
+        <p:txBody>
+          <a:bodyPr rtlCol="0" anchor="ctr"/>
+          <a:lstStyle/>
+          <a:p>
+            <a:pPr algn="ctr"/>
+            <a:endParaRPr lang="en-US"/>
+          </a:p>
+        </p:txBody>
+      </p:sp>
+    </p:spTree>
+  </p:cSld>
+  <p:clrMapOvr>
+    <a:masterClrMapping/>
+  </p:clrMapOvr>
+</p:sld>
+</file>
+
+<file path=ppt/slides/slide26.xml><?xml version="1.0" encoding="utf-8"?>
+<p:sld xmlns:a="http://schemas.openxmlformats.org/drawingml/2006/main" xmlns:r="http://schemas.openxmlformats.org/officeDocument/2006/relationships" xmlns:p="http://schemas.openxmlformats.org/presentationml/2006/main">
+  <p:cSld>
+    <p:spTree>
+      <p:nvGrpSpPr>
+        <p:cNvPr id="1" name=""/>
+        <p:cNvGrpSpPr/>
+        <p:nvPr/>
+      </p:nvGrpSpPr>
+      <p:grpSpPr>
+        <a:xfrm>
+          <a:off x="0" y="0"/>
+          <a:ext cx="0" cy="0"/>
+          <a:chOff x="0" y="0"/>
+          <a:chExt cx="0" cy="0"/>
+        </a:xfrm>
+      </p:grpSpPr>
+      <p:sp>
+        <p:nvSpPr>
+          <p:cNvPr id="2" name="Title 1"/>
+          <p:cNvSpPr>
+            <a:spLocks noGrp="1"/>
+          </p:cNvSpPr>
+          <p:nvPr>
+            <p:ph type="title"/>
+          </p:nvPr>
+        </p:nvSpPr>
+        <p:spPr>
+          <a:xfrm>
+            <a:off x="990600" y="0"/>
+            <a:ext cx="7498080" cy="762000"/>
+          </a:xfrm>
+        </p:spPr>
+        <p:txBody>
+          <a:bodyPr/>
+          <a:lstStyle/>
+          <a:p>
+            <a:r>
+              <a:rPr lang="en-US" sz="4000" dirty="0" err="1" smtClean="0">
+                <a:solidFill>
+                  <a:srgbClr val="0070C0"/>
+                </a:solidFill>
+              </a:rPr>
+              <a:t>startup.cs</a:t>
+            </a:r>
+            <a:endParaRPr lang="en-US" dirty="0"/>
+          </a:p>
+        </p:txBody>
+      </p:sp>
+      <p:pic>
+        <p:nvPicPr>
+          <p:cNvPr id="10242" name="Picture 2"/>
+          <p:cNvPicPr>
+            <a:picLocks noGrp="1" noChangeAspect="1" noChangeArrowheads="1"/>
+          </p:cNvPicPr>
+          <p:nvPr>
+            <p:ph idx="1"/>
+          </p:nvPr>
+        </p:nvPicPr>
+        <p:blipFill>
+          <a:blip r:embed="rId2"/>
+          <a:srcRect/>
+          <a:stretch>
+            <a:fillRect/>
+          </a:stretch>
+        </p:blipFill>
+        <p:spPr bwMode="auto">
+          <a:xfrm>
+            <a:off x="990600" y="838200"/>
+            <a:ext cx="6153150" cy="819150"/>
+          </a:xfrm>
+          <a:prstGeom prst="rect">
+            <a:avLst/>
+          </a:prstGeom>
+          <a:noFill/>
+          <a:ln w="9525">
+            <a:noFill/>
+            <a:miter lim="800000"/>
+            <a:headEnd/>
+            <a:tailEnd/>
+          </a:ln>
+          <a:effectLst/>
+        </p:spPr>
+      </p:pic>
+      <p:sp>
+        <p:nvSpPr>
+          <p:cNvPr id="6" name="Content Placeholder 2"/>
+          <p:cNvSpPr txBox="1">
+            <a:spLocks/>
+          </p:cNvSpPr>
+          <p:nvPr/>
+        </p:nvSpPr>
+        <p:spPr>
+          <a:xfrm>
+            <a:off x="1066800" y="1676400"/>
+            <a:ext cx="8077200" cy="4648200"/>
+          </a:xfrm>
+          <a:prstGeom prst="rect">
+            <a:avLst/>
+          </a:prstGeom>
+        </p:spPr>
+        <p:txBody>
+          <a:bodyPr>
+            <a:normAutofit/>
+          </a:bodyPr>
+          <a:lstStyle/>
           <a:p>
             <a:pPr marL="365760" marR="0" lvl="0" indent="-283464" algn="l" defTabSz="914400" rtl="0" eaLnBrk="1" fontAlgn="auto" latinLnBrk="0" hangingPunct="1">
               <a:lnSpc>
@@ -5281,9 +7602,155 @@
               <a:defRPr/>
             </a:pPr>
             <a:r>
+              <a:rPr kumimoji="0" lang="en-US" sz="2400" b="0" i="0" u="none" strike="noStrike" kern="1200" cap="none" spc="0" normalizeH="0" baseline="0" noProof="0" dirty="0" smtClean="0">
+                <a:ln>
+                  <a:noFill/>
+                </a:ln>
+                <a:solidFill>
+                  <a:schemeClr val="tx1"/>
+                </a:solidFill>
+                <a:effectLst/>
+                <a:uLnTx/>
+                <a:uFillTx/>
+                <a:latin typeface="+mn-lt"/>
+                <a:ea typeface="+mn-ea"/>
+                <a:cs typeface="+mn-cs"/>
+              </a:rPr>
+              <a:t>It does 3 things :-</a:t>
+            </a:r>
+          </a:p>
+          <a:p>
+            <a:pPr marL="365760" marR="0" lvl="0" indent="-283464" algn="l" defTabSz="914400" rtl="0" eaLnBrk="1" fontAlgn="auto" latinLnBrk="0" hangingPunct="1">
+              <a:lnSpc>
+                <a:spcPct val="100000"/>
+              </a:lnSpc>
+              <a:spcBef>
+                <a:spcPts val="600"/>
+              </a:spcBef>
+              <a:spcAft>
+                <a:spcPts val="0"/>
+              </a:spcAft>
+              <a:buClr>
+                <a:schemeClr val="accent1"/>
+              </a:buClr>
+              <a:buSzPct val="80000"/>
+              <a:buFont typeface="Wingdings 2"/>
+              <a:buNone/>
+              <a:tabLst/>
+              <a:defRPr/>
+            </a:pPr>
+            <a:r>
+              <a:rPr kumimoji="0" lang="en-US" sz="2400" b="0" i="0" u="none" strike="noStrike" kern="1200" cap="none" spc="0" normalizeH="0" baseline="0" noProof="0" dirty="0" smtClean="0">
+                <a:ln>
+                  <a:noFill/>
+                </a:ln>
+                <a:solidFill>
+                  <a:schemeClr val="tx1"/>
+                </a:solidFill>
+                <a:effectLst/>
+                <a:uLnTx/>
+                <a:uFillTx/>
+                <a:latin typeface="+mn-lt"/>
+                <a:ea typeface="+mn-ea"/>
+                <a:cs typeface="+mn-cs"/>
+              </a:rPr>
+              <a:t>1.</a:t>
+            </a:r>
+            <a:r>
+              <a:rPr kumimoji="0" lang="en-US" sz="2400" b="0" i="0" u="none" strike="noStrike" kern="1200" cap="none" spc="0" normalizeH="0" noProof="0" dirty="0" smtClean="0">
+                <a:ln>
+                  <a:noFill/>
+                </a:ln>
+                <a:solidFill>
+                  <a:schemeClr val="tx1"/>
+                </a:solidFill>
+                <a:effectLst/>
+                <a:uLnTx/>
+                <a:uFillTx/>
+                <a:latin typeface="+mn-lt"/>
+                <a:ea typeface="+mn-ea"/>
+                <a:cs typeface="+mn-cs"/>
+              </a:rPr>
+              <a:t> Loads a configuration</a:t>
+            </a:r>
+            <a:endParaRPr lang="en-US" sz="2400" dirty="0" smtClean="0"/>
+          </a:p>
+          <a:p>
+            <a:pPr marL="365760" marR="0" lvl="0" indent="-283464" algn="l" defTabSz="914400" rtl="0" eaLnBrk="1" fontAlgn="auto" latinLnBrk="0" hangingPunct="1">
+              <a:lnSpc>
+                <a:spcPct val="100000"/>
+              </a:lnSpc>
+              <a:spcBef>
+                <a:spcPts val="600"/>
+              </a:spcBef>
+              <a:spcAft>
+                <a:spcPts val="0"/>
+              </a:spcAft>
+              <a:buClr>
+                <a:schemeClr val="accent1"/>
+              </a:buClr>
+              <a:buSzPct val="80000"/>
+              <a:buFont typeface="Wingdings 2"/>
+              <a:buNone/>
+              <a:tabLst/>
+              <a:defRPr/>
+            </a:pPr>
+            <a:r>
+              <a:rPr kumimoji="0" lang="en-US" sz="2400" b="0" i="0" u="none" strike="noStrike" kern="1200" cap="none" spc="0" normalizeH="0" baseline="0" noProof="0" dirty="0" smtClean="0">
+                <a:ln>
+                  <a:noFill/>
+                </a:ln>
+                <a:solidFill>
+                  <a:schemeClr val="tx1"/>
+                </a:solidFill>
+                <a:effectLst/>
+                <a:uLnTx/>
+                <a:uFillTx/>
+                <a:latin typeface="+mn-lt"/>
+                <a:ea typeface="+mn-ea"/>
+                <a:cs typeface="+mn-cs"/>
+              </a:rPr>
+              <a:t>2. Add services</a:t>
+            </a:r>
+          </a:p>
+          <a:p>
+            <a:pPr marL="365760" marR="0" lvl="0" indent="-283464" algn="l" defTabSz="914400" rtl="0" eaLnBrk="1" fontAlgn="auto" latinLnBrk="0" hangingPunct="1">
+              <a:lnSpc>
+                <a:spcPct val="100000"/>
+              </a:lnSpc>
+              <a:spcBef>
+                <a:spcPts val="600"/>
+              </a:spcBef>
+              <a:spcAft>
+                <a:spcPts val="0"/>
+              </a:spcAft>
+              <a:buClr>
+                <a:schemeClr val="accent1"/>
+              </a:buClr>
+              <a:buSzPct val="80000"/>
+              <a:buFont typeface="Wingdings 2"/>
+              <a:buNone/>
+              <a:tabLst/>
+              <a:defRPr/>
+            </a:pPr>
+            <a:r>
               <a:rPr lang="en-US" sz="2400" dirty="0" smtClean="0"/>
-              <a:t>Plug and play model</a:t>
-            </a:r>
+              <a:t>3.Configure services</a:t>
+            </a:r>
+            <a:endParaRPr kumimoji="0" lang="en-US" sz="2400" b="0" i="0" u="none" strike="noStrike" kern="1200" cap="none" spc="0" normalizeH="0" baseline="0" noProof="0" dirty="0" smtClean="0">
+              <a:ln>
+                <a:noFill/>
+              </a:ln>
+              <a:solidFill>
+                <a:schemeClr val="tx1"/>
+              </a:solidFill>
+              <a:effectLst/>
+              <a:uLnTx/>
+              <a:uFillTx/>
+              <a:latin typeface="+mn-lt"/>
+              <a:ea typeface="+mn-ea"/>
+              <a:cs typeface="+mn-cs"/>
+            </a:endParaRPr>
           </a:p>
           <a:p>
             <a:pPr marL="365760" marR="0" lvl="0" indent="-283464" algn="l" defTabSz="914400" rtl="0" eaLnBrk="1" fontAlgn="auto" latinLnBrk="0" hangingPunct="1">
@@ -5305,6 +7772,66 @@
               <a:tabLst/>
               <a:defRPr/>
             </a:pPr>
+            <a:endParaRPr kumimoji="0" lang="en-US" sz="3200" b="0" i="0" u="none" strike="noStrike" kern="1200" cap="none" spc="0" normalizeH="0" baseline="0" noProof="0" dirty="0" smtClean="0">
+              <a:ln>
+                <a:noFill/>
+              </a:ln>
+              <a:solidFill>
+                <a:schemeClr val="tx1"/>
+              </a:solidFill>
+              <a:effectLst/>
+              <a:uLnTx/>
+              <a:uFillTx/>
+              <a:latin typeface="+mn-lt"/>
+              <a:ea typeface="+mn-ea"/>
+              <a:cs typeface="+mn-cs"/>
+            </a:endParaRPr>
+          </a:p>
+          <a:p>
+            <a:pPr marL="365760" marR="0" lvl="0" indent="-283464" algn="l" defTabSz="914400" rtl="0" eaLnBrk="1" fontAlgn="auto" latinLnBrk="0" hangingPunct="1">
+              <a:lnSpc>
+                <a:spcPct val="100000"/>
+              </a:lnSpc>
+              <a:spcBef>
+                <a:spcPts val="600"/>
+              </a:spcBef>
+              <a:spcAft>
+                <a:spcPts val="0"/>
+              </a:spcAft>
+              <a:buClr>
+                <a:schemeClr val="accent1"/>
+              </a:buClr>
+              <a:buSzPct val="80000"/>
+              <a:buFont typeface="Wingdings 2"/>
+              <a:buChar char=""/>
+              <a:tabLst/>
+              <a:defRPr/>
+            </a:pPr>
+            <a:r>
+              <a:rPr lang="en-US" sz="2400" dirty="0" smtClean="0"/>
+              <a:t>Plug and play model</a:t>
+            </a:r>
+          </a:p>
+          <a:p>
+            <a:pPr marL="365760" marR="0" lvl="0" indent="-283464" algn="l" defTabSz="914400" rtl="0" eaLnBrk="1" fontAlgn="auto" latinLnBrk="0" hangingPunct="1">
+              <a:lnSpc>
+                <a:spcPct val="100000"/>
+              </a:lnSpc>
+              <a:spcBef>
+                <a:spcPts val="600"/>
+              </a:spcBef>
+              <a:spcAft>
+                <a:spcPts val="0"/>
+              </a:spcAft>
+              <a:buClr>
+                <a:schemeClr val="accent1"/>
+              </a:buClr>
+              <a:buSzPct val="80000"/>
+              <a:buFont typeface="Wingdings 2"/>
+              <a:buChar char=""/>
+              <a:tabLst/>
+              <a:defRPr/>
+            </a:pPr>
             <a:r>
               <a:rPr lang="en-US" sz="2400" dirty="0" smtClean="0"/>
               <a:t>In </a:t>
@@ -5441,7 +7968,7 @@
 </p:sld>
 </file>
 
-<file path=ppt/slides/slide15.xml><?xml version="1.0" encoding="utf-8"?>
+<file path=ppt/slides/slide27.xml><?xml version="1.0" encoding="utf-8"?>
 <p:sld xmlns:a="http://schemas.openxmlformats.org/drawingml/2006/main" xmlns:r="http://schemas.openxmlformats.org/officeDocument/2006/relationships" xmlns:p="http://schemas.openxmlformats.org/presentationml/2006/main">
   <p:cSld>
     <p:spTree>
@@ -5566,7 +8093,7 @@
 </p:sld>
 </file>
 
-<file path=ppt/slides/slide16.xml><?xml version="1.0" encoding="utf-8"?>
+<file path=ppt/slides/slide28.xml><?xml version="1.0" encoding="utf-8"?>
 <p:sld xmlns:a="http://schemas.openxmlformats.org/drawingml/2006/main" xmlns:r="http://schemas.openxmlformats.org/officeDocument/2006/relationships" xmlns:p="http://schemas.openxmlformats.org/presentationml/2006/main">
   <p:cSld>
     <p:spTree>
@@ -5650,6 +8177,35 @@
           <a:effectLst/>
         </p:spPr>
       </p:pic>
+      <p:sp>
+        <p:nvSpPr>
+          <p:cNvPr id="5" name="Rectangle 4"/>
+          <p:cNvSpPr/>
+          <p:nvPr/>
+        </p:nvSpPr>
+        <p:spPr>
+          <a:xfrm>
+            <a:off x="1066800" y="6248400"/>
+            <a:ext cx="1968168" cy="369332"/>
+          </a:xfrm>
+          <a:prstGeom prst="rect">
+            <a:avLst/>
+          </a:prstGeom>
+        </p:spPr>
+        <p:txBody>
+          <a:bodyPr wrap="none">
+            <a:spAutoFit/>
+          </a:bodyPr>
+          <a:lstStyle/>
+          <a:p>
+            <a:r>
+              <a:rPr lang="en-US" dirty="0" smtClean="0"/>
+              <a:t>Example : - Demo1</a:t>
+            </a:r>
+            <a:endParaRPr lang="en-US" dirty="0"/>
+          </a:p>
+        </p:txBody>
+      </p:sp>
     </p:spTree>
   </p:cSld>
   <p:clrMapOvr>
@@ -5658,7 +8214,7 @@
 </p:sld>
 </file>
 
-<file path=ppt/slides/slide17.xml><?xml version="1.0" encoding="utf-8"?>
+<file path=ppt/slides/slide29.xml><?xml version="1.0" encoding="utf-8"?>
 <p:sld xmlns:a="http://schemas.openxmlformats.org/drawingml/2006/main" xmlns:r="http://schemas.openxmlformats.org/officeDocument/2006/relationships" xmlns:p="http://schemas.openxmlformats.org/presentationml/2006/main">
   <p:cSld>
     <p:spTree>
@@ -5685,18 +8241,23 @@
             <p:ph type="title"/>
           </p:nvPr>
         </p:nvSpPr>
-        <p:spPr/>
+        <p:spPr>
+          <a:xfrm>
+            <a:off x="990600" y="0"/>
+            <a:ext cx="7498080" cy="1143000"/>
+          </a:xfrm>
+        </p:spPr>
         <p:txBody>
           <a:bodyPr/>
           <a:lstStyle/>
           <a:p>
             <a:r>
-              <a:rPr lang="en-US" sz="4400" dirty="0" smtClean="0">
+              <a:rPr lang="en-US" sz="4000" dirty="0" smtClean="0">
                 <a:solidFill>
                   <a:srgbClr val="0070C0"/>
                 </a:solidFill>
               </a:rPr>
-              <a:t>Demo</a:t>
+              <a:t>Middleware</a:t>
             </a:r>
             <a:endParaRPr lang="en-US" dirty="0"/>
           </a:p>
@@ -5714,8 +8275,8 @@
         </p:nvSpPr>
         <p:spPr>
           <a:xfrm>
-            <a:off x="1143000" y="1219200"/>
-            <a:ext cx="7498080" cy="4800600"/>
+            <a:off x="990600" y="1143000"/>
+            <a:ext cx="8153400" cy="5715000"/>
           </a:xfrm>
         </p:spPr>
         <p:txBody>
@@ -5726,7 +8287,41 @@
           <a:p>
             <a:r>
               <a:rPr lang="en-US" sz="2400" dirty="0" smtClean="0"/>
-              <a:t>Example : - Demo1</a:t>
+              <a:t>Pieces of code that handle requests and responses.</a:t>
+            </a:r>
+          </a:p>
+          <a:p>
+            <a:r>
+              <a:rPr lang="en-US" sz="2400" dirty="0" smtClean="0"/>
+              <a:t>Middleware are chained to each other to form a </a:t>
+            </a:r>
+            <a:r>
+              <a:rPr lang="en-US" sz="2400" b="1" dirty="0" smtClean="0"/>
+              <a:t>pipeline</a:t>
+            </a:r>
+          </a:p>
+          <a:p>
+            <a:r>
+              <a:rPr lang="en-US" sz="2400" dirty="0" smtClean="0"/>
+              <a:t>Middleware can do all sort of things, such as handling authentication, errors, static files, etc…</a:t>
+            </a:r>
+          </a:p>
+          <a:p>
+            <a:r>
+              <a:rPr lang="en-US" sz="2400" dirty="0" smtClean="0"/>
+              <a:t>We can set the order of middleware execution in the request pipeline</a:t>
+            </a:r>
+          </a:p>
+          <a:p>
+            <a:r>
+              <a:rPr lang="en-US" sz="2400" dirty="0" smtClean="0"/>
+              <a:t>Executed in order they are added</a:t>
+            </a:r>
+          </a:p>
+          <a:p>
+            <a:r>
+              <a:rPr lang="en-US" sz="2400" dirty="0" smtClean="0"/>
+              <a:t>Memory and performance </a:t>
             </a:r>
             <a:endParaRPr lang="en-US" sz="2400" dirty="0"/>
           </a:p>
@@ -5740,7 +8335,7 @@
 </p:sld>
 </file>
 
-<file path=ppt/slides/slide18.xml><?xml version="1.0" encoding="utf-8"?>
+<file path=ppt/slides/slide3.xml><?xml version="1.0" encoding="utf-8"?>
 <p:sld xmlns:a="http://schemas.openxmlformats.org/drawingml/2006/main" xmlns:r="http://schemas.openxmlformats.org/officeDocument/2006/relationships" xmlns:p="http://schemas.openxmlformats.org/presentationml/2006/main">
   <p:cSld>
     <p:spTree>
@@ -5778,142 +8373,431 @@
           <a:lstStyle/>
           <a:p>
             <a:r>
-              <a:rPr lang="en-US" sz="4000" dirty="0" smtClean="0">
+              <a:rPr lang="en-US" sz="4400" dirty="0" smtClean="0">
                 <a:solidFill>
                   <a:srgbClr val="0070C0"/>
                 </a:solidFill>
               </a:rPr>
-              <a:t>Exception Handling</a:t>
+              <a:t>Difference</a:t>
             </a:r>
             <a:endParaRPr lang="en-US" dirty="0"/>
           </a:p>
         </p:txBody>
       </p:sp>
-      <p:sp>
-        <p:nvSpPr>
-          <p:cNvPr id="3" name="Content Placeholder 2"/>
-          <p:cNvSpPr>
-            <a:spLocks noGrp="1"/>
-          </p:cNvSpPr>
+      <p:graphicFrame>
+        <p:nvGraphicFramePr>
+          <p:cNvPr id="6" name="Content Placeholder 5"/>
+          <p:cNvGraphicFramePr>
+            <a:graphicFrameLocks noGrp="1"/>
+          </p:cNvGraphicFramePr>
           <p:nvPr>
             <p:ph idx="1"/>
           </p:nvPr>
-        </p:nvSpPr>
-        <p:spPr>
-          <a:xfrm>
-            <a:off x="1066800" y="838200"/>
-            <a:ext cx="8077200" cy="533400"/>
-          </a:xfrm>
-        </p:spPr>
-        <p:txBody>
-          <a:bodyPr>
-            <a:normAutofit/>
-          </a:bodyPr>
-          <a:lstStyle/>
-          <a:p>
-            <a:r>
-              <a:rPr lang="en-US" sz="2400" dirty="0" smtClean="0"/>
-              <a:t>Add Exception handling middleware </a:t>
-            </a:r>
-            <a:endParaRPr lang="en-US" sz="2400" dirty="0"/>
-          </a:p>
-        </p:txBody>
-      </p:sp>
-      <p:pic>
-        <p:nvPicPr>
-          <p:cNvPr id="5" name="Picture 4"/>
-          <p:cNvPicPr>
-            <a:picLocks noChangeAspect="1"/>
-          </p:cNvPicPr>
-          <p:nvPr/>
-        </p:nvPicPr>
-        <p:blipFill>
-          <a:blip r:embed="rId2"/>
-          <a:stretch>
-            <a:fillRect/>
-          </a:stretch>
-        </p:blipFill>
-        <p:spPr>
-          <a:xfrm>
-            <a:off x="1905000" y="1600200"/>
-            <a:ext cx="4114800" cy="381000"/>
-          </a:xfrm>
-          <a:prstGeom prst="rect">
-            <a:avLst/>
-          </a:prstGeom>
-        </p:spPr>
-      </p:pic>
-      <p:pic>
-        <p:nvPicPr>
-          <p:cNvPr id="6" name="Picture 5"/>
-          <p:cNvPicPr>
-            <a:picLocks noChangeAspect="1"/>
-          </p:cNvPicPr>
-          <p:nvPr/>
-        </p:nvPicPr>
-        <p:blipFill>
-          <a:blip r:embed="rId3"/>
-          <a:stretch>
-            <a:fillRect/>
-          </a:stretch>
-        </p:blipFill>
-        <p:spPr>
-          <a:xfrm>
-            <a:off x="1143000" y="2286000"/>
-            <a:ext cx="7806170" cy="2133600"/>
-          </a:xfrm>
-          <a:prstGeom prst="rect">
-            <a:avLst/>
-          </a:prstGeom>
-        </p:spPr>
-      </p:pic>
-      <p:sp>
-        <p:nvSpPr>
-          <p:cNvPr id="7" name="Rectangle 6"/>
-          <p:cNvSpPr/>
-          <p:nvPr/>
-        </p:nvSpPr>
-        <p:spPr>
-          <a:xfrm>
-            <a:off x="1447800" y="6096000"/>
-            <a:ext cx="3694794" cy="369332"/>
-          </a:xfrm>
-          <a:prstGeom prst="rect">
-            <a:avLst/>
-          </a:prstGeom>
-        </p:spPr>
-        <p:txBody>
-          <a:bodyPr wrap="none">
-            <a:spAutoFit/>
-          </a:bodyPr>
-          <a:lstStyle/>
-          <a:p>
-            <a:r>
-              <a:rPr lang="en-US" dirty="0"/>
-              <a:t>Example : - </a:t>
-            </a:r>
-            <a:r>
-              <a:rPr lang="en-US" smtClean="0"/>
-              <a:t>Core_Exception_handling</a:t>
-            </a:r>
-            <a:endParaRPr lang="en-US" dirty="0"/>
-          </a:p>
-        </p:txBody>
-      </p:sp>
+        </p:nvGraphicFramePr>
+        <p:xfrm>
+          <a:off x="1295400" y="1066800"/>
+          <a:ext cx="7497762" cy="2961640"/>
+        </p:xfrm>
+        <a:graphic>
+          <a:graphicData uri="http://schemas.openxmlformats.org/drawingml/2006/table">
+            <a:tbl>
+              <a:tblPr firstRow="1" bandRow="1">
+                <a:tableStyleId>{5C22544A-7EE6-4342-B048-85BDC9FD1C3A}</a:tableStyleId>
+              </a:tblPr>
+              <a:tblGrid>
+                <a:gridCol w="2971800"/>
+                <a:gridCol w="2743200"/>
+                <a:gridCol w="1782762"/>
+              </a:tblGrid>
+              <a:tr h="218440">
+                <a:tc>
+                  <a:txBody>
+                    <a:bodyPr/>
+                    <a:lstStyle/>
+                    <a:p>
+                      <a:endParaRPr lang="en-US" dirty="0"/>
+                    </a:p>
+                  </a:txBody>
+                  <a:tcPr/>
+                </a:tc>
+                <a:tc>
+                  <a:txBody>
+                    <a:bodyPr/>
+                    <a:lstStyle/>
+                    <a:p>
+                      <a:r>
+                        <a:rPr lang="en-US" dirty="0" smtClean="0"/>
+                        <a:t>.NET Framework</a:t>
+                      </a:r>
+                      <a:endParaRPr lang="en-US" dirty="0"/>
+                    </a:p>
+                  </a:txBody>
+                  <a:tcPr/>
+                </a:tc>
+                <a:tc>
+                  <a:txBody>
+                    <a:bodyPr/>
+                    <a:lstStyle/>
+                    <a:p>
+                      <a:r>
+                        <a:rPr lang="en-US" dirty="0" smtClean="0"/>
+                        <a:t>.NET</a:t>
+                      </a:r>
+                      <a:r>
+                        <a:rPr lang="en-US" baseline="0" dirty="0" smtClean="0"/>
+                        <a:t> Core</a:t>
+                      </a:r>
+                      <a:endParaRPr lang="en-US" dirty="0"/>
+                    </a:p>
+                  </a:txBody>
+                  <a:tcPr/>
+                </a:tc>
+              </a:tr>
+              <a:tr h="370840">
+                <a:tc>
+                  <a:txBody>
+                    <a:bodyPr/>
+                    <a:lstStyle/>
+                    <a:p>
+                      <a:r>
+                        <a:rPr lang="en-US" dirty="0"/>
+                        <a:t>High-performance</a:t>
+                      </a:r>
+                    </a:p>
+                  </a:txBody>
+                  <a:tcPr anchor="ctr"/>
+                </a:tc>
+                <a:tc>
+                  <a:txBody>
+                    <a:bodyPr/>
+                    <a:lstStyle/>
+                    <a:p>
+                      <a:r>
+                        <a:rPr lang="en-US" dirty="0" smtClean="0"/>
+                        <a:t>-</a:t>
+                      </a:r>
+                      <a:endParaRPr lang="en-US" dirty="0"/>
+                    </a:p>
+                  </a:txBody>
+                  <a:tcPr/>
+                </a:tc>
+                <a:tc>
+                  <a:txBody>
+                    <a:bodyPr/>
+                    <a:lstStyle/>
+                    <a:p>
+                      <a:r>
+                        <a:rPr lang="en-US" dirty="0" smtClean="0"/>
+                        <a:t>Faster</a:t>
+                      </a:r>
+                      <a:endParaRPr lang="en-US" dirty="0"/>
+                    </a:p>
+                  </a:txBody>
+                  <a:tcPr/>
+                </a:tc>
+              </a:tr>
+              <a:tr h="370840">
+                <a:tc>
+                  <a:txBody>
+                    <a:bodyPr/>
+                    <a:lstStyle/>
+                    <a:p>
+                      <a:r>
+                        <a:rPr kumimoji="0" lang="en-US" b="0" i="0" kern="1200" dirty="0" err="1" smtClean="0">
+                          <a:solidFill>
+                            <a:schemeClr val="dk1"/>
+                          </a:solidFill>
+                          <a:latin typeface="+mn-lt"/>
+                          <a:ea typeface="+mn-ea"/>
+                          <a:cs typeface="+mn-cs"/>
+                        </a:rPr>
+                        <a:t>Docker</a:t>
+                      </a:r>
+                      <a:r>
+                        <a:rPr kumimoji="0" lang="en-US" b="0" i="0" kern="1200" dirty="0" smtClean="0">
+                          <a:solidFill>
+                            <a:schemeClr val="dk1"/>
+                          </a:solidFill>
+                          <a:latin typeface="+mn-lt"/>
+                          <a:ea typeface="+mn-ea"/>
+                          <a:cs typeface="+mn-cs"/>
+                        </a:rPr>
+                        <a:t> containers support</a:t>
+                      </a:r>
+                      <a:endParaRPr lang="en-US" dirty="0"/>
+                    </a:p>
+                  </a:txBody>
+                  <a:tcPr/>
+                </a:tc>
+                <a:tc>
+                  <a:txBody>
+                    <a:bodyPr/>
+                    <a:lstStyle/>
+                    <a:p>
+                      <a:r>
+                        <a:rPr lang="en-US" dirty="0" smtClean="0"/>
+                        <a:t>-</a:t>
+                      </a:r>
+                      <a:endParaRPr lang="en-US" dirty="0"/>
+                    </a:p>
+                  </a:txBody>
+                  <a:tcPr/>
+                </a:tc>
+                <a:tc>
+                  <a:txBody>
+                    <a:bodyPr/>
+                    <a:lstStyle/>
+                    <a:p>
+                      <a:r>
+                        <a:rPr lang="en-US" dirty="0" smtClean="0"/>
+                        <a:t>Better</a:t>
+                      </a:r>
+                      <a:endParaRPr lang="en-US" dirty="0"/>
+                    </a:p>
+                  </a:txBody>
+                  <a:tcPr/>
+                </a:tc>
+              </a:tr>
+              <a:tr h="370840">
+                <a:tc>
+                  <a:txBody>
+                    <a:bodyPr/>
+                    <a:lstStyle/>
+                    <a:p>
+                      <a:r>
+                        <a:rPr lang="en-US" dirty="0" smtClean="0"/>
+                        <a:t>Command Line</a:t>
+                      </a:r>
+                      <a:endParaRPr lang="en-US" dirty="0"/>
+                    </a:p>
+                  </a:txBody>
+                  <a:tcPr/>
+                </a:tc>
+                <a:tc>
+                  <a:txBody>
+                    <a:bodyPr/>
+                    <a:lstStyle/>
+                    <a:p>
+                      <a:r>
+                        <a:rPr lang="en-US" dirty="0" smtClean="0"/>
+                        <a:t>-</a:t>
+                      </a:r>
+                      <a:endParaRPr lang="en-US" dirty="0"/>
+                    </a:p>
+                  </a:txBody>
+                  <a:tcPr/>
+                </a:tc>
+                <a:tc>
+                  <a:txBody>
+                    <a:bodyPr/>
+                    <a:lstStyle/>
+                    <a:p>
+                      <a:r>
+                        <a:rPr lang="en-US" dirty="0" smtClean="0"/>
+                        <a:t>Better</a:t>
+                      </a:r>
+                      <a:endParaRPr lang="en-US" dirty="0"/>
+                    </a:p>
+                  </a:txBody>
+                  <a:tcPr/>
+                </a:tc>
+              </a:tr>
+              <a:tr h="370840">
+                <a:tc>
+                  <a:txBody>
+                    <a:bodyPr/>
+                    <a:lstStyle/>
+                    <a:p>
+                      <a:r>
+                        <a:rPr lang="en-US" dirty="0" smtClean="0"/>
+                        <a:t>Cross – Platform</a:t>
+                      </a:r>
+                      <a:endParaRPr lang="en-US" dirty="0"/>
+                    </a:p>
+                  </a:txBody>
+                  <a:tcPr/>
+                </a:tc>
+                <a:tc>
+                  <a:txBody>
+                    <a:bodyPr/>
+                    <a:lstStyle/>
+                    <a:p>
+                      <a:r>
+                        <a:rPr lang="en-US" dirty="0" smtClean="0"/>
+                        <a:t>No</a:t>
+                      </a:r>
+                      <a:endParaRPr lang="en-US" dirty="0"/>
+                    </a:p>
+                  </a:txBody>
+                  <a:tcPr/>
+                </a:tc>
+                <a:tc>
+                  <a:txBody>
+                    <a:bodyPr/>
+                    <a:lstStyle/>
+                    <a:p>
+                      <a:r>
+                        <a:rPr lang="en-US" dirty="0" smtClean="0"/>
+                        <a:t>Yes</a:t>
+                      </a:r>
+                      <a:endParaRPr lang="en-US" dirty="0"/>
+                    </a:p>
+                  </a:txBody>
+                  <a:tcPr/>
+                </a:tc>
+              </a:tr>
+              <a:tr h="370840">
+                <a:tc>
+                  <a:txBody>
+                    <a:bodyPr/>
+                    <a:lstStyle/>
+                    <a:p>
+                      <a:r>
+                        <a:rPr lang="en-US" dirty="0" smtClean="0"/>
+                        <a:t>Pre - Configured</a:t>
+                      </a:r>
+                      <a:endParaRPr lang="en-US" dirty="0"/>
+                    </a:p>
+                  </a:txBody>
+                  <a:tcPr/>
+                </a:tc>
+                <a:tc>
+                  <a:txBody>
+                    <a:bodyPr/>
+                    <a:lstStyle/>
+                    <a:p>
+                      <a:r>
+                        <a:rPr lang="en-US" dirty="0" smtClean="0"/>
+                        <a:t>Better</a:t>
+                      </a:r>
+                      <a:endParaRPr lang="en-US" dirty="0"/>
+                    </a:p>
+                  </a:txBody>
+                  <a:tcPr/>
+                </a:tc>
+                <a:tc>
+                  <a:txBody>
+                    <a:bodyPr/>
+                    <a:lstStyle/>
+                    <a:p>
+                      <a:r>
+                        <a:rPr lang="en-US" dirty="0" smtClean="0"/>
+                        <a:t>-</a:t>
+                      </a:r>
+                      <a:endParaRPr lang="en-US" dirty="0"/>
+                    </a:p>
+                  </a:txBody>
+                  <a:tcPr/>
+                </a:tc>
+              </a:tr>
+              <a:tr h="370840">
+                <a:tc>
+                  <a:txBody>
+                    <a:bodyPr/>
+                    <a:lstStyle/>
+                    <a:p>
+                      <a:r>
+                        <a:rPr lang="en-US" dirty="0" smtClean="0"/>
+                        <a:t>Open Source</a:t>
+                      </a:r>
+                      <a:endParaRPr lang="en-US" dirty="0"/>
+                    </a:p>
+                  </a:txBody>
+                  <a:tcPr/>
+                </a:tc>
+                <a:tc>
+                  <a:txBody>
+                    <a:bodyPr/>
+                    <a:lstStyle/>
+                    <a:p>
+                      <a:r>
+                        <a:rPr lang="en-US" dirty="0" smtClean="0"/>
+                        <a:t>No</a:t>
+                      </a:r>
+                      <a:endParaRPr lang="en-US" dirty="0"/>
+                    </a:p>
+                  </a:txBody>
+                  <a:tcPr/>
+                </a:tc>
+                <a:tc>
+                  <a:txBody>
+                    <a:bodyPr/>
+                    <a:lstStyle/>
+                    <a:p>
+                      <a:r>
+                        <a:rPr lang="en-US" dirty="0" smtClean="0"/>
+                        <a:t>Yes</a:t>
+                      </a:r>
+                      <a:endParaRPr lang="en-US" dirty="0"/>
+                    </a:p>
+                  </a:txBody>
+                  <a:tcPr/>
+                </a:tc>
+              </a:tr>
+              <a:tr h="370840">
+                <a:tc>
+                  <a:txBody>
+                    <a:bodyPr/>
+                    <a:lstStyle/>
+                    <a:p>
+                      <a:r>
+                        <a:rPr lang="en-US" dirty="0" smtClean="0"/>
+                        <a:t>Future</a:t>
+                      </a:r>
+                      <a:endParaRPr lang="en-US" dirty="0"/>
+                    </a:p>
+                  </a:txBody>
+                  <a:tcPr/>
+                </a:tc>
+                <a:tc>
+                  <a:txBody>
+                    <a:bodyPr/>
+                    <a:lstStyle/>
+                    <a:p>
+                      <a:r>
+                        <a:rPr lang="en-US" dirty="0" smtClean="0"/>
+                        <a:t>-</a:t>
+                      </a:r>
+                      <a:endParaRPr lang="en-US" dirty="0"/>
+                    </a:p>
+                  </a:txBody>
+                  <a:tcPr/>
+                </a:tc>
+                <a:tc>
+                  <a:txBody>
+                    <a:bodyPr/>
+                    <a:lstStyle/>
+                    <a:p>
+                      <a:r>
+                        <a:rPr lang="en-US" smtClean="0"/>
+                        <a:t>Yes</a:t>
+                      </a:r>
+                      <a:endParaRPr lang="en-US" dirty="0"/>
+                    </a:p>
+                  </a:txBody>
+                  <a:tcPr/>
+                </a:tc>
+              </a:tr>
+            </a:tbl>
+          </a:graphicData>
+        </a:graphic>
+      </p:graphicFrame>
     </p:spTree>
-    <p:extLst>
-      <p:ext uri="{BB962C8B-B14F-4D97-AF65-F5344CB8AC3E}">
-        <p14:creationId xmlns:p14="http://schemas.microsoft.com/office/powerpoint/2010/main" val="2644221448"/>
-      </p:ext>
-    </p:extLst>
   </p:cSld>
   <p:clrMapOvr>
     <a:masterClrMapping/>
   </p:clrMapOvr>
+  <p:timing>
+    <p:tnLst>
+      <p:par>
+        <p:cTn id="1" dur="indefinite" restart="never" nodeType="tmRoot"/>
+      </p:par>
+    </p:tnLst>
+  </p:timing>
 </p:sld>
 </file>
 
-<file path=ppt/slides/slide19.xml><?xml version="1.0" encoding="utf-8"?>
+<file path=ppt/slides/slide30.xml><?xml version="1.0" encoding="utf-8"?>
 <p:sld xmlns:a="http://schemas.openxmlformats.org/drawingml/2006/main" xmlns:r="http://schemas.openxmlformats.org/officeDocument/2006/relationships" xmlns:p="http://schemas.openxmlformats.org/presentationml/2006/main">
   <p:cSld>
     <p:spTree>
@@ -5956,74 +8840,7 @@
                   <a:srgbClr val="0070C0"/>
                 </a:solidFill>
               </a:rPr>
-              <a:t>Logging</a:t>
-            </a:r>
-            <a:endParaRPr lang="en-US" dirty="0"/>
-          </a:p>
-        </p:txBody>
-      </p:sp>
-      <p:sp>
-        <p:nvSpPr>
-          <p:cNvPr id="3" name="Content Placeholder 2"/>
-          <p:cNvSpPr>
-            <a:spLocks noGrp="1"/>
-          </p:cNvSpPr>
-          <p:nvPr>
-            <p:ph idx="1"/>
-          </p:nvPr>
-        </p:nvSpPr>
-        <p:spPr>
-          <a:xfrm>
-            <a:off x="1066800" y="838200"/>
-            <a:ext cx="8077200" cy="533400"/>
-          </a:xfrm>
-        </p:spPr>
-        <p:txBody>
-          <a:bodyPr>
-            <a:normAutofit/>
-          </a:bodyPr>
-          <a:lstStyle/>
-          <a:p>
-            <a:r>
-              <a:rPr lang="en-US" sz="2400" dirty="0" smtClean="0"/>
-              <a:t>Instance an instance of </a:t>
-            </a:r>
-            <a:r>
-              <a:rPr lang="en-US" sz="2400" dirty="0" err="1" smtClean="0"/>
-              <a:t>ILogger</a:t>
-            </a:r>
-            <a:endParaRPr lang="en-US" sz="2400" dirty="0"/>
-          </a:p>
-        </p:txBody>
-      </p:sp>
-      <p:sp>
-        <p:nvSpPr>
-          <p:cNvPr id="7" name="Rectangle 6"/>
-          <p:cNvSpPr/>
-          <p:nvPr/>
-        </p:nvSpPr>
-        <p:spPr>
-          <a:xfrm>
-            <a:off x="1447800" y="6096000"/>
-            <a:ext cx="3694794" cy="369332"/>
-          </a:xfrm>
-          <a:prstGeom prst="rect">
-            <a:avLst/>
-          </a:prstGeom>
-        </p:spPr>
-        <p:txBody>
-          <a:bodyPr wrap="none">
-            <a:spAutoFit/>
-          </a:bodyPr>
-          <a:lstStyle/>
-          <a:p>
-            <a:r>
-              <a:rPr lang="en-US" dirty="0"/>
-              <a:t>Example : - </a:t>
-            </a:r>
-            <a:r>
-              <a:rPr lang="en-US" smtClean="0"/>
-              <a:t>Core_Exception_handling</a:t>
+              <a:t>Middleware Pipeline</a:t>
             </a:r>
             <a:endParaRPr lang="en-US" dirty="0"/>
           </a:p>
@@ -6031,58 +8848,40 @@
       </p:sp>
       <p:pic>
         <p:nvPicPr>
-          <p:cNvPr id="4" name="Picture 3"/>
+          <p:cNvPr id="1026" name="Picture 2"/>
           <p:cNvPicPr>
-            <a:picLocks noChangeAspect="1"/>
+            <a:picLocks noGrp="1" noChangeAspect="1" noChangeArrowheads="1"/>
           </p:cNvPicPr>
-          <p:nvPr/>
+          <p:nvPr>
+            <p:ph idx="1"/>
+          </p:nvPr>
         </p:nvPicPr>
         <p:blipFill>
           <a:blip r:embed="rId2"/>
+          <a:srcRect/>
           <a:stretch>
             <a:fillRect/>
           </a:stretch>
         </p:blipFill>
-        <p:spPr>
-          <a:xfrm>
-            <a:off x="1447800" y="1371600"/>
-            <a:ext cx="4505325" cy="1104900"/>
+        <p:spPr bwMode="auto">
+          <a:xfrm>
+            <a:off x="1371600" y="990600"/>
+            <a:ext cx="5962650" cy="3829050"/>
           </a:xfrm>
           <a:prstGeom prst="rect">
             <a:avLst/>
           </a:prstGeom>
-        </p:spPr>
-      </p:pic>
-      <p:pic>
-        <p:nvPicPr>
-          <p:cNvPr id="8" name="Picture 7"/>
-          <p:cNvPicPr>
-            <a:picLocks noChangeAspect="1"/>
-          </p:cNvPicPr>
-          <p:nvPr/>
-        </p:nvPicPr>
-        <p:blipFill>
-          <a:blip r:embed="rId3"/>
-          <a:stretch>
-            <a:fillRect/>
-          </a:stretch>
-        </p:blipFill>
-        <p:spPr>
-          <a:xfrm>
-            <a:off x="1052945" y="3353666"/>
-            <a:ext cx="8077200" cy="1809750"/>
-          </a:xfrm>
-          <a:prstGeom prst="rect">
-            <a:avLst/>
-          </a:prstGeom>
+          <a:noFill/>
+          <a:ln w="9525">
+            <a:noFill/>
+            <a:miter lim="800000"/>
+            <a:headEnd/>
+            <a:tailEnd/>
+          </a:ln>
+          <a:effectLst/>
         </p:spPr>
       </p:pic>
     </p:spTree>
-    <p:extLst>
-      <p:ext uri="{BB962C8B-B14F-4D97-AF65-F5344CB8AC3E}">
-        <p14:creationId xmlns:p14="http://schemas.microsoft.com/office/powerpoint/2010/main" val="3986536905"/>
-      </p:ext>
-    </p:extLst>
   </p:cSld>
   <p:clrMapOvr>
     <a:masterClrMapping/>
@@ -6090,7 +8889,7 @@
 </p:sld>
 </file>
 
-<file path=ppt/slides/slide2.xml><?xml version="1.0" encoding="utf-8"?>
+<file path=ppt/slides/slide31.xml><?xml version="1.0" encoding="utf-8"?>
 <p:sld xmlns:a="http://schemas.openxmlformats.org/drawingml/2006/main" xmlns:r="http://schemas.openxmlformats.org/officeDocument/2006/relationships" xmlns:p="http://schemas.openxmlformats.org/presentationml/2006/main">
   <p:cSld>
     <p:spTree>
@@ -6117,18 +8916,31 @@
             <p:ph type="title"/>
           </p:nvPr>
         </p:nvSpPr>
-        <p:spPr/>
+        <p:spPr>
+          <a:xfrm>
+            <a:off x="990600" y="0"/>
+            <a:ext cx="7498080" cy="1143000"/>
+          </a:xfrm>
+        </p:spPr>
         <p:txBody>
           <a:bodyPr/>
           <a:lstStyle/>
           <a:p>
+            <a:r>
+              <a:rPr lang="en-US" sz="4000" dirty="0" smtClean="0">
+                <a:solidFill>
+                  <a:srgbClr val="0070C0"/>
+                </a:solidFill>
+              </a:rPr>
+              <a:t>Short circuiting middleware</a:t>
+            </a:r>
             <a:endParaRPr lang="en-US" dirty="0"/>
           </a:p>
         </p:txBody>
       </p:sp>
       <p:sp>
         <p:nvSpPr>
-          <p:cNvPr id="3" name="Content Placeholder 2"/>
+          <p:cNvPr id="4" name="Content Placeholder 3"/>
           <p:cNvSpPr>
             <a:spLocks noGrp="1"/>
           </p:cNvSpPr>
@@ -6138,8 +8950,8 @@
         </p:nvSpPr>
         <p:spPr>
           <a:xfrm>
-            <a:off x="1435608" y="1447800"/>
-            <a:ext cx="7498080" cy="5257800"/>
+            <a:off x="1143000" y="914400"/>
+            <a:ext cx="7498080" cy="2667000"/>
           </a:xfrm>
         </p:spPr>
         <p:txBody>
@@ -6150,69 +8962,54 @@
           <a:p>
             <a:r>
               <a:rPr lang="en-US" sz="2400" dirty="0" smtClean="0"/>
-              <a:t>What is .NET Core?</a:t>
+              <a:t>A middleware doesn’t necessarily have to call the next middleware. </a:t>
+            </a:r>
+          </a:p>
+          <a:p>
+            <a:pPr>
+              <a:buNone/>
+            </a:pPr>
+            <a:endParaRPr lang="en-US" sz="2400" dirty="0" smtClean="0"/>
+          </a:p>
+          <a:p>
+            <a:pPr>
+              <a:buNone/>
+            </a:pPr>
+            <a:r>
+              <a:rPr lang="en-US" sz="2400" b="1" dirty="0" smtClean="0"/>
+              <a:t>Terminal middleware : -</a:t>
             </a:r>
           </a:p>
           <a:p>
             <a:r>
               <a:rPr lang="en-US" sz="2400" dirty="0" smtClean="0"/>
-              <a:t>Characteristics of  .NET Core?</a:t>
-            </a:r>
-          </a:p>
-          <a:p>
+              <a:t>Doesn’t call next middleware</a:t>
+            </a:r>
+          </a:p>
+          <a:p>
+            <a:r>
+              <a:rPr lang="en-US" sz="2400" dirty="0" err="1" smtClean="0"/>
+              <a:t>app.Run</a:t>
+            </a:r>
             <a:r>
               <a:rPr lang="en-US" sz="2400" dirty="0" smtClean="0"/>
-              <a:t>Installation</a:t>
-            </a:r>
-          </a:p>
-          <a:p>
-            <a:r>
-              <a:rPr lang="en-US" sz="2400" dirty="0" smtClean="0"/>
-              <a:t>Using CLI</a:t>
-            </a:r>
-          </a:p>
-          <a:p>
-            <a:r>
-              <a:rPr lang="en-US" sz="2400" dirty="0" smtClean="0"/>
-              <a:t>Startup and Configuration</a:t>
-            </a:r>
-          </a:p>
-          <a:p>
-            <a:r>
-              <a:rPr lang="en-US" sz="2400" dirty="0" smtClean="0"/>
-              <a:t>Managing Middleware</a:t>
-            </a:r>
-          </a:p>
-          <a:p>
-            <a:r>
-              <a:rPr lang="en-US" sz="2400" dirty="0" smtClean="0"/>
-              <a:t>ASP.NET Core MVC and Web APIs</a:t>
-            </a:r>
-          </a:p>
-          <a:p>
-            <a:r>
-              <a:rPr lang="en-US" sz="2400" dirty="0" smtClean="0"/>
-              <a:t>Tag Helpers and Razor Pages</a:t>
-            </a:r>
-          </a:p>
-          <a:p>
-            <a:r>
-              <a:rPr lang="en-US" sz="2400" dirty="0" smtClean="0"/>
-              <a:t>Testing ASP.NET Core</a:t>
-            </a:r>
-          </a:p>
-          <a:p>
-            <a:r>
-              <a:rPr lang="en-US" sz="2400" dirty="0" smtClean="0"/>
-              <a:t>Demo</a:t>
-            </a:r>
-            <a:endParaRPr lang="en-US" sz="2400" dirty="0"/>
+              <a:t>(context) </a:t>
+            </a:r>
+          </a:p>
+          <a:p>
+            <a:endParaRPr lang="en-US" sz="2400" dirty="0" smtClean="0"/>
+          </a:p>
+          <a:p>
+            <a:endParaRPr lang="en-US" sz="2400" dirty="0" smtClean="0"/>
+          </a:p>
+          <a:p>
+            <a:endParaRPr lang="en-US" sz="2400" b="1" dirty="0"/>
           </a:p>
         </p:txBody>
       </p:sp>
       <p:pic>
         <p:nvPicPr>
-          <p:cNvPr id="2050" name="Picture 2"/>
+          <p:cNvPr id="2052" name="Picture 4"/>
           <p:cNvPicPr>
             <a:picLocks noChangeAspect="1" noChangeArrowheads="1"/>
           </p:cNvPicPr>
@@ -6227,8 +9024,8 @@
         </p:blipFill>
         <p:spPr bwMode="auto">
           <a:xfrm>
-            <a:off x="1524000" y="533400"/>
-            <a:ext cx="2162175" cy="676275"/>
+            <a:off x="3276600" y="4800600"/>
+            <a:ext cx="5867400" cy="1123950"/>
           </a:xfrm>
           <a:prstGeom prst="rect">
             <a:avLst/>
@@ -6243,22 +9040,48 @@
           <a:effectLst/>
         </p:spPr>
       </p:pic>
+      <p:cxnSp>
+        <p:nvCxnSpPr>
+          <p:cNvPr id="9" name="Straight Arrow Connector 8"/>
+          <p:cNvCxnSpPr/>
+          <p:nvPr/>
+        </p:nvCxnSpPr>
+        <p:spPr>
+          <a:xfrm rot="16200000" flipV="1">
+            <a:off x="2819400" y="3733800"/>
+            <a:ext cx="1676400" cy="304800"/>
+          </a:xfrm>
+          <a:prstGeom prst="straightConnector1">
+            <a:avLst/>
+          </a:prstGeom>
+          <a:ln>
+            <a:tailEnd type="arrow"/>
+          </a:ln>
+        </p:spPr>
+        <p:style>
+          <a:lnRef idx="1">
+            <a:schemeClr val="accent1"/>
+          </a:lnRef>
+          <a:fillRef idx="0">
+            <a:schemeClr val="accent1"/>
+          </a:fillRef>
+          <a:effectRef idx="0">
+            <a:schemeClr val="accent1"/>
+          </a:effectRef>
+          <a:fontRef idx="minor">
+            <a:schemeClr val="tx1"/>
+          </a:fontRef>
+        </p:style>
+      </p:cxnSp>
     </p:spTree>
   </p:cSld>
   <p:clrMapOvr>
     <a:masterClrMapping/>
   </p:clrMapOvr>
-  <p:timing>
-    <p:tnLst>
-      <p:par>
-        <p:cTn id="1" dur="indefinite" restart="never" nodeType="tmRoot"/>
-      </p:par>
-    </p:tnLst>
-  </p:timing>
 </p:sld>
 </file>
 
-<file path=ppt/slides/slide20.xml><?xml version="1.0" encoding="utf-8"?>
+<file path=ppt/slides/slide32.xml><?xml version="1.0" encoding="utf-8"?>
 <p:sld xmlns:a="http://schemas.openxmlformats.org/drawingml/2006/main" xmlns:r="http://schemas.openxmlformats.org/officeDocument/2006/relationships" xmlns:p="http://schemas.openxmlformats.org/presentationml/2006/main">
   <p:cSld>
     <p:spTree>
@@ -6277,6 +9100,2520 @@
       </p:grpSpPr>
       <p:sp>
         <p:nvSpPr>
+          <p:cNvPr id="8" name="Oval Callout 7"/>
+          <p:cNvSpPr/>
+          <p:nvPr/>
+        </p:nvSpPr>
+        <p:spPr>
+          <a:xfrm>
+            <a:off x="2743200" y="2133600"/>
+            <a:ext cx="4876800" cy="838200"/>
+          </a:xfrm>
+          <a:prstGeom prst="wedgeEllipseCallout">
+            <a:avLst/>
+          </a:prstGeom>
+        </p:spPr>
+        <p:style>
+          <a:lnRef idx="2">
+            <a:schemeClr val="accent1">
+              <a:shade val="50000"/>
+            </a:schemeClr>
+          </a:lnRef>
+          <a:fillRef idx="1">
+            <a:schemeClr val="accent1"/>
+          </a:fillRef>
+          <a:effectRef idx="0">
+            <a:schemeClr val="accent1"/>
+          </a:effectRef>
+          <a:fontRef idx="minor">
+            <a:schemeClr val="lt1"/>
+          </a:fontRef>
+        </p:style>
+        <p:txBody>
+          <a:bodyPr rtlCol="0" anchor="ctr"/>
+          <a:lstStyle/>
+          <a:p>
+            <a:pPr algn="ctr"/>
+            <a:endParaRPr lang="en-US"/>
+          </a:p>
+        </p:txBody>
+      </p:sp>
+      <p:sp>
+        <p:nvSpPr>
+          <p:cNvPr id="2" name="Title 1"/>
+          <p:cNvSpPr>
+            <a:spLocks noGrp="1"/>
+          </p:cNvSpPr>
+          <p:nvPr>
+            <p:ph type="title"/>
+          </p:nvPr>
+        </p:nvSpPr>
+        <p:spPr>
+          <a:xfrm>
+            <a:off x="990600" y="0"/>
+            <a:ext cx="7498080" cy="1143000"/>
+          </a:xfrm>
+        </p:spPr>
+        <p:txBody>
+          <a:bodyPr/>
+          <a:lstStyle/>
+          <a:p>
+            <a:r>
+              <a:rPr lang="en-US" sz="4000" dirty="0" smtClean="0">
+                <a:solidFill>
+                  <a:srgbClr val="0070C0"/>
+                </a:solidFill>
+              </a:rPr>
+              <a:t>Call Next </a:t>
+            </a:r>
+            <a:r>
+              <a:rPr lang="en-US" sz="4000" dirty="0" smtClean="0">
+                <a:solidFill>
+                  <a:srgbClr val="0070C0"/>
+                </a:solidFill>
+              </a:rPr>
+              <a:t>M</a:t>
+            </a:r>
+            <a:r>
+              <a:rPr lang="en-US" sz="4000" dirty="0" smtClean="0">
+                <a:solidFill>
+                  <a:srgbClr val="0070C0"/>
+                </a:solidFill>
+              </a:rPr>
+              <a:t>iddleware</a:t>
+            </a:r>
+            <a:endParaRPr lang="en-US" dirty="0"/>
+          </a:p>
+        </p:txBody>
+      </p:sp>
+      <p:sp>
+        <p:nvSpPr>
+          <p:cNvPr id="4" name="Content Placeholder 3"/>
+          <p:cNvSpPr>
+            <a:spLocks noGrp="1"/>
+          </p:cNvSpPr>
+          <p:nvPr>
+            <p:ph idx="1"/>
+          </p:nvPr>
+        </p:nvSpPr>
+        <p:spPr>
+          <a:xfrm>
+            <a:off x="1143000" y="914400"/>
+            <a:ext cx="7498080" cy="2286000"/>
+          </a:xfrm>
+        </p:spPr>
+        <p:txBody>
+          <a:bodyPr>
+            <a:normAutofit/>
+          </a:bodyPr>
+          <a:lstStyle/>
+          <a:p>
+            <a:r>
+              <a:rPr lang="en-US" sz="2400" dirty="0" smtClean="0"/>
+              <a:t>To call next middleware we use</a:t>
+            </a:r>
+          </a:p>
+          <a:p>
+            <a:pPr>
+              <a:buNone/>
+            </a:pPr>
+            <a:r>
+              <a:rPr lang="en-US" sz="2400" dirty="0" smtClean="0"/>
+              <a:t>    </a:t>
+            </a:r>
+            <a:r>
+              <a:rPr lang="en-US" sz="2400" dirty="0" err="1" smtClean="0"/>
+              <a:t>app.use</a:t>
+            </a:r>
+            <a:r>
+              <a:rPr lang="en-US" sz="2400" dirty="0" smtClean="0"/>
+              <a:t>(</a:t>
+            </a:r>
+            <a:r>
+              <a:rPr lang="en-US" sz="2400" dirty="0" err="1" smtClean="0"/>
+              <a:t>context,next</a:t>
+            </a:r>
+            <a:r>
+              <a:rPr lang="en-US" sz="2400" dirty="0" smtClean="0"/>
+              <a:t>)</a:t>
+            </a:r>
+          </a:p>
+          <a:p>
+            <a:pPr>
+              <a:buNone/>
+            </a:pPr>
+            <a:endParaRPr lang="en-US" sz="2400" dirty="0" smtClean="0"/>
+          </a:p>
+          <a:p>
+            <a:pPr>
+              <a:buNone/>
+            </a:pPr>
+            <a:r>
+              <a:rPr lang="en-US" sz="2400" dirty="0" smtClean="0"/>
+              <a:t>                          Call next middleware</a:t>
+            </a:r>
+          </a:p>
+          <a:p>
+            <a:endParaRPr lang="en-US" sz="2400" dirty="0" smtClean="0"/>
+          </a:p>
+          <a:p>
+            <a:endParaRPr lang="en-US" sz="2400" b="1" dirty="0"/>
+          </a:p>
+        </p:txBody>
+      </p:sp>
+      <p:cxnSp>
+        <p:nvCxnSpPr>
+          <p:cNvPr id="9" name="Straight Arrow Connector 8"/>
+          <p:cNvCxnSpPr/>
+          <p:nvPr/>
+        </p:nvCxnSpPr>
+        <p:spPr>
+          <a:xfrm rot="16200000" flipV="1">
+            <a:off x="4572000" y="3124200"/>
+            <a:ext cx="762000" cy="609600"/>
+          </a:xfrm>
+          <a:prstGeom prst="straightConnector1">
+            <a:avLst/>
+          </a:prstGeom>
+          <a:ln>
+            <a:tailEnd type="arrow"/>
+          </a:ln>
+        </p:spPr>
+        <p:style>
+          <a:lnRef idx="1">
+            <a:schemeClr val="accent1"/>
+          </a:lnRef>
+          <a:fillRef idx="0">
+            <a:schemeClr val="accent1"/>
+          </a:fillRef>
+          <a:effectRef idx="0">
+            <a:schemeClr val="accent1"/>
+          </a:effectRef>
+          <a:fontRef idx="minor">
+            <a:schemeClr val="tx1"/>
+          </a:fontRef>
+        </p:style>
+      </p:cxnSp>
+      <p:pic>
+        <p:nvPicPr>
+          <p:cNvPr id="3074" name="Picture 2"/>
+          <p:cNvPicPr>
+            <a:picLocks noChangeAspect="1" noChangeArrowheads="1"/>
+          </p:cNvPicPr>
+          <p:nvPr/>
+        </p:nvPicPr>
+        <p:blipFill>
+          <a:blip r:embed="rId2"/>
+          <a:srcRect/>
+          <a:stretch>
+            <a:fillRect/>
+          </a:stretch>
+        </p:blipFill>
+        <p:spPr bwMode="auto">
+          <a:xfrm>
+            <a:off x="2895600" y="3886200"/>
+            <a:ext cx="3305175" cy="285750"/>
+          </a:xfrm>
+          <a:prstGeom prst="rect">
+            <a:avLst/>
+          </a:prstGeom>
+          <a:noFill/>
+          <a:ln w="9525">
+            <a:noFill/>
+            <a:miter lim="800000"/>
+            <a:headEnd/>
+            <a:tailEnd/>
+          </a:ln>
+          <a:effectLst/>
+        </p:spPr>
+      </p:pic>
+    </p:spTree>
+  </p:cSld>
+  <p:clrMapOvr>
+    <a:masterClrMapping/>
+  </p:clrMapOvr>
+</p:sld>
+</file>
+
+<file path=ppt/slides/slide33.xml><?xml version="1.0" encoding="utf-8"?>
+<p:sld xmlns:a="http://schemas.openxmlformats.org/drawingml/2006/main" xmlns:r="http://schemas.openxmlformats.org/officeDocument/2006/relationships" xmlns:p="http://schemas.openxmlformats.org/presentationml/2006/main">
+  <p:cSld>
+    <p:spTree>
+      <p:nvGrpSpPr>
+        <p:cNvPr id="1" name=""/>
+        <p:cNvGrpSpPr/>
+        <p:nvPr/>
+      </p:nvGrpSpPr>
+      <p:grpSpPr>
+        <a:xfrm>
+          <a:off x="0" y="0"/>
+          <a:ext cx="0" cy="0"/>
+          <a:chOff x="0" y="0"/>
+          <a:chExt cx="0" cy="0"/>
+        </a:xfrm>
+      </p:grpSpPr>
+      <p:sp>
+        <p:nvSpPr>
+          <p:cNvPr id="2" name="Title 1"/>
+          <p:cNvSpPr>
+            <a:spLocks noGrp="1"/>
+          </p:cNvSpPr>
+          <p:nvPr>
+            <p:ph type="title"/>
+          </p:nvPr>
+        </p:nvSpPr>
+        <p:spPr>
+          <a:xfrm>
+            <a:off x="990600" y="0"/>
+            <a:ext cx="7498080" cy="1143000"/>
+          </a:xfrm>
+        </p:spPr>
+        <p:txBody>
+          <a:bodyPr/>
+          <a:lstStyle/>
+          <a:p>
+            <a:r>
+              <a:rPr lang="en-US" sz="4400" smtClean="0">
+                <a:solidFill>
+                  <a:srgbClr val="0070C0"/>
+                </a:solidFill>
+              </a:rPr>
+              <a:t>Middleware Example</a:t>
+            </a:r>
+            <a:endParaRPr lang="en-US" dirty="0"/>
+          </a:p>
+        </p:txBody>
+      </p:sp>
+      <p:sp>
+        <p:nvSpPr>
+          <p:cNvPr id="3" name="Content Placeholder 2"/>
+          <p:cNvSpPr>
+            <a:spLocks noGrp="1"/>
+          </p:cNvSpPr>
+          <p:nvPr>
+            <p:ph idx="1"/>
+          </p:nvPr>
+        </p:nvSpPr>
+        <p:spPr>
+          <a:xfrm>
+            <a:off x="1066800" y="6324600"/>
+            <a:ext cx="7498080" cy="533400"/>
+          </a:xfrm>
+        </p:spPr>
+        <p:txBody>
+          <a:bodyPr>
+            <a:normAutofit/>
+          </a:bodyPr>
+          <a:lstStyle/>
+          <a:p>
+            <a:pPr>
+              <a:buNone/>
+            </a:pPr>
+            <a:r>
+              <a:rPr lang="en-US" sz="2400" dirty="0" smtClean="0"/>
+              <a:t>Demo</a:t>
+            </a:r>
+            <a:r>
+              <a:rPr lang="en-US" sz="2400" dirty="0" smtClean="0"/>
+              <a:t> </a:t>
+            </a:r>
+            <a:r>
+              <a:rPr lang="en-US" sz="2400" dirty="0" smtClean="0"/>
+              <a:t>: - </a:t>
+            </a:r>
+            <a:r>
+              <a:rPr lang="en-US" sz="2400" dirty="0" err="1" smtClean="0"/>
+              <a:t>Core_Middleware</a:t>
+            </a:r>
+            <a:endParaRPr lang="en-US" sz="2400" dirty="0"/>
+          </a:p>
+        </p:txBody>
+      </p:sp>
+      <p:pic>
+        <p:nvPicPr>
+          <p:cNvPr id="4099" name="Picture 3"/>
+          <p:cNvPicPr>
+            <a:picLocks noChangeAspect="1" noChangeArrowheads="1"/>
+          </p:cNvPicPr>
+          <p:nvPr/>
+        </p:nvPicPr>
+        <p:blipFill>
+          <a:blip r:embed="rId2"/>
+          <a:srcRect/>
+          <a:stretch>
+            <a:fillRect/>
+          </a:stretch>
+        </p:blipFill>
+        <p:spPr bwMode="auto">
+          <a:xfrm>
+            <a:off x="1066800" y="914400"/>
+            <a:ext cx="7705725" cy="5543550"/>
+          </a:xfrm>
+          <a:prstGeom prst="rect">
+            <a:avLst/>
+          </a:prstGeom>
+          <a:noFill/>
+          <a:ln w="9525">
+            <a:noFill/>
+            <a:miter lim="800000"/>
+            <a:headEnd/>
+            <a:tailEnd/>
+          </a:ln>
+          <a:effectLst/>
+        </p:spPr>
+      </p:pic>
+    </p:spTree>
+  </p:cSld>
+  <p:clrMapOvr>
+    <a:masterClrMapping/>
+  </p:clrMapOvr>
+</p:sld>
+</file>
+
+<file path=ppt/slides/slide34.xml><?xml version="1.0" encoding="utf-8"?>
+<p:sld xmlns:a="http://schemas.openxmlformats.org/drawingml/2006/main" xmlns:r="http://schemas.openxmlformats.org/officeDocument/2006/relationships" xmlns:p="http://schemas.openxmlformats.org/presentationml/2006/main">
+  <p:cSld>
+    <p:spTree>
+      <p:nvGrpSpPr>
+        <p:cNvPr id="1" name=""/>
+        <p:cNvGrpSpPr/>
+        <p:nvPr/>
+      </p:nvGrpSpPr>
+      <p:grpSpPr>
+        <a:xfrm>
+          <a:off x="0" y="0"/>
+          <a:ext cx="0" cy="0"/>
+          <a:chOff x="0" y="0"/>
+          <a:chExt cx="0" cy="0"/>
+        </a:xfrm>
+      </p:grpSpPr>
+      <p:sp>
+        <p:nvSpPr>
+          <p:cNvPr id="2" name="Title 1"/>
+          <p:cNvSpPr>
+            <a:spLocks noGrp="1"/>
+          </p:cNvSpPr>
+          <p:nvPr>
+            <p:ph type="title"/>
+          </p:nvPr>
+        </p:nvSpPr>
+        <p:spPr>
+          <a:xfrm>
+            <a:off x="990600" y="0"/>
+            <a:ext cx="7498080" cy="1143000"/>
+          </a:xfrm>
+        </p:spPr>
+        <p:txBody>
+          <a:bodyPr/>
+          <a:lstStyle/>
+          <a:p>
+            <a:r>
+              <a:rPr lang="en-US" sz="4000" dirty="0" smtClean="0">
+                <a:solidFill>
+                  <a:srgbClr val="0070C0"/>
+                </a:solidFill>
+              </a:rPr>
+              <a:t>Static Files</a:t>
+            </a:r>
+            <a:endParaRPr lang="en-US" dirty="0"/>
+          </a:p>
+        </p:txBody>
+      </p:sp>
+      <p:sp>
+        <p:nvSpPr>
+          <p:cNvPr id="4" name="Content Placeholder 3"/>
+          <p:cNvSpPr>
+            <a:spLocks noGrp="1"/>
+          </p:cNvSpPr>
+          <p:nvPr>
+            <p:ph idx="1"/>
+          </p:nvPr>
+        </p:nvSpPr>
+        <p:spPr>
+          <a:xfrm>
+            <a:off x="1143000" y="914400"/>
+            <a:ext cx="7498080" cy="2667000"/>
+          </a:xfrm>
+        </p:spPr>
+        <p:txBody>
+          <a:bodyPr>
+            <a:normAutofit/>
+          </a:bodyPr>
+          <a:lstStyle/>
+          <a:p>
+            <a:r>
+              <a:rPr lang="en-US" sz="2600" dirty="0" smtClean="0"/>
+              <a:t>Present in “</a:t>
+            </a:r>
+            <a:r>
+              <a:rPr lang="en-US" sz="2600" dirty="0" err="1" smtClean="0"/>
+              <a:t>wwwroot</a:t>
+            </a:r>
+            <a:r>
+              <a:rPr lang="en-US" sz="2600" dirty="0" smtClean="0"/>
+              <a:t>” folder.</a:t>
+            </a:r>
+          </a:p>
+          <a:p>
+            <a:r>
+              <a:rPr lang="en-US" sz="2600" dirty="0" smtClean="0"/>
+              <a:t>Static file middleware is required</a:t>
+            </a:r>
+          </a:p>
+          <a:p>
+            <a:r>
+              <a:rPr lang="en-US" sz="2800" dirty="0" err="1" smtClean="0"/>
+              <a:t>app.UseStaticFiles</a:t>
+            </a:r>
+            <a:r>
+              <a:rPr lang="en-US" sz="2800" dirty="0" smtClean="0"/>
+              <a:t>()</a:t>
+            </a:r>
+            <a:endParaRPr lang="en-US" sz="2600" dirty="0" smtClean="0"/>
+          </a:p>
+          <a:p>
+            <a:pPr>
+              <a:buNone/>
+            </a:pPr>
+            <a:endParaRPr lang="en-US" sz="2600" dirty="0" smtClean="0"/>
+          </a:p>
+          <a:p>
+            <a:pPr>
+              <a:buNone/>
+            </a:pPr>
+            <a:r>
+              <a:rPr lang="en-US" sz="2600" dirty="0" smtClean="0"/>
+              <a:t> </a:t>
+            </a:r>
+          </a:p>
+          <a:p>
+            <a:endParaRPr lang="en-US" sz="2400" dirty="0" smtClean="0"/>
+          </a:p>
+          <a:p>
+            <a:endParaRPr lang="en-US" sz="2400" dirty="0" smtClean="0"/>
+          </a:p>
+          <a:p>
+            <a:endParaRPr lang="en-US" sz="2400" b="1" dirty="0"/>
+          </a:p>
+        </p:txBody>
+      </p:sp>
+      <p:pic>
+        <p:nvPicPr>
+          <p:cNvPr id="5123" name="Picture 3"/>
+          <p:cNvPicPr>
+            <a:picLocks noChangeAspect="1" noChangeArrowheads="1"/>
+          </p:cNvPicPr>
+          <p:nvPr/>
+        </p:nvPicPr>
+        <p:blipFill>
+          <a:blip r:embed="rId2"/>
+          <a:srcRect/>
+          <a:stretch>
+            <a:fillRect/>
+          </a:stretch>
+        </p:blipFill>
+        <p:spPr bwMode="auto">
+          <a:xfrm>
+            <a:off x="6019800" y="914400"/>
+            <a:ext cx="2895600" cy="838200"/>
+          </a:xfrm>
+          <a:prstGeom prst="rect">
+            <a:avLst/>
+          </a:prstGeom>
+          <a:noFill/>
+          <a:ln w="9525">
+            <a:noFill/>
+            <a:miter lim="800000"/>
+            <a:headEnd/>
+            <a:tailEnd/>
+          </a:ln>
+          <a:effectLst/>
+        </p:spPr>
+      </p:pic>
+      <p:pic>
+        <p:nvPicPr>
+          <p:cNvPr id="5124" name="Picture 4"/>
+          <p:cNvPicPr>
+            <a:picLocks noChangeAspect="1" noChangeArrowheads="1"/>
+          </p:cNvPicPr>
+          <p:nvPr/>
+        </p:nvPicPr>
+        <p:blipFill>
+          <a:blip r:embed="rId3"/>
+          <a:srcRect/>
+          <a:stretch>
+            <a:fillRect/>
+          </a:stretch>
+        </p:blipFill>
+        <p:spPr bwMode="auto">
+          <a:xfrm>
+            <a:off x="1143000" y="2667000"/>
+            <a:ext cx="7229475" cy="3571875"/>
+          </a:xfrm>
+          <a:prstGeom prst="rect">
+            <a:avLst/>
+          </a:prstGeom>
+          <a:noFill/>
+          <a:ln w="9525">
+            <a:noFill/>
+            <a:miter lim="800000"/>
+            <a:headEnd/>
+            <a:tailEnd/>
+          </a:ln>
+          <a:effectLst/>
+        </p:spPr>
+      </p:pic>
+    </p:spTree>
+  </p:cSld>
+  <p:clrMapOvr>
+    <a:masterClrMapping/>
+  </p:clrMapOvr>
+</p:sld>
+</file>
+
+<file path=ppt/slides/slide35.xml><?xml version="1.0" encoding="utf-8"?>
+<p:sld xmlns:a="http://schemas.openxmlformats.org/drawingml/2006/main" xmlns:r="http://schemas.openxmlformats.org/officeDocument/2006/relationships" xmlns:p="http://schemas.openxmlformats.org/presentationml/2006/main">
+  <p:cSld>
+    <p:spTree>
+      <p:nvGrpSpPr>
+        <p:cNvPr id="1" name=""/>
+        <p:cNvGrpSpPr/>
+        <p:nvPr/>
+      </p:nvGrpSpPr>
+      <p:grpSpPr>
+        <a:xfrm>
+          <a:off x="0" y="0"/>
+          <a:ext cx="0" cy="0"/>
+          <a:chOff x="0" y="0"/>
+          <a:chExt cx="0" cy="0"/>
+        </a:xfrm>
+      </p:grpSpPr>
+      <p:sp>
+        <p:nvSpPr>
+          <p:cNvPr id="2" name="Title 1"/>
+          <p:cNvSpPr>
+            <a:spLocks noGrp="1"/>
+          </p:cNvSpPr>
+          <p:nvPr>
+            <p:ph type="title"/>
+          </p:nvPr>
+        </p:nvSpPr>
+        <p:spPr>
+          <a:xfrm>
+            <a:off x="990600" y="0"/>
+            <a:ext cx="7498080" cy="1143000"/>
+          </a:xfrm>
+        </p:spPr>
+        <p:txBody>
+          <a:bodyPr/>
+          <a:lstStyle/>
+          <a:p>
+            <a:r>
+              <a:rPr lang="en-US" sz="4000" dirty="0" smtClean="0">
+                <a:solidFill>
+                  <a:srgbClr val="0070C0"/>
+                </a:solidFill>
+              </a:rPr>
+              <a:t>Default Files</a:t>
+            </a:r>
+            <a:endParaRPr lang="en-US" dirty="0"/>
+          </a:p>
+        </p:txBody>
+      </p:sp>
+      <p:sp>
+        <p:nvSpPr>
+          <p:cNvPr id="4" name="Content Placeholder 3"/>
+          <p:cNvSpPr>
+            <a:spLocks noGrp="1"/>
+          </p:cNvSpPr>
+          <p:nvPr>
+            <p:ph idx="1"/>
+          </p:nvPr>
+        </p:nvSpPr>
+        <p:spPr>
+          <a:xfrm>
+            <a:off x="1143000" y="914400"/>
+            <a:ext cx="7498080" cy="2667000"/>
+          </a:xfrm>
+        </p:spPr>
+        <p:txBody>
+          <a:bodyPr>
+            <a:normAutofit/>
+          </a:bodyPr>
+          <a:lstStyle/>
+          <a:p>
+            <a:r>
+              <a:rPr lang="en-US" sz="2600" dirty="0" smtClean="0"/>
+              <a:t>Present in “</a:t>
+            </a:r>
+            <a:r>
+              <a:rPr lang="en-US" sz="2600" dirty="0" err="1" smtClean="0"/>
+              <a:t>wwwroot</a:t>
+            </a:r>
+            <a:r>
+              <a:rPr lang="en-US" sz="2600" dirty="0" smtClean="0"/>
+              <a:t>” folder.</a:t>
+            </a:r>
+          </a:p>
+          <a:p>
+            <a:r>
+              <a:rPr lang="en-US" sz="2600" dirty="0" smtClean="0"/>
+              <a:t>Default file middleware is required</a:t>
+            </a:r>
+          </a:p>
+          <a:p>
+            <a:r>
+              <a:rPr lang="en-US" sz="2800" dirty="0" err="1" smtClean="0"/>
+              <a:t>app.UseDefaultFiles</a:t>
+            </a:r>
+            <a:r>
+              <a:rPr lang="en-US" sz="2800" dirty="0" smtClean="0"/>
+              <a:t>()</a:t>
+            </a:r>
+            <a:endParaRPr lang="en-US" sz="2600" dirty="0" smtClean="0"/>
+          </a:p>
+          <a:p>
+            <a:pPr>
+              <a:buNone/>
+            </a:pPr>
+            <a:endParaRPr lang="en-US" sz="2600" dirty="0" smtClean="0"/>
+          </a:p>
+          <a:p>
+            <a:pPr>
+              <a:buNone/>
+            </a:pPr>
+            <a:r>
+              <a:rPr lang="en-US" sz="2600" dirty="0" smtClean="0"/>
+              <a:t> </a:t>
+            </a:r>
+          </a:p>
+          <a:p>
+            <a:endParaRPr lang="en-US" sz="2400" dirty="0" smtClean="0"/>
+          </a:p>
+          <a:p>
+            <a:endParaRPr lang="en-US" sz="2400" dirty="0" smtClean="0"/>
+          </a:p>
+          <a:p>
+            <a:endParaRPr lang="en-US" sz="2400" b="1" dirty="0"/>
+          </a:p>
+        </p:txBody>
+      </p:sp>
+      <p:pic>
+        <p:nvPicPr>
+          <p:cNvPr id="6147" name="Picture 3"/>
+          <p:cNvPicPr>
+            <a:picLocks noChangeAspect="1" noChangeArrowheads="1"/>
+          </p:cNvPicPr>
+          <p:nvPr/>
+        </p:nvPicPr>
+        <p:blipFill>
+          <a:blip r:embed="rId2"/>
+          <a:srcRect/>
+          <a:stretch>
+            <a:fillRect/>
+          </a:stretch>
+        </p:blipFill>
+        <p:spPr bwMode="auto">
+          <a:xfrm>
+            <a:off x="1143000" y="2514600"/>
+            <a:ext cx="7353300" cy="3305175"/>
+          </a:xfrm>
+          <a:prstGeom prst="rect">
+            <a:avLst/>
+          </a:prstGeom>
+          <a:noFill/>
+          <a:ln w="9525">
+            <a:noFill/>
+            <a:miter lim="800000"/>
+            <a:headEnd/>
+            <a:tailEnd/>
+          </a:ln>
+          <a:effectLst/>
+        </p:spPr>
+      </p:pic>
+    </p:spTree>
+  </p:cSld>
+  <p:clrMapOvr>
+    <a:masterClrMapping/>
+  </p:clrMapOvr>
+</p:sld>
+</file>
+
+<file path=ppt/slides/slide36.xml><?xml version="1.0" encoding="utf-8"?>
+<p:sld xmlns:a="http://schemas.openxmlformats.org/drawingml/2006/main" xmlns:r="http://schemas.openxmlformats.org/officeDocument/2006/relationships" xmlns:p="http://schemas.openxmlformats.org/presentationml/2006/main">
+  <p:cSld>
+    <p:spTree>
+      <p:nvGrpSpPr>
+        <p:cNvPr id="1" name=""/>
+        <p:cNvGrpSpPr/>
+        <p:nvPr/>
+      </p:nvGrpSpPr>
+      <p:grpSpPr>
+        <a:xfrm>
+          <a:off x="0" y="0"/>
+          <a:ext cx="0" cy="0"/>
+          <a:chOff x="0" y="0"/>
+          <a:chExt cx="0" cy="0"/>
+        </a:xfrm>
+      </p:grpSpPr>
+      <p:sp>
+        <p:nvSpPr>
+          <p:cNvPr id="2" name="Title 1"/>
+          <p:cNvSpPr>
+            <a:spLocks noGrp="1"/>
+          </p:cNvSpPr>
+          <p:nvPr>
+            <p:ph type="title"/>
+          </p:nvPr>
+        </p:nvSpPr>
+        <p:spPr>
+          <a:xfrm>
+            <a:off x="990600" y="0"/>
+            <a:ext cx="7498080" cy="1143000"/>
+          </a:xfrm>
+        </p:spPr>
+        <p:txBody>
+          <a:bodyPr/>
+          <a:lstStyle/>
+          <a:p>
+            <a:r>
+              <a:rPr lang="en-US" sz="4000" dirty="0" smtClean="0">
+                <a:solidFill>
+                  <a:srgbClr val="0070C0"/>
+                </a:solidFill>
+              </a:rPr>
+              <a:t>Default Files</a:t>
+            </a:r>
+            <a:endParaRPr lang="en-US" dirty="0"/>
+          </a:p>
+        </p:txBody>
+      </p:sp>
+      <p:sp>
+        <p:nvSpPr>
+          <p:cNvPr id="4" name="Content Placeholder 3"/>
+          <p:cNvSpPr>
+            <a:spLocks noGrp="1"/>
+          </p:cNvSpPr>
+          <p:nvPr>
+            <p:ph idx="1"/>
+          </p:nvPr>
+        </p:nvSpPr>
+        <p:spPr>
+          <a:xfrm>
+            <a:off x="1143000" y="914400"/>
+            <a:ext cx="7498080" cy="2667000"/>
+          </a:xfrm>
+        </p:spPr>
+        <p:txBody>
+          <a:bodyPr>
+            <a:normAutofit/>
+          </a:bodyPr>
+          <a:lstStyle/>
+          <a:p>
+            <a:r>
+              <a:rPr lang="en-US" sz="2600" dirty="0" err="1" smtClean="0"/>
+              <a:t>App.UseDefaultFiles</a:t>
+            </a:r>
+            <a:r>
+              <a:rPr lang="en-US" sz="2600" dirty="0" smtClean="0"/>
+              <a:t>() :- combination of default files </a:t>
+            </a:r>
+          </a:p>
+          <a:p>
+            <a:pPr>
+              <a:buNone/>
+            </a:pPr>
+            <a:r>
+              <a:rPr lang="en-US" sz="2600" dirty="0" smtClean="0"/>
+              <a:t>And static files</a:t>
+            </a:r>
+          </a:p>
+          <a:p>
+            <a:pPr>
+              <a:buNone/>
+            </a:pPr>
+            <a:endParaRPr lang="en-US" sz="2600" dirty="0" smtClean="0"/>
+          </a:p>
+          <a:p>
+            <a:pPr>
+              <a:buNone/>
+            </a:pPr>
+            <a:r>
+              <a:rPr lang="en-US" sz="2600" dirty="0" smtClean="0"/>
+              <a:t> </a:t>
+            </a:r>
+          </a:p>
+          <a:p>
+            <a:endParaRPr lang="en-US" sz="2400" dirty="0" smtClean="0"/>
+          </a:p>
+          <a:p>
+            <a:endParaRPr lang="en-US" sz="2400" dirty="0" smtClean="0"/>
+          </a:p>
+          <a:p>
+            <a:endParaRPr lang="en-US" sz="2400" b="1" dirty="0"/>
+          </a:p>
+        </p:txBody>
+      </p:sp>
+      <p:pic>
+        <p:nvPicPr>
+          <p:cNvPr id="7170" name="Picture 2"/>
+          <p:cNvPicPr>
+            <a:picLocks noChangeAspect="1" noChangeArrowheads="1"/>
+          </p:cNvPicPr>
+          <p:nvPr/>
+        </p:nvPicPr>
+        <p:blipFill>
+          <a:blip r:embed="rId2"/>
+          <a:srcRect/>
+          <a:stretch>
+            <a:fillRect/>
+          </a:stretch>
+        </p:blipFill>
+        <p:spPr bwMode="auto">
+          <a:xfrm>
+            <a:off x="990600" y="2895600"/>
+            <a:ext cx="7810500" cy="962025"/>
+          </a:xfrm>
+          <a:prstGeom prst="rect">
+            <a:avLst/>
+          </a:prstGeom>
+          <a:noFill/>
+          <a:ln w="9525">
+            <a:noFill/>
+            <a:miter lim="800000"/>
+            <a:headEnd/>
+            <a:tailEnd/>
+          </a:ln>
+          <a:effectLst/>
+        </p:spPr>
+      </p:pic>
+      <p:sp>
+        <p:nvSpPr>
+          <p:cNvPr id="5" name="Rectangle 4"/>
+          <p:cNvSpPr/>
+          <p:nvPr/>
+        </p:nvSpPr>
+        <p:spPr>
+          <a:xfrm>
+            <a:off x="1066800" y="6172200"/>
+            <a:ext cx="2603149" cy="369332"/>
+          </a:xfrm>
+          <a:prstGeom prst="rect">
+            <a:avLst/>
+          </a:prstGeom>
+        </p:spPr>
+        <p:txBody>
+          <a:bodyPr wrap="none">
+            <a:spAutoFit/>
+          </a:bodyPr>
+          <a:lstStyle/>
+          <a:p>
+            <a:r>
+              <a:rPr lang="en-US" dirty="0" smtClean="0"/>
+              <a:t>Demo </a:t>
+            </a:r>
+            <a:r>
+              <a:rPr lang="en-US" dirty="0" smtClean="0"/>
+              <a:t>: - </a:t>
+            </a:r>
+            <a:r>
+              <a:rPr lang="en-US" dirty="0" err="1" smtClean="0"/>
+              <a:t>Core_StaticFiles</a:t>
+            </a:r>
+            <a:endParaRPr lang="en-US" dirty="0"/>
+          </a:p>
+        </p:txBody>
+      </p:sp>
+    </p:spTree>
+  </p:cSld>
+  <p:clrMapOvr>
+    <a:masterClrMapping/>
+  </p:clrMapOvr>
+</p:sld>
+</file>
+
+<file path=ppt/slides/slide37.xml><?xml version="1.0" encoding="utf-8"?>
+<p:sld xmlns:a="http://schemas.openxmlformats.org/drawingml/2006/main" xmlns:r="http://schemas.openxmlformats.org/officeDocument/2006/relationships" xmlns:p="http://schemas.openxmlformats.org/presentationml/2006/main">
+  <p:cSld>
+    <p:spTree>
+      <p:nvGrpSpPr>
+        <p:cNvPr id="1" name=""/>
+        <p:cNvGrpSpPr/>
+        <p:nvPr/>
+      </p:nvGrpSpPr>
+      <p:grpSpPr>
+        <a:xfrm>
+          <a:off x="0" y="0"/>
+          <a:ext cx="0" cy="0"/>
+          <a:chOff x="0" y="0"/>
+          <a:chExt cx="0" cy="0"/>
+        </a:xfrm>
+      </p:grpSpPr>
+      <p:sp>
+        <p:nvSpPr>
+          <p:cNvPr id="2" name="Title 1"/>
+          <p:cNvSpPr>
+            <a:spLocks noGrp="1"/>
+          </p:cNvSpPr>
+          <p:nvPr>
+            <p:ph type="title"/>
+          </p:nvPr>
+        </p:nvSpPr>
+        <p:spPr>
+          <a:xfrm>
+            <a:off x="990600" y="0"/>
+            <a:ext cx="7498080" cy="1143000"/>
+          </a:xfrm>
+        </p:spPr>
+        <p:txBody>
+          <a:bodyPr/>
+          <a:lstStyle/>
+          <a:p>
+            <a:r>
+              <a:rPr lang="en-US" sz="4000" dirty="0" smtClean="0">
+                <a:solidFill>
+                  <a:srgbClr val="0070C0"/>
+                </a:solidFill>
+              </a:rPr>
+              <a:t>Developer Exception page</a:t>
+            </a:r>
+            <a:endParaRPr lang="en-US" dirty="0"/>
+          </a:p>
+        </p:txBody>
+      </p:sp>
+      <p:sp>
+        <p:nvSpPr>
+          <p:cNvPr id="4" name="Content Placeholder 3"/>
+          <p:cNvSpPr>
+            <a:spLocks noGrp="1"/>
+          </p:cNvSpPr>
+          <p:nvPr>
+            <p:ph idx="1"/>
+          </p:nvPr>
+        </p:nvSpPr>
+        <p:spPr>
+          <a:xfrm>
+            <a:off x="1143000" y="914400"/>
+            <a:ext cx="7498080" cy="2667000"/>
+          </a:xfrm>
+        </p:spPr>
+        <p:txBody>
+          <a:bodyPr>
+            <a:normAutofit/>
+          </a:bodyPr>
+          <a:lstStyle/>
+          <a:p>
+            <a:r>
+              <a:rPr lang="en-US" sz="2400" dirty="0" smtClean="0"/>
+              <a:t>UseDeveloperExceptionPage middleware is required</a:t>
+            </a:r>
+          </a:p>
+          <a:p>
+            <a:r>
+              <a:rPr lang="en-US" sz="2400" dirty="0" smtClean="0"/>
+              <a:t>app.UseDeveloperExceptionPage()</a:t>
+            </a:r>
+          </a:p>
+          <a:p>
+            <a:r>
+              <a:rPr lang="en-US" sz="2400" dirty="0" smtClean="0"/>
+              <a:t>Plugged in pipeline as early as possible</a:t>
+            </a:r>
+          </a:p>
+          <a:p>
+            <a:r>
+              <a:rPr lang="en-US" sz="2400" dirty="0" smtClean="0"/>
+              <a:t>Contains stack </a:t>
+            </a:r>
+            <a:r>
+              <a:rPr lang="en-US" sz="2400" dirty="0" smtClean="0"/>
+              <a:t>trace, query string, cookies </a:t>
+            </a:r>
+            <a:r>
+              <a:rPr lang="en-US" sz="2400" dirty="0" smtClean="0"/>
+              <a:t>etc..</a:t>
+            </a:r>
+          </a:p>
+          <a:p>
+            <a:pPr>
+              <a:buNone/>
+            </a:pPr>
+            <a:r>
+              <a:rPr lang="en-US" sz="2600" dirty="0" smtClean="0"/>
+              <a:t> </a:t>
+            </a:r>
+          </a:p>
+          <a:p>
+            <a:endParaRPr lang="en-US" sz="2400" dirty="0" smtClean="0"/>
+          </a:p>
+          <a:p>
+            <a:endParaRPr lang="en-US" sz="2400" dirty="0" smtClean="0"/>
+          </a:p>
+          <a:p>
+            <a:endParaRPr lang="en-US" sz="2400" b="1" dirty="0"/>
+          </a:p>
+        </p:txBody>
+      </p:sp>
+      <p:pic>
+        <p:nvPicPr>
+          <p:cNvPr id="8194" name="Picture 2"/>
+          <p:cNvPicPr>
+            <a:picLocks noChangeAspect="1" noChangeArrowheads="1"/>
+          </p:cNvPicPr>
+          <p:nvPr/>
+        </p:nvPicPr>
+        <p:blipFill>
+          <a:blip r:embed="rId2"/>
+          <a:srcRect/>
+          <a:stretch>
+            <a:fillRect/>
+          </a:stretch>
+        </p:blipFill>
+        <p:spPr bwMode="auto">
+          <a:xfrm>
+            <a:off x="990600" y="3733800"/>
+            <a:ext cx="7924800" cy="1828800"/>
+          </a:xfrm>
+          <a:prstGeom prst="rect">
+            <a:avLst/>
+          </a:prstGeom>
+          <a:noFill/>
+          <a:ln w="9525">
+            <a:noFill/>
+            <a:miter lim="800000"/>
+            <a:headEnd/>
+            <a:tailEnd/>
+          </a:ln>
+          <a:effectLst/>
+        </p:spPr>
+      </p:pic>
+    </p:spTree>
+  </p:cSld>
+  <p:clrMapOvr>
+    <a:masterClrMapping/>
+  </p:clrMapOvr>
+</p:sld>
+</file>
+
+<file path=ppt/slides/slide38.xml><?xml version="1.0" encoding="utf-8"?>
+<p:sld xmlns:a="http://schemas.openxmlformats.org/drawingml/2006/main" xmlns:r="http://schemas.openxmlformats.org/officeDocument/2006/relationships" xmlns:p="http://schemas.openxmlformats.org/presentationml/2006/main">
+  <p:cSld>
+    <p:spTree>
+      <p:nvGrpSpPr>
+        <p:cNvPr id="1" name=""/>
+        <p:cNvGrpSpPr/>
+        <p:nvPr/>
+      </p:nvGrpSpPr>
+      <p:grpSpPr>
+        <a:xfrm>
+          <a:off x="0" y="0"/>
+          <a:ext cx="0" cy="0"/>
+          <a:chOff x="0" y="0"/>
+          <a:chExt cx="0" cy="0"/>
+        </a:xfrm>
+      </p:grpSpPr>
+      <p:sp>
+        <p:nvSpPr>
+          <p:cNvPr id="2" name="Title 1"/>
+          <p:cNvSpPr>
+            <a:spLocks noGrp="1"/>
+          </p:cNvSpPr>
+          <p:nvPr>
+            <p:ph type="title"/>
+          </p:nvPr>
+        </p:nvSpPr>
+        <p:spPr>
+          <a:xfrm>
+            <a:off x="990600" y="0"/>
+            <a:ext cx="7498080" cy="1143000"/>
+          </a:xfrm>
+        </p:spPr>
+        <p:txBody>
+          <a:bodyPr>
+            <a:normAutofit/>
+          </a:bodyPr>
+          <a:lstStyle/>
+          <a:p>
+            <a:r>
+              <a:rPr lang="en-US" sz="3200" dirty="0" smtClean="0">
+                <a:solidFill>
+                  <a:srgbClr val="0070C0"/>
+                </a:solidFill>
+              </a:rPr>
+              <a:t>Setup MVC in ASP.NET CORE</a:t>
+            </a:r>
+            <a:endParaRPr lang="en-US" sz="3200" dirty="0"/>
+          </a:p>
+        </p:txBody>
+      </p:sp>
+      <p:sp>
+        <p:nvSpPr>
+          <p:cNvPr id="4" name="Content Placeholder 3"/>
+          <p:cNvSpPr>
+            <a:spLocks noGrp="1"/>
+          </p:cNvSpPr>
+          <p:nvPr>
+            <p:ph idx="1"/>
+          </p:nvPr>
+        </p:nvSpPr>
+        <p:spPr>
+          <a:xfrm>
+            <a:off x="1143000" y="914400"/>
+            <a:ext cx="7498080" cy="2667000"/>
+          </a:xfrm>
+        </p:spPr>
+        <p:txBody>
+          <a:bodyPr>
+            <a:normAutofit fontScale="85000" lnSpcReduction="20000"/>
+          </a:bodyPr>
+          <a:lstStyle/>
+          <a:p>
+            <a:r>
+              <a:rPr lang="en-US" sz="2400" dirty="0" smtClean="0"/>
+              <a:t>2  steps : -</a:t>
+            </a:r>
+          </a:p>
+          <a:p>
+            <a:pPr>
+              <a:buNone/>
+            </a:pPr>
+            <a:endParaRPr lang="en-US" sz="2400" dirty="0" smtClean="0"/>
+          </a:p>
+          <a:p>
+            <a:pPr>
+              <a:buNone/>
+            </a:pPr>
+            <a:r>
+              <a:rPr lang="en-US" sz="2400" dirty="0" smtClean="0"/>
+              <a:t>1 ) Add MVC services </a:t>
+            </a:r>
+          </a:p>
+          <a:p>
+            <a:pPr>
+              <a:buNone/>
+            </a:pPr>
+            <a:endParaRPr lang="en-US" sz="2400" dirty="0" smtClean="0"/>
+          </a:p>
+          <a:p>
+            <a:pPr>
+              <a:buNone/>
+            </a:pPr>
+            <a:endParaRPr lang="en-US" sz="2400" dirty="0" smtClean="0"/>
+          </a:p>
+          <a:p>
+            <a:pPr>
+              <a:buNone/>
+            </a:pPr>
+            <a:endParaRPr lang="en-US" sz="2400" dirty="0" smtClean="0"/>
+          </a:p>
+          <a:p>
+            <a:pPr>
+              <a:buNone/>
+            </a:pPr>
+            <a:endParaRPr lang="en-US" sz="2400" dirty="0" smtClean="0"/>
+          </a:p>
+          <a:p>
+            <a:pPr>
+              <a:buNone/>
+            </a:pPr>
+            <a:r>
+              <a:rPr lang="en-US" sz="2400" dirty="0" smtClean="0"/>
+              <a:t>2) Add MVC Middleware</a:t>
+            </a:r>
+          </a:p>
+          <a:p>
+            <a:endParaRPr lang="en-US" sz="2400" dirty="0" smtClean="0"/>
+          </a:p>
+          <a:p>
+            <a:endParaRPr lang="en-US" sz="2400" b="1" dirty="0"/>
+          </a:p>
+        </p:txBody>
+      </p:sp>
+      <p:pic>
+        <p:nvPicPr>
+          <p:cNvPr id="9220" name="Picture 4"/>
+          <p:cNvPicPr>
+            <a:picLocks noChangeAspect="1" noChangeArrowheads="1"/>
+          </p:cNvPicPr>
+          <p:nvPr/>
+        </p:nvPicPr>
+        <p:blipFill>
+          <a:blip r:embed="rId2"/>
+          <a:srcRect/>
+          <a:stretch>
+            <a:fillRect/>
+          </a:stretch>
+        </p:blipFill>
+        <p:spPr bwMode="auto">
+          <a:xfrm>
+            <a:off x="1828800" y="1828800"/>
+            <a:ext cx="6029325" cy="1038225"/>
+          </a:xfrm>
+          <a:prstGeom prst="rect">
+            <a:avLst/>
+          </a:prstGeom>
+          <a:noFill/>
+          <a:ln w="9525">
+            <a:noFill/>
+            <a:miter lim="800000"/>
+            <a:headEnd/>
+            <a:tailEnd/>
+          </a:ln>
+          <a:effectLst/>
+        </p:spPr>
+      </p:pic>
+      <p:pic>
+        <p:nvPicPr>
+          <p:cNvPr id="9221" name="Picture 5"/>
+          <p:cNvPicPr>
+            <a:picLocks noChangeAspect="1" noChangeArrowheads="1"/>
+          </p:cNvPicPr>
+          <p:nvPr/>
+        </p:nvPicPr>
+        <p:blipFill>
+          <a:blip r:embed="rId3"/>
+          <a:srcRect/>
+          <a:stretch>
+            <a:fillRect/>
+          </a:stretch>
+        </p:blipFill>
+        <p:spPr bwMode="auto">
+          <a:xfrm>
+            <a:off x="1676400" y="3505200"/>
+            <a:ext cx="7277100" cy="2790825"/>
+          </a:xfrm>
+          <a:prstGeom prst="rect">
+            <a:avLst/>
+          </a:prstGeom>
+          <a:noFill/>
+          <a:ln w="9525">
+            <a:noFill/>
+            <a:miter lim="800000"/>
+            <a:headEnd/>
+            <a:tailEnd/>
+          </a:ln>
+          <a:effectLst/>
+        </p:spPr>
+      </p:pic>
+      <p:sp>
+        <p:nvSpPr>
+          <p:cNvPr id="9" name="Rectangle 8"/>
+          <p:cNvSpPr/>
+          <p:nvPr/>
+        </p:nvSpPr>
+        <p:spPr>
+          <a:xfrm>
+            <a:off x="1371600" y="6248400"/>
+            <a:ext cx="4038600" cy="369332"/>
+          </a:xfrm>
+          <a:prstGeom prst="rect">
+            <a:avLst/>
+          </a:prstGeom>
+        </p:spPr>
+        <p:txBody>
+          <a:bodyPr wrap="square">
+            <a:spAutoFit/>
+          </a:bodyPr>
+          <a:lstStyle/>
+          <a:p>
+            <a:r>
+              <a:rPr lang="en-US" dirty="0" smtClean="0"/>
+              <a:t>Demo :- </a:t>
+            </a:r>
+            <a:r>
+              <a:rPr lang="en-US" dirty="0" err="1" smtClean="0"/>
+              <a:t>core_MVC_Setup</a:t>
+            </a:r>
+            <a:endParaRPr lang="en-US" dirty="0"/>
+          </a:p>
+        </p:txBody>
+      </p:sp>
+    </p:spTree>
+  </p:cSld>
+  <p:clrMapOvr>
+    <a:masterClrMapping/>
+  </p:clrMapOvr>
+</p:sld>
+</file>
+
+<file path=ppt/slides/slide39.xml><?xml version="1.0" encoding="utf-8"?>
+<p:sld xmlns:a="http://schemas.openxmlformats.org/drawingml/2006/main" xmlns:r="http://schemas.openxmlformats.org/officeDocument/2006/relationships" xmlns:p="http://schemas.openxmlformats.org/presentationml/2006/main">
+  <p:cSld>
+    <p:spTree>
+      <p:nvGrpSpPr>
+        <p:cNvPr id="1" name=""/>
+        <p:cNvGrpSpPr/>
+        <p:nvPr/>
+      </p:nvGrpSpPr>
+      <p:grpSpPr>
+        <a:xfrm>
+          <a:off x="0" y="0"/>
+          <a:ext cx="0" cy="0"/>
+          <a:chOff x="0" y="0"/>
+          <a:chExt cx="0" cy="0"/>
+        </a:xfrm>
+      </p:grpSpPr>
+      <p:sp>
+        <p:nvSpPr>
+          <p:cNvPr id="2" name="Title 1"/>
+          <p:cNvSpPr>
+            <a:spLocks noGrp="1"/>
+          </p:cNvSpPr>
+          <p:nvPr>
+            <p:ph type="title"/>
+          </p:nvPr>
+        </p:nvSpPr>
+        <p:spPr>
+          <a:xfrm>
+            <a:off x="990600" y="0"/>
+            <a:ext cx="7498080" cy="762000"/>
+          </a:xfrm>
+        </p:spPr>
+        <p:txBody>
+          <a:bodyPr>
+            <a:normAutofit/>
+          </a:bodyPr>
+          <a:lstStyle/>
+          <a:p>
+            <a:r>
+              <a:rPr lang="en-US" sz="3200" dirty="0" smtClean="0">
+                <a:solidFill>
+                  <a:srgbClr val="0070C0"/>
+                </a:solidFill>
+              </a:rPr>
+              <a:t>Routing</a:t>
+            </a:r>
+            <a:endParaRPr lang="en-US" sz="3200" dirty="0"/>
+          </a:p>
+        </p:txBody>
+      </p:sp>
+      <p:pic>
+        <p:nvPicPr>
+          <p:cNvPr id="1026" name="Picture 2"/>
+          <p:cNvPicPr>
+            <a:picLocks noGrp="1" noChangeAspect="1" noChangeArrowheads="1"/>
+          </p:cNvPicPr>
+          <p:nvPr>
+            <p:ph idx="1"/>
+          </p:nvPr>
+        </p:nvPicPr>
+        <p:blipFill>
+          <a:blip r:embed="rId2"/>
+          <a:srcRect/>
+          <a:stretch>
+            <a:fillRect/>
+          </a:stretch>
+        </p:blipFill>
+        <p:spPr bwMode="auto">
+          <a:xfrm>
+            <a:off x="1143000" y="609600"/>
+            <a:ext cx="6663806" cy="2667000"/>
+          </a:xfrm>
+          <a:prstGeom prst="rect">
+            <a:avLst/>
+          </a:prstGeom>
+          <a:noFill/>
+          <a:ln w="9525">
+            <a:noFill/>
+            <a:miter lim="800000"/>
+            <a:headEnd/>
+            <a:tailEnd/>
+          </a:ln>
+          <a:effectLst/>
+        </p:spPr>
+      </p:pic>
+      <p:pic>
+        <p:nvPicPr>
+          <p:cNvPr id="1028" name="Picture 4"/>
+          <p:cNvPicPr>
+            <a:picLocks noChangeAspect="1" noChangeArrowheads="1"/>
+          </p:cNvPicPr>
+          <p:nvPr/>
+        </p:nvPicPr>
+        <p:blipFill>
+          <a:blip r:embed="rId3"/>
+          <a:srcRect/>
+          <a:stretch>
+            <a:fillRect/>
+          </a:stretch>
+        </p:blipFill>
+        <p:spPr bwMode="auto">
+          <a:xfrm>
+            <a:off x="1295400" y="3810000"/>
+            <a:ext cx="6181725" cy="2733675"/>
+          </a:xfrm>
+          <a:prstGeom prst="rect">
+            <a:avLst/>
+          </a:prstGeom>
+          <a:noFill/>
+          <a:ln w="9525">
+            <a:noFill/>
+            <a:miter lim="800000"/>
+            <a:headEnd/>
+            <a:tailEnd/>
+          </a:ln>
+          <a:effectLst/>
+        </p:spPr>
+      </p:pic>
+      <p:sp>
+        <p:nvSpPr>
+          <p:cNvPr id="11" name="Rectangle 10"/>
+          <p:cNvSpPr/>
+          <p:nvPr/>
+        </p:nvSpPr>
+        <p:spPr>
+          <a:xfrm>
+            <a:off x="1219200" y="3352800"/>
+            <a:ext cx="4038600" cy="369332"/>
+          </a:xfrm>
+          <a:prstGeom prst="rect">
+            <a:avLst/>
+          </a:prstGeom>
+        </p:spPr>
+        <p:txBody>
+          <a:bodyPr wrap="square">
+            <a:spAutoFit/>
+          </a:bodyPr>
+          <a:lstStyle/>
+          <a:p>
+            <a:r>
+              <a:rPr lang="en-US" dirty="0" smtClean="0"/>
+              <a:t>Attribute routing :- </a:t>
+            </a:r>
+            <a:endParaRPr lang="en-US" dirty="0"/>
+          </a:p>
+        </p:txBody>
+      </p:sp>
+    </p:spTree>
+  </p:cSld>
+  <p:clrMapOvr>
+    <a:masterClrMapping/>
+  </p:clrMapOvr>
+</p:sld>
+</file>
+
+<file path=ppt/slides/slide4.xml><?xml version="1.0" encoding="utf-8"?>
+<p:sld xmlns:a="http://schemas.openxmlformats.org/drawingml/2006/main" xmlns:r="http://schemas.openxmlformats.org/officeDocument/2006/relationships" xmlns:p="http://schemas.openxmlformats.org/presentationml/2006/main">
+  <p:cSld>
+    <p:spTree>
+      <p:nvGrpSpPr>
+        <p:cNvPr id="1" name=""/>
+        <p:cNvGrpSpPr/>
+        <p:nvPr/>
+      </p:nvGrpSpPr>
+      <p:grpSpPr>
+        <a:xfrm>
+          <a:off x="0" y="0"/>
+          <a:ext cx="0" cy="0"/>
+          <a:chOff x="0" y="0"/>
+          <a:chExt cx="0" cy="0"/>
+        </a:xfrm>
+      </p:grpSpPr>
+      <p:sp>
+        <p:nvSpPr>
+          <p:cNvPr id="2" name="Title 1"/>
+          <p:cNvSpPr>
+            <a:spLocks noGrp="1"/>
+          </p:cNvSpPr>
+          <p:nvPr>
+            <p:ph type="title"/>
+          </p:nvPr>
+        </p:nvSpPr>
+        <p:spPr/>
+        <p:txBody>
+          <a:bodyPr>
+            <a:noAutofit/>
+          </a:bodyPr>
+          <a:lstStyle/>
+          <a:p>
+            <a:r>
+              <a:rPr lang="en-US" sz="3600" dirty="0" smtClean="0">
+                <a:solidFill>
+                  <a:srgbClr val="0070C0"/>
+                </a:solidFill>
+              </a:rPr>
+              <a:t>What is </a:t>
+            </a:r>
+            <a:r>
+              <a:rPr lang="en-US" sz="3600" dirty="0" err="1" smtClean="0">
+                <a:solidFill>
+                  <a:srgbClr val="0070C0"/>
+                </a:solidFill>
+              </a:rPr>
+              <a:t>.Net</a:t>
+            </a:r>
+            <a:r>
+              <a:rPr lang="en-US" sz="3600" dirty="0" smtClean="0">
+                <a:solidFill>
+                  <a:srgbClr val="0070C0"/>
+                </a:solidFill>
+              </a:rPr>
+              <a:t> Core?</a:t>
+            </a:r>
+            <a:r>
+              <a:rPr lang="en-US" sz="3600" dirty="0" smtClean="0"/>
+              <a:t/>
+            </a:r>
+            <a:br>
+              <a:rPr lang="en-US" sz="3600" dirty="0" smtClean="0"/>
+            </a:br>
+            <a:endParaRPr lang="en-US" sz="3600" dirty="0"/>
+          </a:p>
+        </p:txBody>
+      </p:sp>
+      <p:sp>
+        <p:nvSpPr>
+          <p:cNvPr id="3" name="Content Placeholder 2"/>
+          <p:cNvSpPr>
+            <a:spLocks noGrp="1"/>
+          </p:cNvSpPr>
+          <p:nvPr>
+            <p:ph idx="1"/>
+          </p:nvPr>
+        </p:nvSpPr>
+        <p:spPr>
+          <a:xfrm>
+            <a:off x="1066800" y="914400"/>
+            <a:ext cx="8077200" cy="5791200"/>
+          </a:xfrm>
+        </p:spPr>
+        <p:txBody>
+          <a:bodyPr>
+            <a:normAutofit/>
+          </a:bodyPr>
+          <a:lstStyle/>
+          <a:p>
+            <a:r>
+              <a:rPr lang="en-US" sz="2400" dirty="0" smtClean="0"/>
+              <a:t>.NET Core is a free, open-source framework for building modern, scalable, and high-performance cross-platform software applications.</a:t>
+            </a:r>
+          </a:p>
+          <a:p>
+            <a:pPr>
+              <a:buNone/>
+            </a:pPr>
+            <a:endParaRPr lang="en-US" sz="2400" dirty="0" smtClean="0"/>
+          </a:p>
+          <a:p>
+            <a:r>
+              <a:rPr lang="en-US" sz="2400" dirty="0" smtClean="0"/>
+              <a:t>.NET Core is a general-purpose framework that may be used to build software applications for Windows, Linux, and </a:t>
+            </a:r>
+            <a:r>
+              <a:rPr lang="en-US" sz="2400" dirty="0" err="1" smtClean="0"/>
+              <a:t>MacOS</a:t>
+            </a:r>
+            <a:r>
+              <a:rPr lang="en-US" sz="2400" dirty="0" smtClean="0"/>
+              <a:t>.</a:t>
+            </a:r>
+            <a:endParaRPr lang="en-US" sz="2400" dirty="0"/>
+          </a:p>
+        </p:txBody>
+      </p:sp>
+      <p:pic>
+        <p:nvPicPr>
+          <p:cNvPr id="4" name="Picture 3"/>
+          <p:cNvPicPr>
+            <a:picLocks noChangeAspect="1"/>
+          </p:cNvPicPr>
+          <p:nvPr/>
+        </p:nvPicPr>
+        <p:blipFill>
+          <a:blip r:embed="rId2"/>
+          <a:stretch>
+            <a:fillRect/>
+          </a:stretch>
+        </p:blipFill>
+        <p:spPr>
+          <a:xfrm>
+            <a:off x="1852612" y="3789218"/>
+            <a:ext cx="6505575" cy="2676525"/>
+          </a:xfrm>
+          <a:prstGeom prst="rect">
+            <a:avLst/>
+          </a:prstGeom>
+        </p:spPr>
+      </p:pic>
+    </p:spTree>
+  </p:cSld>
+  <p:clrMapOvr>
+    <a:masterClrMapping/>
+  </p:clrMapOvr>
+</p:sld>
+</file>
+
+<file path=ppt/slides/slide40.xml><?xml version="1.0" encoding="utf-8"?>
+<p:sld xmlns:a="http://schemas.openxmlformats.org/drawingml/2006/main" xmlns:r="http://schemas.openxmlformats.org/officeDocument/2006/relationships" xmlns:p="http://schemas.openxmlformats.org/presentationml/2006/main">
+  <p:cSld>
+    <p:spTree>
+      <p:nvGrpSpPr>
+        <p:cNvPr id="1" name=""/>
+        <p:cNvGrpSpPr/>
+        <p:nvPr/>
+      </p:nvGrpSpPr>
+      <p:grpSpPr>
+        <a:xfrm>
+          <a:off x="0" y="0"/>
+          <a:ext cx="0" cy="0"/>
+          <a:chOff x="0" y="0"/>
+          <a:chExt cx="0" cy="0"/>
+        </a:xfrm>
+      </p:grpSpPr>
+      <p:sp>
+        <p:nvSpPr>
+          <p:cNvPr id="2" name="Title 1"/>
+          <p:cNvSpPr>
+            <a:spLocks noGrp="1"/>
+          </p:cNvSpPr>
+          <p:nvPr>
+            <p:ph type="title"/>
+          </p:nvPr>
+        </p:nvSpPr>
+        <p:spPr>
+          <a:xfrm>
+            <a:off x="990600" y="0"/>
+            <a:ext cx="7498080" cy="762000"/>
+          </a:xfrm>
+        </p:spPr>
+        <p:txBody>
+          <a:bodyPr>
+            <a:normAutofit/>
+          </a:bodyPr>
+          <a:lstStyle/>
+          <a:p>
+            <a:r>
+              <a:rPr lang="en-US" sz="3200" dirty="0" smtClean="0">
+                <a:solidFill>
+                  <a:srgbClr val="0070C0"/>
+                </a:solidFill>
+              </a:rPr>
+              <a:t>Tag helpers</a:t>
+            </a:r>
+            <a:endParaRPr lang="en-US" sz="3200" dirty="0"/>
+          </a:p>
+        </p:txBody>
+      </p:sp>
+      <p:sp>
+        <p:nvSpPr>
+          <p:cNvPr id="6" name="Content Placeholder 5"/>
+          <p:cNvSpPr>
+            <a:spLocks noGrp="1"/>
+          </p:cNvSpPr>
+          <p:nvPr>
+            <p:ph idx="1"/>
+          </p:nvPr>
+        </p:nvSpPr>
+        <p:spPr>
+          <a:xfrm>
+            <a:off x="1066800" y="685800"/>
+            <a:ext cx="7498080" cy="4800600"/>
+          </a:xfrm>
+        </p:spPr>
+        <p:txBody>
+          <a:bodyPr>
+            <a:normAutofit/>
+          </a:bodyPr>
+          <a:lstStyle/>
+          <a:p>
+            <a:r>
+              <a:rPr lang="en-US" sz="2400" dirty="0" smtClean="0"/>
+              <a:t>Importing Tag Helper</a:t>
+            </a:r>
+          </a:p>
+          <a:p>
+            <a:endParaRPr lang="en-US" sz="2400" dirty="0"/>
+          </a:p>
+        </p:txBody>
+      </p:sp>
+      <p:pic>
+        <p:nvPicPr>
+          <p:cNvPr id="2051" name="Picture 3"/>
+          <p:cNvPicPr>
+            <a:picLocks noChangeAspect="1" noChangeArrowheads="1"/>
+          </p:cNvPicPr>
+          <p:nvPr/>
+        </p:nvPicPr>
+        <p:blipFill>
+          <a:blip r:embed="rId2"/>
+          <a:srcRect/>
+          <a:stretch>
+            <a:fillRect/>
+          </a:stretch>
+        </p:blipFill>
+        <p:spPr bwMode="auto">
+          <a:xfrm>
+            <a:off x="1295400" y="1524000"/>
+            <a:ext cx="5353050" cy="266700"/>
+          </a:xfrm>
+          <a:prstGeom prst="rect">
+            <a:avLst/>
+          </a:prstGeom>
+          <a:noFill/>
+          <a:ln w="9525">
+            <a:noFill/>
+            <a:miter lim="800000"/>
+            <a:headEnd/>
+            <a:tailEnd/>
+          </a:ln>
+          <a:effectLst/>
+        </p:spPr>
+      </p:pic>
+      <p:pic>
+        <p:nvPicPr>
+          <p:cNvPr id="2052" name="Picture 4"/>
+          <p:cNvPicPr>
+            <a:picLocks noChangeAspect="1" noChangeArrowheads="1"/>
+          </p:cNvPicPr>
+          <p:nvPr/>
+        </p:nvPicPr>
+        <p:blipFill>
+          <a:blip r:embed="rId3"/>
+          <a:srcRect/>
+          <a:stretch>
+            <a:fillRect/>
+          </a:stretch>
+        </p:blipFill>
+        <p:spPr bwMode="auto">
+          <a:xfrm>
+            <a:off x="1143000" y="2286000"/>
+            <a:ext cx="8001000" cy="304800"/>
+          </a:xfrm>
+          <a:prstGeom prst="rect">
+            <a:avLst/>
+          </a:prstGeom>
+          <a:noFill/>
+          <a:ln w="9525">
+            <a:noFill/>
+            <a:miter lim="800000"/>
+            <a:headEnd/>
+            <a:tailEnd/>
+          </a:ln>
+          <a:effectLst/>
+        </p:spPr>
+      </p:pic>
+      <p:sp>
+        <p:nvSpPr>
+          <p:cNvPr id="10" name="Rectangle 9"/>
+          <p:cNvSpPr/>
+          <p:nvPr/>
+        </p:nvSpPr>
+        <p:spPr>
+          <a:xfrm>
+            <a:off x="1066800" y="6324600"/>
+            <a:ext cx="4038600" cy="369332"/>
+          </a:xfrm>
+          <a:prstGeom prst="rect">
+            <a:avLst/>
+          </a:prstGeom>
+        </p:spPr>
+        <p:txBody>
+          <a:bodyPr wrap="square">
+            <a:spAutoFit/>
+          </a:bodyPr>
+          <a:lstStyle/>
+          <a:p>
+            <a:r>
+              <a:rPr lang="en-US" dirty="0" smtClean="0"/>
+              <a:t>Demo :- </a:t>
+            </a:r>
+            <a:r>
+              <a:rPr lang="en-US" dirty="0" err="1" smtClean="0"/>
+              <a:t>core_MVC_Setup</a:t>
+            </a:r>
+            <a:endParaRPr lang="en-US" dirty="0"/>
+          </a:p>
+        </p:txBody>
+      </p:sp>
+    </p:spTree>
+  </p:cSld>
+  <p:clrMapOvr>
+    <a:masterClrMapping/>
+  </p:clrMapOvr>
+</p:sld>
+</file>
+
+<file path=ppt/slides/slide41.xml><?xml version="1.0" encoding="utf-8"?>
+<p:sld xmlns:a="http://schemas.openxmlformats.org/drawingml/2006/main" xmlns:r="http://schemas.openxmlformats.org/officeDocument/2006/relationships" xmlns:p="http://schemas.openxmlformats.org/presentationml/2006/main">
+  <p:cSld>
+    <p:spTree>
+      <p:nvGrpSpPr>
+        <p:cNvPr id="1" name=""/>
+        <p:cNvGrpSpPr/>
+        <p:nvPr/>
+      </p:nvGrpSpPr>
+      <p:grpSpPr>
+        <a:xfrm>
+          <a:off x="0" y="0"/>
+          <a:ext cx="0" cy="0"/>
+          <a:chOff x="0" y="0"/>
+          <a:chExt cx="0" cy="0"/>
+        </a:xfrm>
+      </p:grpSpPr>
+      <p:sp>
+        <p:nvSpPr>
+          <p:cNvPr id="2" name="Title 1"/>
+          <p:cNvSpPr>
+            <a:spLocks noGrp="1"/>
+          </p:cNvSpPr>
+          <p:nvPr>
+            <p:ph type="title"/>
+          </p:nvPr>
+        </p:nvSpPr>
+        <p:spPr>
+          <a:xfrm>
+            <a:off x="990600" y="0"/>
+            <a:ext cx="7498080" cy="762000"/>
+          </a:xfrm>
+        </p:spPr>
+        <p:txBody>
+          <a:bodyPr>
+            <a:normAutofit/>
+          </a:bodyPr>
+          <a:lstStyle/>
+          <a:p>
+            <a:r>
+              <a:rPr lang="en-US" sz="3200" dirty="0" smtClean="0">
+                <a:solidFill>
+                  <a:srgbClr val="0070C0"/>
+                </a:solidFill>
+              </a:rPr>
+              <a:t>Tag helpers</a:t>
+            </a:r>
+            <a:endParaRPr lang="en-US" sz="3200" dirty="0"/>
+          </a:p>
+        </p:txBody>
+      </p:sp>
+      <p:sp>
+        <p:nvSpPr>
+          <p:cNvPr id="10" name="Rectangle 9"/>
+          <p:cNvSpPr/>
+          <p:nvPr/>
+        </p:nvSpPr>
+        <p:spPr>
+          <a:xfrm>
+            <a:off x="1066800" y="6488668"/>
+            <a:ext cx="4038600" cy="369332"/>
+          </a:xfrm>
+          <a:prstGeom prst="rect">
+            <a:avLst/>
+          </a:prstGeom>
+        </p:spPr>
+        <p:txBody>
+          <a:bodyPr wrap="square">
+            <a:spAutoFit/>
+          </a:bodyPr>
+          <a:lstStyle/>
+          <a:p>
+            <a:r>
+              <a:rPr lang="en-US" dirty="0" smtClean="0"/>
+              <a:t>Demo :- </a:t>
+            </a:r>
+            <a:r>
+              <a:rPr lang="en-US" dirty="0" err="1" smtClean="0"/>
+              <a:t>core_MVC_Setup</a:t>
+            </a:r>
+            <a:endParaRPr lang="en-US" dirty="0"/>
+          </a:p>
+        </p:txBody>
+      </p:sp>
+      <p:pic>
+        <p:nvPicPr>
+          <p:cNvPr id="3074" name="Picture 2"/>
+          <p:cNvPicPr>
+            <a:picLocks noGrp="1" noChangeAspect="1" noChangeArrowheads="1"/>
+          </p:cNvPicPr>
+          <p:nvPr>
+            <p:ph idx="1"/>
+          </p:nvPr>
+        </p:nvPicPr>
+        <p:blipFill>
+          <a:blip r:embed="rId2"/>
+          <a:srcRect/>
+          <a:stretch>
+            <a:fillRect/>
+          </a:stretch>
+        </p:blipFill>
+        <p:spPr bwMode="auto">
+          <a:xfrm>
+            <a:off x="1447800" y="1066800"/>
+            <a:ext cx="7162800" cy="5562600"/>
+          </a:xfrm>
+          <a:prstGeom prst="rect">
+            <a:avLst/>
+          </a:prstGeom>
+          <a:noFill/>
+          <a:ln w="9525">
+            <a:noFill/>
+            <a:miter lim="800000"/>
+            <a:headEnd/>
+            <a:tailEnd/>
+          </a:ln>
+          <a:effectLst/>
+        </p:spPr>
+      </p:pic>
+      <p:sp>
+        <p:nvSpPr>
+          <p:cNvPr id="9" name="Rectangle 8"/>
+          <p:cNvSpPr/>
+          <p:nvPr/>
+        </p:nvSpPr>
+        <p:spPr>
+          <a:xfrm>
+            <a:off x="1143000" y="685800"/>
+            <a:ext cx="4038600" cy="369332"/>
+          </a:xfrm>
+          <a:prstGeom prst="rect">
+            <a:avLst/>
+          </a:prstGeom>
+        </p:spPr>
+        <p:txBody>
+          <a:bodyPr wrap="square">
+            <a:spAutoFit/>
+          </a:bodyPr>
+          <a:lstStyle/>
+          <a:p>
+            <a:r>
+              <a:rPr lang="en-US" dirty="0" smtClean="0"/>
+              <a:t>Form Tag Helper</a:t>
+            </a:r>
+            <a:endParaRPr lang="en-US" dirty="0"/>
+          </a:p>
+        </p:txBody>
+      </p:sp>
+    </p:spTree>
+  </p:cSld>
+  <p:clrMapOvr>
+    <a:masterClrMapping/>
+  </p:clrMapOvr>
+</p:sld>
+</file>
+
+<file path=ppt/slides/slide42.xml><?xml version="1.0" encoding="utf-8"?>
+<p:sld xmlns:a="http://schemas.openxmlformats.org/drawingml/2006/main" xmlns:r="http://schemas.openxmlformats.org/officeDocument/2006/relationships" xmlns:p="http://schemas.openxmlformats.org/presentationml/2006/main">
+  <p:cSld>
+    <p:spTree>
+      <p:nvGrpSpPr>
+        <p:cNvPr id="1" name=""/>
+        <p:cNvGrpSpPr/>
+        <p:nvPr/>
+      </p:nvGrpSpPr>
+      <p:grpSpPr>
+        <a:xfrm>
+          <a:off x="0" y="0"/>
+          <a:ext cx="0" cy="0"/>
+          <a:chOff x="0" y="0"/>
+          <a:chExt cx="0" cy="0"/>
+        </a:xfrm>
+      </p:grpSpPr>
+      <p:sp>
+        <p:nvSpPr>
+          <p:cNvPr id="2" name="Title 1"/>
+          <p:cNvSpPr>
+            <a:spLocks noGrp="1"/>
+          </p:cNvSpPr>
+          <p:nvPr>
+            <p:ph type="title"/>
+          </p:nvPr>
+        </p:nvSpPr>
+        <p:spPr>
+          <a:xfrm>
+            <a:off x="990600" y="0"/>
+            <a:ext cx="7498080" cy="762000"/>
+          </a:xfrm>
+        </p:spPr>
+        <p:txBody>
+          <a:bodyPr>
+            <a:normAutofit/>
+          </a:bodyPr>
+          <a:lstStyle/>
+          <a:p>
+            <a:r>
+              <a:rPr lang="en-US" sz="3200" dirty="0" smtClean="0">
+                <a:solidFill>
+                  <a:srgbClr val="0070C0"/>
+                </a:solidFill>
+              </a:rPr>
+              <a:t>Tag helpers</a:t>
+            </a:r>
+            <a:endParaRPr lang="en-US" sz="3200" dirty="0"/>
+          </a:p>
+        </p:txBody>
+      </p:sp>
+      <p:sp>
+        <p:nvSpPr>
+          <p:cNvPr id="10" name="Rectangle 9"/>
+          <p:cNvSpPr/>
+          <p:nvPr/>
+        </p:nvSpPr>
+        <p:spPr>
+          <a:xfrm>
+            <a:off x="1066800" y="6488668"/>
+            <a:ext cx="4038600" cy="369332"/>
+          </a:xfrm>
+          <a:prstGeom prst="rect">
+            <a:avLst/>
+          </a:prstGeom>
+        </p:spPr>
+        <p:txBody>
+          <a:bodyPr wrap="square">
+            <a:spAutoFit/>
+          </a:bodyPr>
+          <a:lstStyle/>
+          <a:p>
+            <a:r>
+              <a:rPr lang="en-US" dirty="0" smtClean="0"/>
+              <a:t>Demo :- </a:t>
+            </a:r>
+            <a:r>
+              <a:rPr lang="en-US" dirty="0" err="1" smtClean="0"/>
+              <a:t>core_MVC_Setup</a:t>
+            </a:r>
+            <a:endParaRPr lang="en-US" dirty="0"/>
+          </a:p>
+        </p:txBody>
+      </p:sp>
+      <p:pic>
+        <p:nvPicPr>
+          <p:cNvPr id="4098" name="Picture 2"/>
+          <p:cNvPicPr>
+            <a:picLocks noGrp="1" noChangeAspect="1" noChangeArrowheads="1"/>
+          </p:cNvPicPr>
+          <p:nvPr>
+            <p:ph idx="1"/>
+          </p:nvPr>
+        </p:nvPicPr>
+        <p:blipFill>
+          <a:blip r:embed="rId2"/>
+          <a:srcRect/>
+          <a:stretch>
+            <a:fillRect/>
+          </a:stretch>
+        </p:blipFill>
+        <p:spPr bwMode="auto">
+          <a:xfrm>
+            <a:off x="2057400" y="914400"/>
+            <a:ext cx="6132652" cy="5562600"/>
+          </a:xfrm>
+          <a:prstGeom prst="rect">
+            <a:avLst/>
+          </a:prstGeom>
+          <a:noFill/>
+          <a:ln w="9525">
+            <a:noFill/>
+            <a:miter lim="800000"/>
+            <a:headEnd/>
+            <a:tailEnd/>
+          </a:ln>
+          <a:effectLst/>
+        </p:spPr>
+      </p:pic>
+      <p:sp>
+        <p:nvSpPr>
+          <p:cNvPr id="7" name="Rectangle 6"/>
+          <p:cNvSpPr/>
+          <p:nvPr/>
+        </p:nvSpPr>
+        <p:spPr>
+          <a:xfrm>
+            <a:off x="1143000" y="533400"/>
+            <a:ext cx="4038600" cy="369332"/>
+          </a:xfrm>
+          <a:prstGeom prst="rect">
+            <a:avLst/>
+          </a:prstGeom>
+        </p:spPr>
+        <p:txBody>
+          <a:bodyPr wrap="square">
+            <a:spAutoFit/>
+          </a:bodyPr>
+          <a:lstStyle/>
+          <a:p>
+            <a:r>
+              <a:rPr lang="en-US" dirty="0" smtClean="0"/>
+              <a:t>Validation Tag Helper</a:t>
+            </a:r>
+            <a:endParaRPr lang="en-US" dirty="0"/>
+          </a:p>
+        </p:txBody>
+      </p:sp>
+    </p:spTree>
+  </p:cSld>
+  <p:clrMapOvr>
+    <a:masterClrMapping/>
+  </p:clrMapOvr>
+</p:sld>
+</file>
+
+<file path=ppt/slides/slide43.xml><?xml version="1.0" encoding="utf-8"?>
+<p:sld xmlns:a="http://schemas.openxmlformats.org/drawingml/2006/main" xmlns:r="http://schemas.openxmlformats.org/officeDocument/2006/relationships" xmlns:p="http://schemas.openxmlformats.org/presentationml/2006/main">
+  <p:cSld>
+    <p:spTree>
+      <p:nvGrpSpPr>
+        <p:cNvPr id="1" name=""/>
+        <p:cNvGrpSpPr/>
+        <p:nvPr/>
+      </p:nvGrpSpPr>
+      <p:grpSpPr>
+        <a:xfrm>
+          <a:off x="0" y="0"/>
+          <a:ext cx="0" cy="0"/>
+          <a:chOff x="0" y="0"/>
+          <a:chExt cx="0" cy="0"/>
+        </a:xfrm>
+      </p:grpSpPr>
+      <p:sp>
+        <p:nvSpPr>
+          <p:cNvPr id="2" name="Title 1"/>
+          <p:cNvSpPr>
+            <a:spLocks noGrp="1"/>
+          </p:cNvSpPr>
+          <p:nvPr>
+            <p:ph type="title"/>
+          </p:nvPr>
+        </p:nvSpPr>
+        <p:spPr>
+          <a:xfrm>
+            <a:off x="990600" y="0"/>
+            <a:ext cx="7498080" cy="1143000"/>
+          </a:xfrm>
+        </p:spPr>
+        <p:txBody>
+          <a:bodyPr/>
+          <a:lstStyle/>
+          <a:p>
+            <a:r>
+              <a:rPr lang="en-US" sz="4000" dirty="0" smtClean="0">
+                <a:solidFill>
+                  <a:srgbClr val="0070C0"/>
+                </a:solidFill>
+              </a:rPr>
+              <a:t>Exception Handling</a:t>
+            </a:r>
+            <a:endParaRPr lang="en-US" dirty="0"/>
+          </a:p>
+        </p:txBody>
+      </p:sp>
+      <p:sp>
+        <p:nvSpPr>
+          <p:cNvPr id="3" name="Content Placeholder 2"/>
+          <p:cNvSpPr>
+            <a:spLocks noGrp="1"/>
+          </p:cNvSpPr>
+          <p:nvPr>
+            <p:ph idx="1"/>
+          </p:nvPr>
+        </p:nvSpPr>
+        <p:spPr>
+          <a:xfrm>
+            <a:off x="1066800" y="838200"/>
+            <a:ext cx="8077200" cy="533400"/>
+          </a:xfrm>
+        </p:spPr>
+        <p:txBody>
+          <a:bodyPr>
+            <a:normAutofit/>
+          </a:bodyPr>
+          <a:lstStyle/>
+          <a:p>
+            <a:r>
+              <a:rPr lang="en-US" sz="2400" dirty="0" smtClean="0"/>
+              <a:t>Add Exception handling middleware </a:t>
+            </a:r>
+            <a:endParaRPr lang="en-US" sz="2400" dirty="0"/>
+          </a:p>
+        </p:txBody>
+      </p:sp>
+      <p:pic>
+        <p:nvPicPr>
+          <p:cNvPr id="5" name="Picture 4"/>
+          <p:cNvPicPr>
+            <a:picLocks noChangeAspect="1"/>
+          </p:cNvPicPr>
+          <p:nvPr/>
+        </p:nvPicPr>
+        <p:blipFill>
+          <a:blip r:embed="rId2"/>
+          <a:stretch>
+            <a:fillRect/>
+          </a:stretch>
+        </p:blipFill>
+        <p:spPr>
+          <a:xfrm>
+            <a:off x="1905000" y="1600200"/>
+            <a:ext cx="4114800" cy="381000"/>
+          </a:xfrm>
+          <a:prstGeom prst="rect">
+            <a:avLst/>
+          </a:prstGeom>
+        </p:spPr>
+      </p:pic>
+      <p:pic>
+        <p:nvPicPr>
+          <p:cNvPr id="6" name="Picture 5"/>
+          <p:cNvPicPr>
+            <a:picLocks noChangeAspect="1"/>
+          </p:cNvPicPr>
+          <p:nvPr/>
+        </p:nvPicPr>
+        <p:blipFill>
+          <a:blip r:embed="rId3"/>
+          <a:stretch>
+            <a:fillRect/>
+          </a:stretch>
+        </p:blipFill>
+        <p:spPr>
+          <a:xfrm>
+            <a:off x="1143000" y="2286000"/>
+            <a:ext cx="7806170" cy="2133600"/>
+          </a:xfrm>
+          <a:prstGeom prst="rect">
+            <a:avLst/>
+          </a:prstGeom>
+        </p:spPr>
+      </p:pic>
+      <p:sp>
+        <p:nvSpPr>
+          <p:cNvPr id="7" name="Rectangle 6"/>
+          <p:cNvSpPr/>
+          <p:nvPr/>
+        </p:nvSpPr>
+        <p:spPr>
+          <a:xfrm>
+            <a:off x="1447800" y="6096000"/>
+            <a:ext cx="3694794" cy="369332"/>
+          </a:xfrm>
+          <a:prstGeom prst="rect">
+            <a:avLst/>
+          </a:prstGeom>
+        </p:spPr>
+        <p:txBody>
+          <a:bodyPr wrap="none">
+            <a:spAutoFit/>
+          </a:bodyPr>
+          <a:lstStyle/>
+          <a:p>
+            <a:r>
+              <a:rPr lang="en-US" dirty="0"/>
+              <a:t>Example : - </a:t>
+            </a:r>
+            <a:r>
+              <a:rPr lang="en-US" smtClean="0"/>
+              <a:t>Core_Exception_handling</a:t>
+            </a:r>
+            <a:endParaRPr lang="en-US" dirty="0"/>
+          </a:p>
+        </p:txBody>
+      </p:sp>
+    </p:spTree>
+    <p:extLst>
+      <p:ext uri="{BB962C8B-B14F-4D97-AF65-F5344CB8AC3E}">
+        <p14:creationId xmlns="" xmlns:p14="http://schemas.microsoft.com/office/powerpoint/2010/main" val="2644221448"/>
+      </p:ext>
+    </p:extLst>
+  </p:cSld>
+  <p:clrMapOvr>
+    <a:masterClrMapping/>
+  </p:clrMapOvr>
+</p:sld>
+</file>
+
+<file path=ppt/slides/slide44.xml><?xml version="1.0" encoding="utf-8"?>
+<p:sld xmlns:a="http://schemas.openxmlformats.org/drawingml/2006/main" xmlns:r="http://schemas.openxmlformats.org/officeDocument/2006/relationships" xmlns:p="http://schemas.openxmlformats.org/presentationml/2006/main">
+  <p:cSld>
+    <p:spTree>
+      <p:nvGrpSpPr>
+        <p:cNvPr id="1" name=""/>
+        <p:cNvGrpSpPr/>
+        <p:nvPr/>
+      </p:nvGrpSpPr>
+      <p:grpSpPr>
+        <a:xfrm>
+          <a:off x="0" y="0"/>
+          <a:ext cx="0" cy="0"/>
+          <a:chOff x="0" y="0"/>
+          <a:chExt cx="0" cy="0"/>
+        </a:xfrm>
+      </p:grpSpPr>
+      <p:sp>
+        <p:nvSpPr>
+          <p:cNvPr id="2" name="Title 1"/>
+          <p:cNvSpPr>
+            <a:spLocks noGrp="1"/>
+          </p:cNvSpPr>
+          <p:nvPr>
+            <p:ph type="title"/>
+          </p:nvPr>
+        </p:nvSpPr>
+        <p:spPr>
+          <a:xfrm>
+            <a:off x="990600" y="0"/>
+            <a:ext cx="7498080" cy="1143000"/>
+          </a:xfrm>
+        </p:spPr>
+        <p:txBody>
+          <a:bodyPr/>
+          <a:lstStyle/>
+          <a:p>
+            <a:r>
+              <a:rPr lang="en-US" sz="4000" dirty="0" smtClean="0">
+                <a:solidFill>
+                  <a:srgbClr val="0070C0"/>
+                </a:solidFill>
+              </a:rPr>
+              <a:t>Logging</a:t>
+            </a:r>
+            <a:endParaRPr lang="en-US" dirty="0"/>
+          </a:p>
+        </p:txBody>
+      </p:sp>
+      <p:sp>
+        <p:nvSpPr>
+          <p:cNvPr id="3" name="Content Placeholder 2"/>
+          <p:cNvSpPr>
+            <a:spLocks noGrp="1"/>
+          </p:cNvSpPr>
+          <p:nvPr>
+            <p:ph idx="1"/>
+          </p:nvPr>
+        </p:nvSpPr>
+        <p:spPr>
+          <a:xfrm>
+            <a:off x="1066800" y="838200"/>
+            <a:ext cx="8077200" cy="533400"/>
+          </a:xfrm>
+        </p:spPr>
+        <p:txBody>
+          <a:bodyPr>
+            <a:normAutofit/>
+          </a:bodyPr>
+          <a:lstStyle/>
+          <a:p>
+            <a:r>
+              <a:rPr lang="en-US" sz="2400" dirty="0" smtClean="0"/>
+              <a:t>Instance an instance of </a:t>
+            </a:r>
+            <a:r>
+              <a:rPr lang="en-US" sz="2400" dirty="0" err="1" smtClean="0"/>
+              <a:t>ILogger</a:t>
+            </a:r>
+            <a:endParaRPr lang="en-US" sz="2400" dirty="0"/>
+          </a:p>
+        </p:txBody>
+      </p:sp>
+      <p:sp>
+        <p:nvSpPr>
+          <p:cNvPr id="7" name="Rectangle 6"/>
+          <p:cNvSpPr/>
+          <p:nvPr/>
+        </p:nvSpPr>
+        <p:spPr>
+          <a:xfrm>
+            <a:off x="1447800" y="6096000"/>
+            <a:ext cx="3694794" cy="369332"/>
+          </a:xfrm>
+          <a:prstGeom prst="rect">
+            <a:avLst/>
+          </a:prstGeom>
+        </p:spPr>
+        <p:txBody>
+          <a:bodyPr wrap="none">
+            <a:spAutoFit/>
+          </a:bodyPr>
+          <a:lstStyle/>
+          <a:p>
+            <a:r>
+              <a:rPr lang="en-US" dirty="0"/>
+              <a:t>Example : - </a:t>
+            </a:r>
+            <a:r>
+              <a:rPr lang="en-US" smtClean="0"/>
+              <a:t>Core_Exception_handling</a:t>
+            </a:r>
+            <a:endParaRPr lang="en-US" dirty="0"/>
+          </a:p>
+        </p:txBody>
+      </p:sp>
+      <p:pic>
+        <p:nvPicPr>
+          <p:cNvPr id="4" name="Picture 3"/>
+          <p:cNvPicPr>
+            <a:picLocks noChangeAspect="1"/>
+          </p:cNvPicPr>
+          <p:nvPr/>
+        </p:nvPicPr>
+        <p:blipFill>
+          <a:blip r:embed="rId2"/>
+          <a:stretch>
+            <a:fillRect/>
+          </a:stretch>
+        </p:blipFill>
+        <p:spPr>
+          <a:xfrm>
+            <a:off x="1447800" y="1371600"/>
+            <a:ext cx="4505325" cy="1104900"/>
+          </a:xfrm>
+          <a:prstGeom prst="rect">
+            <a:avLst/>
+          </a:prstGeom>
+        </p:spPr>
+      </p:pic>
+      <p:pic>
+        <p:nvPicPr>
+          <p:cNvPr id="8" name="Picture 7"/>
+          <p:cNvPicPr>
+            <a:picLocks noChangeAspect="1"/>
+          </p:cNvPicPr>
+          <p:nvPr/>
+        </p:nvPicPr>
+        <p:blipFill>
+          <a:blip r:embed="rId3"/>
+          <a:stretch>
+            <a:fillRect/>
+          </a:stretch>
+        </p:blipFill>
+        <p:spPr>
+          <a:xfrm>
+            <a:off x="1052945" y="3353666"/>
+            <a:ext cx="8077200" cy="1809750"/>
+          </a:xfrm>
+          <a:prstGeom prst="rect">
+            <a:avLst/>
+          </a:prstGeom>
+        </p:spPr>
+      </p:pic>
+    </p:spTree>
+    <p:extLst>
+      <p:ext uri="{BB962C8B-B14F-4D97-AF65-F5344CB8AC3E}">
+        <p14:creationId xmlns="" xmlns:p14="http://schemas.microsoft.com/office/powerpoint/2010/main" val="3986536905"/>
+      </p:ext>
+    </p:extLst>
+  </p:cSld>
+  <p:clrMapOvr>
+    <a:masterClrMapping/>
+  </p:clrMapOvr>
+</p:sld>
+</file>
+
+<file path=ppt/slides/slide45.xml><?xml version="1.0" encoding="utf-8"?>
+<p:sld xmlns:a="http://schemas.openxmlformats.org/drawingml/2006/main" xmlns:r="http://schemas.openxmlformats.org/officeDocument/2006/relationships" xmlns:p="http://schemas.openxmlformats.org/presentationml/2006/main">
+  <p:cSld>
+    <p:spTree>
+      <p:nvGrpSpPr>
+        <p:cNvPr id="1" name=""/>
+        <p:cNvGrpSpPr/>
+        <p:nvPr/>
+      </p:nvGrpSpPr>
+      <p:grpSpPr>
+        <a:xfrm>
+          <a:off x="0" y="0"/>
+          <a:ext cx="0" cy="0"/>
+          <a:chOff x="0" y="0"/>
+          <a:chExt cx="0" cy="0"/>
+        </a:xfrm>
+      </p:grpSpPr>
+      <p:sp>
+        <p:nvSpPr>
           <p:cNvPr id="2" name="Title 1"/>
           <p:cNvSpPr>
             <a:spLocks noGrp="1"/>
@@ -6421,7 +11758,7 @@
           <p:nvPr>
             <p:extLst>
               <p:ext uri="{D42A27DB-BD31-4B8C-83A1-F6EECF244321}">
-                <p14:modId xmlns:p14="http://schemas.microsoft.com/office/powerpoint/2010/main" val="846471255"/>
+                <p14:modId xmlns="" xmlns:p14="http://schemas.microsoft.com/office/powerpoint/2010/main" val="846471255"/>
               </p:ext>
             </p:extLst>
           </p:nvPr>
@@ -6440,14 +11777,14 @@
                 <a:gridCol w="4038600">
                   <a:extLst>
                     <a:ext uri="{9D8B030D-6E8A-4147-A177-3AD203B41FA5}">
-                      <a16:colId xmlns:a16="http://schemas.microsoft.com/office/drawing/2014/main" val="2549096863"/>
+                      <a16:colId xmlns="" xmlns:a16="http://schemas.microsoft.com/office/drawing/2014/main" val="2549096863"/>
                     </a:ext>
                   </a:extLst>
                 </a:gridCol>
                 <a:gridCol w="4038600">
                   <a:extLst>
                     <a:ext uri="{9D8B030D-6E8A-4147-A177-3AD203B41FA5}">
-                      <a16:colId xmlns:a16="http://schemas.microsoft.com/office/drawing/2014/main" val="3130551928"/>
+                      <a16:colId xmlns="" xmlns:a16="http://schemas.microsoft.com/office/drawing/2014/main" val="3130551928"/>
                     </a:ext>
                   </a:extLst>
                 </a:gridCol>
@@ -6585,7 +11922,7 @@
                 </a:tc>
                 <a:extLst>
                   <a:ext uri="{0D108BD9-81ED-4DB2-BD59-A6C34878D82A}">
-                    <a16:rowId xmlns:a16="http://schemas.microsoft.com/office/drawing/2014/main" val="711434588"/>
+                    <a16:rowId xmlns="" xmlns:a16="http://schemas.microsoft.com/office/drawing/2014/main" val="711434588"/>
                   </a:ext>
                 </a:extLst>
               </a:tr>
@@ -6596,281 +11933,9 @@
     </p:spTree>
     <p:extLst>
       <p:ext uri="{BB962C8B-B14F-4D97-AF65-F5344CB8AC3E}">
-        <p14:creationId xmlns:p14="http://schemas.microsoft.com/office/powerpoint/2010/main" val="3949410573"/>
+        <p14:creationId xmlns="" xmlns:p14="http://schemas.microsoft.com/office/powerpoint/2010/main" val="3949410573"/>
       </p:ext>
     </p:extLst>
-  </p:cSld>
-  <p:clrMapOvr>
-    <a:masterClrMapping/>
-  </p:clrMapOvr>
-</p:sld>
-</file>
-
-<file path=ppt/slides/slide3.xml><?xml version="1.0" encoding="utf-8"?>
-<p:sld xmlns:a="http://schemas.openxmlformats.org/drawingml/2006/main" xmlns:r="http://schemas.openxmlformats.org/officeDocument/2006/relationships" xmlns:p="http://schemas.openxmlformats.org/presentationml/2006/main">
-  <p:cSld>
-    <p:spTree>
-      <p:nvGrpSpPr>
-        <p:cNvPr id="1" name=""/>
-        <p:cNvGrpSpPr/>
-        <p:nvPr/>
-      </p:nvGrpSpPr>
-      <p:grpSpPr>
-        <a:xfrm>
-          <a:off x="0" y="0"/>
-          <a:ext cx="0" cy="0"/>
-          <a:chOff x="0" y="0"/>
-          <a:chExt cx="0" cy="0"/>
-        </a:xfrm>
-      </p:grpSpPr>
-      <p:sp>
-        <p:nvSpPr>
-          <p:cNvPr id="2" name="Title 1"/>
-          <p:cNvSpPr>
-            <a:spLocks noGrp="1"/>
-          </p:cNvSpPr>
-          <p:nvPr>
-            <p:ph type="title"/>
-          </p:nvPr>
-        </p:nvSpPr>
-        <p:spPr/>
-        <p:txBody>
-          <a:bodyPr>
-            <a:noAutofit/>
-          </a:bodyPr>
-          <a:lstStyle/>
-          <a:p>
-            <a:r>
-              <a:rPr lang="en-US" sz="3600" dirty="0" smtClean="0">
-                <a:solidFill>
-                  <a:srgbClr val="0070C0"/>
-                </a:solidFill>
-              </a:rPr>
-              <a:t>What is </a:t>
-            </a:r>
-            <a:r>
-              <a:rPr lang="en-US" sz="3600" dirty="0" smtClean="0">
-                <a:solidFill>
-                  <a:srgbClr val="0070C0"/>
-                </a:solidFill>
-              </a:rPr>
-              <a:t>.NET </a:t>
-            </a:r>
-            <a:r>
-              <a:rPr lang="en-US" sz="3600" dirty="0" smtClean="0">
-                <a:solidFill>
-                  <a:srgbClr val="0070C0"/>
-                </a:solidFill>
-              </a:rPr>
-              <a:t>Core?</a:t>
-            </a:r>
-            <a:r>
-              <a:rPr lang="en-US" sz="3600" dirty="0" smtClean="0"/>
-              <a:t/>
-            </a:r>
-            <a:br>
-              <a:rPr lang="en-US" sz="3600" dirty="0" smtClean="0"/>
-            </a:br>
-            <a:endParaRPr lang="en-US" sz="3600" dirty="0"/>
-          </a:p>
-        </p:txBody>
-      </p:sp>
-      <p:sp>
-        <p:nvSpPr>
-          <p:cNvPr id="3" name="Content Placeholder 2"/>
-          <p:cNvSpPr>
-            <a:spLocks noGrp="1"/>
-          </p:cNvSpPr>
-          <p:nvPr>
-            <p:ph idx="1"/>
-          </p:nvPr>
-        </p:nvSpPr>
-        <p:spPr>
-          <a:xfrm>
-            <a:off x="1066800" y="914400"/>
-            <a:ext cx="8077200" cy="5791200"/>
-          </a:xfrm>
-        </p:spPr>
-        <p:txBody>
-          <a:bodyPr>
-            <a:normAutofit/>
-          </a:bodyPr>
-          <a:lstStyle/>
-          <a:p>
-            <a:r>
-              <a:rPr lang="en-US" sz="2400" dirty="0" smtClean="0"/>
-              <a:t>.NET Core is a free, open-source framework for building modern, scalable, and high-performance cross-platform software applications.</a:t>
-            </a:r>
-          </a:p>
-          <a:p>
-            <a:pPr>
-              <a:buNone/>
-            </a:pPr>
-            <a:endParaRPr lang="en-US" sz="2400" dirty="0" smtClean="0"/>
-          </a:p>
-          <a:p>
-            <a:r>
-              <a:rPr lang="en-US" sz="2400" dirty="0" smtClean="0"/>
-              <a:t>.NET Core is a general-purpose framework that may be used to build software applications for Windows, Linux, and </a:t>
-            </a:r>
-            <a:r>
-              <a:rPr lang="en-US" sz="2400" dirty="0" err="1" smtClean="0"/>
-              <a:t>MacOS</a:t>
-            </a:r>
-            <a:r>
-              <a:rPr lang="en-US" sz="2400" dirty="0" smtClean="0"/>
-              <a:t>.</a:t>
-            </a:r>
-            <a:endParaRPr lang="en-US" sz="2400" dirty="0"/>
-          </a:p>
-        </p:txBody>
-      </p:sp>
-      <p:pic>
-        <p:nvPicPr>
-          <p:cNvPr id="4" name="Picture 3"/>
-          <p:cNvPicPr>
-            <a:picLocks noChangeAspect="1"/>
-          </p:cNvPicPr>
-          <p:nvPr/>
-        </p:nvPicPr>
-        <p:blipFill>
-          <a:blip r:embed="rId2"/>
-          <a:stretch>
-            <a:fillRect/>
-          </a:stretch>
-        </p:blipFill>
-        <p:spPr>
-          <a:xfrm>
-            <a:off x="1852612" y="3789218"/>
-            <a:ext cx="6505575" cy="2676525"/>
-          </a:xfrm>
-          <a:prstGeom prst="rect">
-            <a:avLst/>
-          </a:prstGeom>
-        </p:spPr>
-      </p:pic>
-    </p:spTree>
-  </p:cSld>
-  <p:clrMapOvr>
-    <a:masterClrMapping/>
-  </p:clrMapOvr>
-</p:sld>
-</file>
-
-<file path=ppt/slides/slide4.xml><?xml version="1.0" encoding="utf-8"?>
-<p:sld xmlns:a="http://schemas.openxmlformats.org/drawingml/2006/main" xmlns:r="http://schemas.openxmlformats.org/officeDocument/2006/relationships" xmlns:p="http://schemas.openxmlformats.org/presentationml/2006/main">
-  <p:cSld>
-    <p:spTree>
-      <p:nvGrpSpPr>
-        <p:cNvPr id="1" name=""/>
-        <p:cNvGrpSpPr/>
-        <p:nvPr/>
-      </p:nvGrpSpPr>
-      <p:grpSpPr>
-        <a:xfrm>
-          <a:off x="0" y="0"/>
-          <a:ext cx="0" cy="0"/>
-          <a:chOff x="0" y="0"/>
-          <a:chExt cx="0" cy="0"/>
-        </a:xfrm>
-      </p:grpSpPr>
-      <p:sp>
-        <p:nvSpPr>
-          <p:cNvPr id="2" name="Title 1"/>
-          <p:cNvSpPr>
-            <a:spLocks noGrp="1"/>
-          </p:cNvSpPr>
-          <p:nvPr>
-            <p:ph type="title"/>
-          </p:nvPr>
-        </p:nvSpPr>
-        <p:spPr/>
-        <p:txBody>
-          <a:bodyPr>
-            <a:normAutofit fontScale="90000"/>
-          </a:bodyPr>
-          <a:lstStyle/>
-          <a:p>
-            <a:r>
-              <a:rPr lang="en-US" sz="3600" dirty="0" smtClean="0">
-                <a:solidFill>
-                  <a:srgbClr val="0070C0"/>
-                </a:solidFill>
-              </a:rPr>
-              <a:t>Characteristics of .NET Core?</a:t>
-            </a:r>
-            <a:r>
-              <a:rPr lang="en-US" sz="3600" dirty="0" smtClean="0"/>
-              <a:t/>
-            </a:r>
-            <a:br>
-              <a:rPr lang="en-US" sz="3600" dirty="0" smtClean="0"/>
-            </a:br>
-            <a:endParaRPr lang="en-US" sz="3600" dirty="0"/>
-          </a:p>
-        </p:txBody>
-      </p:sp>
-      <p:sp>
-        <p:nvSpPr>
-          <p:cNvPr id="3" name="Content Placeholder 2"/>
-          <p:cNvSpPr>
-            <a:spLocks noGrp="1"/>
-          </p:cNvSpPr>
-          <p:nvPr>
-            <p:ph idx="1"/>
-          </p:nvPr>
-        </p:nvSpPr>
-        <p:spPr>
-          <a:xfrm>
-            <a:off x="1143000" y="914400"/>
-            <a:ext cx="7848600" cy="5638800"/>
-          </a:xfrm>
-        </p:spPr>
-        <p:txBody>
-          <a:bodyPr>
-            <a:normAutofit/>
-          </a:bodyPr>
-          <a:lstStyle/>
-          <a:p>
-            <a:r>
-              <a:rPr lang="en-US" sz="2400" dirty="0" smtClean="0"/>
-              <a:t>.NET Core is Free and Open Source.</a:t>
-            </a:r>
-          </a:p>
-          <a:p>
-            <a:r>
-              <a:rPr lang="en-US" sz="2400" dirty="0" smtClean="0"/>
-              <a:t>.NET Core is Cross-platform.</a:t>
-            </a:r>
-          </a:p>
-          <a:p>
-            <a:r>
-              <a:rPr lang="en-US" sz="2400" dirty="0" smtClean="0"/>
-              <a:t>.NET Core is Sharable.</a:t>
-            </a:r>
-          </a:p>
-          <a:p>
-            <a:r>
-              <a:rPr lang="en-US" sz="2400" dirty="0" smtClean="0"/>
-              <a:t>.NET Core is Modern.</a:t>
-            </a:r>
-          </a:p>
-          <a:p>
-            <a:r>
-              <a:rPr lang="en-US" sz="2400" dirty="0" smtClean="0"/>
-              <a:t>.NET Core is Fast.</a:t>
-            </a:r>
-          </a:p>
-          <a:p>
-            <a:r>
-              <a:rPr lang="en-US" sz="2400" dirty="0" smtClean="0"/>
-              <a:t>.NET Core is Lightweight.</a:t>
-            </a:r>
-            <a:endParaRPr lang="en-US" sz="2400" dirty="0"/>
-          </a:p>
-        </p:txBody>
-      </p:sp>
-    </p:spTree>
   </p:cSld>
   <p:clrMapOvr>
     <a:masterClrMapping/>
@@ -6905,10 +11970,46 @@
             <p:ph type="title"/>
           </p:nvPr>
         </p:nvSpPr>
-        <p:spPr>
-          <a:xfrm>
-            <a:off x="1066800" y="0"/>
-            <a:ext cx="7498080" cy="1143000"/>
+        <p:spPr/>
+        <p:txBody>
+          <a:bodyPr>
+            <a:normAutofit fontScale="90000"/>
+          </a:bodyPr>
+          <a:lstStyle/>
+          <a:p>
+            <a:r>
+              <a:rPr lang="en-US" sz="3600" dirty="0" smtClean="0">
+                <a:solidFill>
+                  <a:srgbClr val="0070C0"/>
+                </a:solidFill>
+              </a:rPr>
+              <a:t>Characteristics of .NET Core?</a:t>
+            </a:r>
+            <a:r>
+              <a:rPr lang="en-US" sz="3600" dirty="0" smtClean="0"/>
+              <a:t/>
+            </a:r>
+            <a:br>
+              <a:rPr lang="en-US" sz="3600" dirty="0" smtClean="0"/>
+            </a:br>
+            <a:endParaRPr lang="en-US" sz="3600" dirty="0"/>
+          </a:p>
+        </p:txBody>
+      </p:sp>
+      <p:sp>
+        <p:nvSpPr>
+          <p:cNvPr id="3" name="Content Placeholder 2"/>
+          <p:cNvSpPr>
+            <a:spLocks noGrp="1"/>
+          </p:cNvSpPr>
+          <p:nvPr>
+            <p:ph idx="1"/>
+          </p:nvPr>
+        </p:nvSpPr>
+        <p:spPr>
+          <a:xfrm>
+            <a:off x="1143000" y="914400"/>
+            <a:ext cx="7848600" cy="5638800"/>
           </a:xfrm>
         </p:spPr>
         <p:txBody>
@@ -6918,88 +12019,39 @@
           <a:lstStyle/>
           <a:p>
             <a:r>
-              <a:rPr lang="en-US" sz="3200" dirty="0" smtClean="0">
-                <a:solidFill>
-                  <a:srgbClr val="0070C0"/>
-                </a:solidFill>
-              </a:rPr>
-              <a:t>Installation</a:t>
-            </a:r>
-            <a:endParaRPr lang="en-US" sz="3200" dirty="0"/>
-          </a:p>
-        </p:txBody>
-      </p:sp>
-      <p:sp>
-        <p:nvSpPr>
-          <p:cNvPr id="3" name="Content Placeholder 2"/>
-          <p:cNvSpPr>
-            <a:spLocks noGrp="1"/>
-          </p:cNvSpPr>
-          <p:nvPr>
-            <p:ph idx="1"/>
-          </p:nvPr>
-        </p:nvSpPr>
-        <p:spPr>
-          <a:xfrm>
-            <a:off x="1066800" y="1143000"/>
-            <a:ext cx="8077200" cy="5715000"/>
-          </a:xfrm>
-        </p:spPr>
-        <p:txBody>
-          <a:bodyPr>
-            <a:normAutofit/>
-          </a:bodyPr>
-          <a:lstStyle/>
-          <a:p>
-            <a:r>
               <a:rPr lang="en-US" sz="2400" dirty="0" smtClean="0"/>
-              <a:t>To develop ASP.NET Core application, the following must be installed in your system:</a:t>
+              <a:t>.NET Core is Free and Open Source.</a:t>
             </a:r>
           </a:p>
           <a:p>
             <a:r>
               <a:rPr lang="en-US" sz="2400" dirty="0" smtClean="0"/>
-              <a:t>.NET Core SDK</a:t>
+              <a:t>.NET Core is Cross-platform.</a:t>
             </a:r>
           </a:p>
           <a:p>
             <a:r>
               <a:rPr lang="en-US" sz="2400" dirty="0" smtClean="0"/>
-              <a:t>Integrated Development Environment (IDE)</a:t>
-            </a:r>
-          </a:p>
-          <a:p>
-            <a:pPr>
-              <a:buNone/>
-            </a:pPr>
-            <a:endParaRPr lang="en-US" sz="2400" dirty="0" smtClean="0"/>
+              <a:t>.NET Core is Sharable.</a:t>
+            </a:r>
           </a:p>
           <a:p>
             <a:r>
               <a:rPr lang="en-US" sz="2400" dirty="0" smtClean="0"/>
-              <a:t>Go to </a:t>
-            </a:r>
-            <a:r>
-              <a:rPr lang="en-US" sz="2400" dirty="0" smtClean="0">
-                <a:hlinkClick r:id="rId2"/>
-              </a:rPr>
-              <a:t>https://www.microsoft.com/net/core</a:t>
-            </a:r>
+              <a:t>.NET Core is Modern.</a:t>
+            </a:r>
+          </a:p>
+          <a:p>
             <a:r>
               <a:rPr lang="en-US" sz="2400" dirty="0" smtClean="0"/>
-              <a:t> and select the platform you are using.</a:t>
+              <a:t>.NET Core is Fast.</a:t>
             </a:r>
           </a:p>
           <a:p>
             <a:r>
               <a:rPr lang="en-US" sz="2400" dirty="0" smtClean="0"/>
-              <a:t>You can develop, restore, build and run .NET Core application either with Visual Studio or with command line interface for .NET Core. </a:t>
-            </a:r>
-          </a:p>
-          <a:p>
-            <a:endParaRPr lang="en-US" sz="2400" dirty="0" smtClean="0"/>
-          </a:p>
-          <a:p>
+              <a:t>.NET Core is Lightweight.</a:t>
+            </a:r>
             <a:endParaRPr lang="en-US" sz="2400" dirty="0"/>
           </a:p>
         </p:txBody>
@@ -7039,20 +12091,27 @@
             <p:ph type="title"/>
           </p:nvPr>
         </p:nvSpPr>
-        <p:spPr/>
-        <p:txBody>
-          <a:bodyPr/>
+        <p:spPr>
+          <a:xfrm>
+            <a:off x="1066800" y="0"/>
+            <a:ext cx="7498080" cy="1143000"/>
+          </a:xfrm>
+        </p:spPr>
+        <p:txBody>
+          <a:bodyPr>
+            <a:normAutofit/>
+          </a:bodyPr>
           <a:lstStyle/>
           <a:p>
             <a:r>
-              <a:rPr lang="en-US" sz="4400" dirty="0" smtClean="0">
+              <a:rPr lang="en-US" sz="3200" dirty="0" smtClean="0">
                 <a:solidFill>
                   <a:srgbClr val="0070C0"/>
                 </a:solidFill>
               </a:rPr>
-              <a:t>CLI</a:t>
-            </a:r>
-            <a:endParaRPr lang="en-US" dirty="0"/>
+              <a:t>Installation</a:t>
+            </a:r>
+            <a:endParaRPr lang="en-US" sz="3200" dirty="0"/>
           </a:p>
         </p:txBody>
       </p:sp>
@@ -7066,92 +12125,68 @@
             <p:ph idx="1"/>
           </p:nvPr>
         </p:nvSpPr>
-        <p:spPr/>
-        <p:txBody>
-          <a:bodyPr/>
+        <p:spPr>
+          <a:xfrm>
+            <a:off x="1066800" y="1143000"/>
+            <a:ext cx="8077200" cy="5715000"/>
+          </a:xfrm>
+        </p:spPr>
+        <p:txBody>
+          <a:bodyPr>
+            <a:normAutofit/>
+          </a:bodyPr>
           <a:lstStyle/>
           <a:p>
             <a:r>
               <a:rPr lang="en-US" sz="2400" dirty="0" smtClean="0"/>
-              <a:t>The .NET Core command-line interface (CLI) is a new cross-platform tool for creating, restoring packages, building, running and publishing .NET applications.</a:t>
+              <a:t>To develop ASP.NET Core application, the following must be installed in your system:</a:t>
             </a:r>
           </a:p>
           <a:p>
             <a:r>
               <a:rPr lang="en-US" sz="2400" dirty="0" smtClean="0"/>
-              <a:t>The following is a command structure :-</a:t>
-            </a:r>
-          </a:p>
-          <a:p>
-            <a:r>
-              <a:rPr lang="en-US" sz="2400" dirty="0" err="1" smtClean="0"/>
-              <a:t>dotnet</a:t>
-            </a:r>
+              <a:t>.NET Core SDK</a:t>
+            </a:r>
+          </a:p>
+          <a:p>
             <a:r>
               <a:rPr lang="en-US" sz="2400" dirty="0" smtClean="0"/>
-              <a:t> &lt;command&gt; &lt;argument&gt; &lt;option&gt;</a:t>
-            </a:r>
-          </a:p>
-          <a:p>
-            <a:r>
-              <a:rPr lang="en-US" sz="2400" dirty="0" err="1" smtClean="0"/>
-              <a:t>E.g</a:t>
-            </a:r>
+              <a:t>Integrated Development Environment (IDE)</a:t>
+            </a:r>
+          </a:p>
+          <a:p>
+            <a:pPr>
+              <a:buNone/>
+            </a:pPr>
+            <a:endParaRPr lang="en-US" sz="2400" dirty="0" smtClean="0"/>
+          </a:p>
+          <a:p>
             <a:r>
               <a:rPr lang="en-US" sz="2400" dirty="0" smtClean="0"/>
-              <a:t>:- </a:t>
-            </a:r>
-          </a:p>
-          <a:p>
-            <a:r>
-              <a:rPr lang="en-US" sz="2400" dirty="0" err="1" smtClean="0"/>
-              <a:t>dotnet</a:t>
+              <a:t>Go to </a:t>
+            </a:r>
+            <a:r>
+              <a:rPr lang="en-US" sz="2400" dirty="0" smtClean="0">
+                <a:hlinkClick r:id="rId2"/>
+              </a:rPr>
+              <a:t>https://www.microsoft.com/net/core</a:t>
             </a:r>
             <a:r>
               <a:rPr lang="en-US" sz="2400" dirty="0" smtClean="0"/>
-              <a:t> new console</a:t>
-            </a:r>
-          </a:p>
-          <a:p>
-            <a:r>
-              <a:rPr lang="en-US" sz="2400" dirty="0" err="1" smtClean="0"/>
-              <a:t>dotnet</a:t>
-            </a:r>
+              <a:t> and select the platform you are using.</a:t>
+            </a:r>
+          </a:p>
+          <a:p>
             <a:r>
               <a:rPr lang="en-US" sz="2400" dirty="0" smtClean="0"/>
-              <a:t> build</a:t>
-            </a:r>
-          </a:p>
-          <a:p>
-            <a:r>
-              <a:rPr lang="en-US" sz="2400" dirty="0" err="1" smtClean="0"/>
-              <a:t>dotnet</a:t>
-            </a:r>
-            <a:r>
-              <a:rPr lang="en-US" sz="2400" dirty="0" smtClean="0"/>
-              <a:t> run</a:t>
-            </a:r>
-          </a:p>
-          <a:p>
-            <a:r>
-              <a:rPr lang="en-US" sz="2400" dirty="0" err="1" smtClean="0"/>
-              <a:t>dotnet</a:t>
-            </a:r>
-            <a:r>
-              <a:rPr lang="en-US" sz="2400" dirty="0" smtClean="0"/>
-              <a:t> new </a:t>
-            </a:r>
-            <a:r>
-              <a:rPr lang="en-US" sz="2400" dirty="0" err="1" smtClean="0"/>
-              <a:t>mvc</a:t>
-            </a:r>
+              <a:t>You can develop, restore, build and run .NET Core application either with Visual Studio or with command line interface for .NET Core. </a:t>
+            </a:r>
+          </a:p>
+          <a:p>
             <a:endParaRPr lang="en-US" sz="2400" dirty="0" smtClean="0"/>
           </a:p>
           <a:p>
-            <a:endParaRPr lang="en-US" sz="2400" dirty="0" smtClean="0"/>
-          </a:p>
-          <a:p>
-            <a:endParaRPr lang="en-US" dirty="0"/>
+            <a:endParaRPr lang="en-US" sz="2400" dirty="0"/>
           </a:p>
         </p:txBody>
       </p:sp>
@@ -7196,7 +12231,7 @@
           <a:lstStyle/>
           <a:p>
             <a:r>
-              <a:rPr lang="en-US" sz="4000" dirty="0" smtClean="0">
+              <a:rPr lang="en-US" sz="4400" dirty="0" smtClean="0">
                 <a:solidFill>
                   <a:srgbClr val="0070C0"/>
                 </a:solidFill>
@@ -7207,41 +12242,105 @@
           </a:p>
         </p:txBody>
       </p:sp>
-      <p:pic>
-        <p:nvPicPr>
-          <p:cNvPr id="4098" name="Picture 2"/>
-          <p:cNvPicPr>
-            <a:picLocks noGrp="1" noChangeAspect="1" noChangeArrowheads="1"/>
-          </p:cNvPicPr>
+      <p:sp>
+        <p:nvSpPr>
+          <p:cNvPr id="3" name="Content Placeholder 2"/>
+          <p:cNvSpPr>
+            <a:spLocks noGrp="1"/>
+          </p:cNvSpPr>
           <p:nvPr>
             <p:ph idx="1"/>
           </p:nvPr>
-        </p:nvPicPr>
-        <p:blipFill>
-          <a:blip r:embed="rId2"/>
-          <a:srcRect/>
-          <a:stretch>
-            <a:fillRect/>
-          </a:stretch>
-        </p:blipFill>
-        <p:spPr bwMode="auto">
-          <a:xfrm>
-            <a:off x="1447800" y="1524000"/>
-            <a:ext cx="6756400" cy="4800600"/>
-          </a:xfrm>
-          <a:prstGeom prst="rect">
-            <a:avLst/>
-          </a:prstGeom>
-          <a:noFill/>
-          <a:ln w="9525">
-            <a:noFill/>
-            <a:miter lim="800000"/>
-            <a:headEnd/>
-            <a:tailEnd/>
-          </a:ln>
-          <a:effectLst/>
-        </p:spPr>
-      </p:pic>
+        </p:nvSpPr>
+        <p:spPr/>
+        <p:txBody>
+          <a:bodyPr/>
+          <a:lstStyle/>
+          <a:p>
+            <a:r>
+              <a:rPr lang="en-US" sz="2400" dirty="0" smtClean="0"/>
+              <a:t>The .NET Core command-line interface (CLI) is a new cross-platform tool for creating, restoring packages, building, running and publishing .NET applications.</a:t>
+            </a:r>
+          </a:p>
+          <a:p>
+            <a:r>
+              <a:rPr lang="en-US" sz="2400" dirty="0" smtClean="0"/>
+              <a:t>The following is a command structure :-</a:t>
+            </a:r>
+          </a:p>
+          <a:p>
+            <a:r>
+              <a:rPr lang="en-US" sz="2400" dirty="0" err="1" smtClean="0"/>
+              <a:t>dotnet</a:t>
+            </a:r>
+            <a:r>
+              <a:rPr lang="en-US" sz="2400" dirty="0" smtClean="0"/>
+              <a:t> &lt;command&gt; &lt;argument&gt; &lt;option&gt;</a:t>
+            </a:r>
+          </a:p>
+          <a:p>
+            <a:r>
+              <a:rPr lang="en-US" sz="2400" dirty="0" err="1" smtClean="0"/>
+              <a:t>E.g</a:t>
+            </a:r>
+            <a:r>
+              <a:rPr lang="en-US" sz="2400" dirty="0" smtClean="0"/>
+              <a:t>:- </a:t>
+            </a:r>
+          </a:p>
+          <a:p>
+            <a:r>
+              <a:rPr lang="en-US" sz="2400" dirty="0" err="1" smtClean="0"/>
+              <a:t>dotnet</a:t>
+            </a:r>
+            <a:r>
+              <a:rPr lang="en-US" sz="2400" dirty="0" smtClean="0"/>
+              <a:t> new console</a:t>
+            </a:r>
+          </a:p>
+          <a:p>
+            <a:r>
+              <a:rPr lang="en-US" sz="2400" dirty="0" err="1" smtClean="0"/>
+              <a:t>dotnet</a:t>
+            </a:r>
+            <a:r>
+              <a:rPr lang="en-US" sz="2400" dirty="0" smtClean="0"/>
+              <a:t> build</a:t>
+            </a:r>
+          </a:p>
+          <a:p>
+            <a:r>
+              <a:rPr lang="en-US" sz="2400" dirty="0" err="1" smtClean="0"/>
+              <a:t>dotnet</a:t>
+            </a:r>
+            <a:r>
+              <a:rPr lang="en-US" sz="2400" dirty="0" smtClean="0"/>
+              <a:t> run</a:t>
+            </a:r>
+          </a:p>
+          <a:p>
+            <a:r>
+              <a:rPr lang="en-US" sz="2400" dirty="0" err="1" smtClean="0"/>
+              <a:t>dotnet</a:t>
+            </a:r>
+            <a:r>
+              <a:rPr lang="en-US" sz="2400" dirty="0" smtClean="0"/>
+              <a:t> new </a:t>
+            </a:r>
+            <a:r>
+              <a:rPr lang="en-US" sz="2400" dirty="0" err="1" smtClean="0"/>
+              <a:t>mvc</a:t>
+            </a:r>
+            <a:endParaRPr lang="en-US" sz="2400" dirty="0" smtClean="0"/>
+          </a:p>
+          <a:p>
+            <a:endParaRPr lang="en-US" sz="2400" dirty="0" smtClean="0"/>
+          </a:p>
+          <a:p>
+            <a:endParaRPr lang="en-US" dirty="0"/>
+          </a:p>
+        </p:txBody>
+      </p:sp>
     </p:spTree>
   </p:cSld>
   <p:clrMapOvr>
@@ -7296,7 +12395,7 @@
       </p:sp>
       <p:pic>
         <p:nvPicPr>
-          <p:cNvPr id="5122" name="Picture 2"/>
+          <p:cNvPr id="4098" name="Picture 2"/>
           <p:cNvPicPr>
             <a:picLocks noGrp="1" noChangeAspect="1" noChangeArrowheads="1"/>
           </p:cNvPicPr>
@@ -7313,8 +12412,8 @@
         </p:blipFill>
         <p:spPr bwMode="auto">
           <a:xfrm>
-            <a:off x="1994676" y="1447800"/>
-            <a:ext cx="6380197" cy="4800600"/>
+            <a:off x="1447800" y="1524000"/>
+            <a:ext cx="6756400" cy="4800600"/>
           </a:xfrm>
           <a:prstGeom prst="rect">
             <a:avLst/>
@@ -7364,25 +12463,18 @@
             <p:ph type="title"/>
           </p:nvPr>
         </p:nvSpPr>
-        <p:spPr>
-          <a:xfrm>
-            <a:off x="1066800" y="0"/>
-            <a:ext cx="7498080" cy="457200"/>
-          </a:xfrm>
-        </p:spPr>
-        <p:txBody>
-          <a:bodyPr>
-            <a:normAutofit fontScale="90000"/>
-          </a:bodyPr>
+        <p:spPr/>
+        <p:txBody>
+          <a:bodyPr/>
           <a:lstStyle/>
           <a:p>
             <a:r>
-              <a:rPr lang="en-US" sz="4400" dirty="0" smtClean="0">
+              <a:rPr lang="en-US" sz="4000" dirty="0" smtClean="0">
                 <a:solidFill>
                   <a:srgbClr val="0070C0"/>
                 </a:solidFill>
               </a:rPr>
-              <a:t>Structure</a:t>
+              <a:t>CLI</a:t>
             </a:r>
             <a:endParaRPr lang="en-US" dirty="0"/>
           </a:p>
@@ -7390,7 +12482,7 @@
       </p:sp>
       <p:pic>
         <p:nvPicPr>
-          <p:cNvPr id="7170" name="Picture 2"/>
+          <p:cNvPr id="5122" name="Picture 2"/>
           <p:cNvPicPr>
             <a:picLocks noGrp="1" noChangeAspect="1" noChangeArrowheads="1"/>
           </p:cNvPicPr>
@@ -7407,8 +12499,8 @@
         </p:blipFill>
         <p:spPr bwMode="auto">
           <a:xfrm>
-            <a:off x="1066800" y="762001"/>
-            <a:ext cx="5410200" cy="3200400"/>
+            <a:off x="1994676" y="1447800"/>
+            <a:ext cx="6380197" cy="4800600"/>
           </a:xfrm>
           <a:prstGeom prst="rect">
             <a:avLst/>
@@ -7423,225 +12515,6 @@
           <a:effectLst/>
         </p:spPr>
       </p:pic>
-      <p:sp>
-        <p:nvSpPr>
-          <p:cNvPr id="7" name="Content Placeholder 2"/>
-          <p:cNvSpPr txBox="1">
-            <a:spLocks/>
-          </p:cNvSpPr>
-          <p:nvPr/>
-        </p:nvSpPr>
-        <p:spPr>
-          <a:xfrm>
-            <a:off x="1143000" y="4038600"/>
-            <a:ext cx="7498080" cy="2209800"/>
-          </a:xfrm>
-          <a:prstGeom prst="rect">
-            <a:avLst/>
-          </a:prstGeom>
-        </p:spPr>
-        <p:txBody>
-          <a:bodyPr>
-            <a:normAutofit/>
-          </a:bodyPr>
-          <a:lstStyle/>
-          <a:p>
-            <a:pPr marL="365760" marR="0" lvl="0" indent="-283464" algn="l" defTabSz="914400" rtl="0" eaLnBrk="1" fontAlgn="auto" latinLnBrk="0" hangingPunct="1">
-              <a:lnSpc>
-                <a:spcPct val="100000"/>
-              </a:lnSpc>
-              <a:spcBef>
-                <a:spcPts val="600"/>
-              </a:spcBef>
-              <a:spcAft>
-                <a:spcPts val="0"/>
-              </a:spcAft>
-              <a:buClr>
-                <a:schemeClr val="accent1"/>
-              </a:buClr>
-              <a:buSzPct val="80000"/>
-              <a:buFont typeface="Wingdings 2"/>
-              <a:buChar char=""/>
-              <a:tabLst/>
-              <a:defRPr/>
-            </a:pPr>
-            <a:r>
-              <a:rPr kumimoji="0" lang="en-US" sz="2400" b="0" i="0" u="none" strike="noStrike" kern="1200" cap="none" spc="0" normalizeH="0" baseline="0" noProof="0" dirty="0" smtClean="0">
-                <a:ln>
-                  <a:noFill/>
-                </a:ln>
-                <a:solidFill>
-                  <a:schemeClr val="tx1"/>
-                </a:solidFill>
-                <a:effectLst/>
-                <a:uLnTx/>
-                <a:uFillTx/>
-                <a:latin typeface="+mn-lt"/>
-                <a:ea typeface="+mn-ea"/>
-                <a:cs typeface="+mn-cs"/>
-              </a:rPr>
-              <a:t>Server starting :- Loads</a:t>
-            </a:r>
-            <a:r>
-              <a:rPr kumimoji="0" lang="en-US" sz="2400" b="0" i="0" u="none" strike="noStrike" kern="1200" cap="none" spc="0" normalizeH="0" noProof="0" dirty="0" smtClean="0">
-                <a:ln>
-                  <a:noFill/>
-                </a:ln>
-                <a:solidFill>
-                  <a:schemeClr val="tx1"/>
-                </a:solidFill>
-                <a:effectLst/>
-                <a:uLnTx/>
-                <a:uFillTx/>
-                <a:latin typeface="+mn-lt"/>
-                <a:ea typeface="+mn-ea"/>
-                <a:cs typeface="+mn-cs"/>
-              </a:rPr>
-              <a:t> </a:t>
-            </a:r>
-            <a:r>
-              <a:rPr kumimoji="0" lang="en-US" sz="2400" b="0" i="0" u="none" strike="noStrike" kern="1200" cap="none" spc="0" normalizeH="0" noProof="0" dirty="0" err="1" smtClean="0">
-                <a:ln>
-                  <a:noFill/>
-                </a:ln>
-                <a:solidFill>
-                  <a:schemeClr val="tx1"/>
-                </a:solidFill>
-                <a:effectLst/>
-                <a:uLnTx/>
-                <a:uFillTx/>
-                <a:latin typeface="+mn-lt"/>
-                <a:ea typeface="+mn-ea"/>
-                <a:cs typeface="+mn-cs"/>
-              </a:rPr>
-              <a:t>application,services,cache</a:t>
-            </a:r>
-            <a:endParaRPr kumimoji="0" lang="en-US" sz="2400" b="0" i="0" u="none" strike="noStrike" kern="1200" cap="none" spc="0" normalizeH="0" noProof="0" dirty="0" smtClean="0">
-              <a:ln>
-                <a:noFill/>
-              </a:ln>
-              <a:solidFill>
-                <a:schemeClr val="tx1"/>
-              </a:solidFill>
-              <a:effectLst/>
-              <a:uLnTx/>
-              <a:uFillTx/>
-              <a:latin typeface="+mn-lt"/>
-              <a:ea typeface="+mn-ea"/>
-              <a:cs typeface="+mn-cs"/>
-            </a:endParaRPr>
-          </a:p>
-          <a:p>
-            <a:pPr marL="365760" marR="0" lvl="0" indent="-283464" algn="l" defTabSz="914400" rtl="0" eaLnBrk="1" fontAlgn="auto" latinLnBrk="0" hangingPunct="1">
-              <a:lnSpc>
-                <a:spcPct val="100000"/>
-              </a:lnSpc>
-              <a:spcBef>
-                <a:spcPts val="600"/>
-              </a:spcBef>
-              <a:spcAft>
-                <a:spcPts val="0"/>
-              </a:spcAft>
-              <a:buClr>
-                <a:schemeClr val="accent1"/>
-              </a:buClr>
-              <a:buSzPct val="80000"/>
-              <a:buFont typeface="Wingdings 2"/>
-              <a:buChar char=""/>
-              <a:tabLst/>
-              <a:defRPr/>
-            </a:pPr>
-            <a:r>
-              <a:rPr lang="en-US" sz="2400" dirty="0" smtClean="0"/>
-              <a:t>Serving request :- starts serving the request</a:t>
-            </a:r>
-            <a:endParaRPr kumimoji="0" lang="en-US" sz="2400" b="0" i="0" u="none" strike="noStrike" kern="1200" cap="none" spc="0" normalizeH="0" noProof="0" dirty="0" smtClean="0">
-              <a:ln>
-                <a:noFill/>
-              </a:ln>
-              <a:solidFill>
-                <a:schemeClr val="tx1"/>
-              </a:solidFill>
-              <a:effectLst/>
-              <a:uLnTx/>
-              <a:uFillTx/>
-              <a:latin typeface="+mn-lt"/>
-              <a:ea typeface="+mn-ea"/>
-              <a:cs typeface="+mn-cs"/>
-            </a:endParaRPr>
-          </a:p>
-          <a:p>
-            <a:pPr marL="365760" marR="0" lvl="0" indent="-283464" algn="l" defTabSz="914400" rtl="0" eaLnBrk="1" fontAlgn="auto" latinLnBrk="0" hangingPunct="1">
-              <a:lnSpc>
-                <a:spcPct val="100000"/>
-              </a:lnSpc>
-              <a:spcBef>
-                <a:spcPts val="600"/>
-              </a:spcBef>
-              <a:spcAft>
-                <a:spcPts val="0"/>
-              </a:spcAft>
-              <a:buClr>
-                <a:schemeClr val="accent1"/>
-              </a:buClr>
-              <a:buSzPct val="80000"/>
-              <a:buFont typeface="Wingdings 2"/>
-              <a:buChar char=""/>
-              <a:tabLst/>
-              <a:defRPr/>
-            </a:pPr>
-            <a:endParaRPr kumimoji="0" lang="en-US" sz="2400" b="0" i="0" u="none" strike="noStrike" kern="1200" cap="none" spc="0" normalizeH="0" baseline="0" noProof="0" dirty="0" smtClean="0">
-              <a:ln>
-                <a:noFill/>
-              </a:ln>
-              <a:solidFill>
-                <a:schemeClr val="tx1"/>
-              </a:solidFill>
-              <a:effectLst/>
-              <a:uLnTx/>
-              <a:uFillTx/>
-              <a:latin typeface="+mn-lt"/>
-              <a:ea typeface="+mn-ea"/>
-              <a:cs typeface="+mn-cs"/>
-            </a:endParaRPr>
-          </a:p>
-          <a:p>
-            <a:pPr marL="365760" marR="0" lvl="0" indent="-283464" algn="l" defTabSz="914400" rtl="0" eaLnBrk="1" fontAlgn="auto" latinLnBrk="0" hangingPunct="1">
-              <a:lnSpc>
-                <a:spcPct val="100000"/>
-              </a:lnSpc>
-              <a:spcBef>
-                <a:spcPts val="600"/>
-              </a:spcBef>
-              <a:spcAft>
-                <a:spcPts val="0"/>
-              </a:spcAft>
-              <a:buClr>
-                <a:schemeClr val="accent1"/>
-              </a:buClr>
-              <a:buSzPct val="80000"/>
-              <a:buFont typeface="Wingdings 2"/>
-              <a:buChar char=""/>
-              <a:tabLst/>
-              <a:defRPr/>
-            </a:pPr>
-            <a:endParaRPr kumimoji="0" lang="en-US" sz="3200" b="0" i="0" u="none" strike="noStrike" kern="1200" cap="none" spc="0" normalizeH="0" baseline="0" noProof="0" dirty="0" smtClean="0">
-              <a:ln>
-                <a:noFill/>
-              </a:ln>
-              <a:solidFill>
-                <a:schemeClr val="tx1"/>
-              </a:solidFill>
-              <a:effectLst/>
-              <a:uLnTx/>
-              <a:uFillTx/>
-              <a:latin typeface="+mn-lt"/>
-              <a:ea typeface="+mn-ea"/>
-              <a:cs typeface="+mn-cs"/>
-            </a:endParaRPr>
-          </a:p>
-        </p:txBody>
-      </p:sp>
     </p:spTree>
   </p:cSld>
   <p:clrMapOvr>
